--- a/LyceumProjectPresentation.pptx
+++ b/LyceumProjectPresentation.pptx
@@ -12,8 +12,9 @@
     <p:sldId id="264" r:id="rId6"/>
     <p:sldId id="259" r:id="rId7"/>
     <p:sldId id="260" r:id="rId8"/>
-    <p:sldId id="263" r:id="rId9"/>
-    <p:sldId id="262" r:id="rId10"/>
+    <p:sldId id="267" r:id="rId9"/>
+    <p:sldId id="263" r:id="rId10"/>
+    <p:sldId id="262" r:id="rId11"/>
   </p:sldIdLst>
   <p:sldSz cx="12192000" cy="6858000"/>
   <p:notesSz cx="6858000" cy="9144000"/>
@@ -124,6 +125,7 @@
 <p1510:revInfo xmlns:a="http://schemas.openxmlformats.org/drawingml/2006/main" xmlns:r="http://schemas.openxmlformats.org/officeDocument/2006/relationships" xmlns:p1510="http://schemas.microsoft.com/office/powerpoint/2015/10/main">
   <p1510:revLst>
     <p1510:client id="{3E47A8F5-6137-437C-B39C-A4CE0738C814}" v="2025" dt="2023-11-09T11:24:39.304"/>
+    <p1510:client id="{C907298B-7D49-4ED6-9729-283B48235E78}" v="45" dt="2023-11-19T10:13:21.473"/>
     <p1510:client id="{CB9CE215-4F9E-4775-96E7-89702C92E4E6}" v="691" dt="2023-11-11T15:37:43.377"/>
   </p1510:revLst>
 </p1510:revInfo>
@@ -3139,7 +3141,7 @@
           <a:p>
             <a:fld id="{F2FFB779-270B-4192-84BA-A697F48306DC}" type="datetimeFigureOut">
               <a:rPr lang="ru-RU" smtClean="0"/>
-              <a:t>11.11.2023</a:t>
+              <a:t>19.11.2023</a:t>
             </a:fld>
             <a:endParaRPr lang="ru-RU"/>
           </a:p>
@@ -3307,7 +3309,7 @@
           <a:p>
             <a:fld id="{F2FFB779-270B-4192-84BA-A697F48306DC}" type="datetimeFigureOut">
               <a:rPr lang="ru-RU" smtClean="0"/>
-              <a:t>11.11.2023</a:t>
+              <a:t>19.11.2023</a:t>
             </a:fld>
             <a:endParaRPr lang="ru-RU"/>
           </a:p>
@@ -3485,7 +3487,7 @@
           <a:p>
             <a:fld id="{F2FFB779-270B-4192-84BA-A697F48306DC}" type="datetimeFigureOut">
               <a:rPr lang="ru-RU" smtClean="0"/>
-              <a:t>11.11.2023</a:t>
+              <a:t>19.11.2023</a:t>
             </a:fld>
             <a:endParaRPr lang="ru-RU"/>
           </a:p>
@@ -3653,7 +3655,7 @@
           <a:p>
             <a:fld id="{F2FFB779-270B-4192-84BA-A697F48306DC}" type="datetimeFigureOut">
               <a:rPr lang="ru-RU" smtClean="0"/>
-              <a:t>11.11.2023</a:t>
+              <a:t>19.11.2023</a:t>
             </a:fld>
             <a:endParaRPr lang="ru-RU"/>
           </a:p>
@@ -3898,7 +3900,7 @@
           <a:p>
             <a:fld id="{F2FFB779-270B-4192-84BA-A697F48306DC}" type="datetimeFigureOut">
               <a:rPr lang="ru-RU" smtClean="0"/>
-              <a:t>11.11.2023</a:t>
+              <a:t>19.11.2023</a:t>
             </a:fld>
             <a:endParaRPr lang="ru-RU"/>
           </a:p>
@@ -4127,7 +4129,7 @@
           <a:p>
             <a:fld id="{F2FFB779-270B-4192-84BA-A697F48306DC}" type="datetimeFigureOut">
               <a:rPr lang="ru-RU" smtClean="0"/>
-              <a:t>11.11.2023</a:t>
+              <a:t>19.11.2023</a:t>
             </a:fld>
             <a:endParaRPr lang="ru-RU"/>
           </a:p>
@@ -4491,7 +4493,7 @@
           <a:p>
             <a:fld id="{F2FFB779-270B-4192-84BA-A697F48306DC}" type="datetimeFigureOut">
               <a:rPr lang="ru-RU" smtClean="0"/>
-              <a:t>11.11.2023</a:t>
+              <a:t>19.11.2023</a:t>
             </a:fld>
             <a:endParaRPr lang="ru-RU"/>
           </a:p>
@@ -4608,7 +4610,7 @@
           <a:p>
             <a:fld id="{F2FFB779-270B-4192-84BA-A697F48306DC}" type="datetimeFigureOut">
               <a:rPr lang="ru-RU" smtClean="0"/>
-              <a:t>11.11.2023</a:t>
+              <a:t>19.11.2023</a:t>
             </a:fld>
             <a:endParaRPr lang="ru-RU"/>
           </a:p>
@@ -4703,7 +4705,7 @@
           <a:p>
             <a:fld id="{F2FFB779-270B-4192-84BA-A697F48306DC}" type="datetimeFigureOut">
               <a:rPr lang="ru-RU" smtClean="0"/>
-              <a:t>11.11.2023</a:t>
+              <a:t>19.11.2023</a:t>
             </a:fld>
             <a:endParaRPr lang="ru-RU"/>
           </a:p>
@@ -4978,7 +4980,7 @@
           <a:p>
             <a:fld id="{F2FFB779-270B-4192-84BA-A697F48306DC}" type="datetimeFigureOut">
               <a:rPr lang="ru-RU" smtClean="0"/>
-              <a:t>11.11.2023</a:t>
+              <a:t>19.11.2023</a:t>
             </a:fld>
             <a:endParaRPr lang="ru-RU"/>
           </a:p>
@@ -5230,7 +5232,7 @@
           <a:p>
             <a:fld id="{F2FFB779-270B-4192-84BA-A697F48306DC}" type="datetimeFigureOut">
               <a:rPr lang="ru-RU" smtClean="0"/>
-              <a:t>11.11.2023</a:t>
+              <a:t>19.11.2023</a:t>
             </a:fld>
             <a:endParaRPr lang="ru-RU"/>
           </a:p>
@@ -5441,7 +5443,7 @@
           <a:p>
             <a:fld id="{F2FFB779-270B-4192-84BA-A697F48306DC}" type="datetimeFigureOut">
               <a:rPr lang="ru-RU" smtClean="0"/>
-              <a:t>11.11.2023</a:t>
+              <a:t>19.11.2023</a:t>
             </a:fld>
             <a:endParaRPr lang="ru-RU"/>
           </a:p>
@@ -6812,6 +6814,1020 @@
 </p:sld>
 </file>
 
+<file path=ppt/slides/slide10.xml><?xml version="1.0" encoding="utf-8"?>
+<p:sld xmlns:a="http://schemas.openxmlformats.org/drawingml/2006/main" xmlns:r="http://schemas.openxmlformats.org/officeDocument/2006/relationships" xmlns:p="http://schemas.openxmlformats.org/presentationml/2006/main">
+  <p:cSld>
+    <p:bg>
+      <p:bgPr>
+        <a:solidFill>
+          <a:schemeClr val="bg1"/>
+        </a:solidFill>
+        <a:effectLst/>
+      </p:bgPr>
+    </p:bg>
+    <p:spTree>
+      <p:nvGrpSpPr>
+        <p:cNvPr id="1" name=""/>
+        <p:cNvGrpSpPr/>
+        <p:nvPr/>
+      </p:nvGrpSpPr>
+      <p:grpSpPr>
+        <a:xfrm>
+          <a:off x="0" y="0"/>
+          <a:ext cx="0" cy="0"/>
+          <a:chOff x="0" y="0"/>
+          <a:chExt cx="0" cy="0"/>
+        </a:xfrm>
+      </p:grpSpPr>
+      <p:sp useBgFill="1">
+        <p:nvSpPr>
+          <p:cNvPr id="8" name="Rectangle 7">
+            <a:extLst>
+              <a:ext uri="{FF2B5EF4-FFF2-40B4-BE49-F238E27FC236}">
+                <a16:creationId xmlns:a16="http://schemas.microsoft.com/office/drawing/2014/main" id="{F837543A-6020-4505-A233-C9DB4BF74011}"/>
+              </a:ext>
+              <a:ext uri="{C183D7F6-B498-43B3-948B-1728B52AA6E4}">
+                <adec:decorative xmlns:adec="http://schemas.microsoft.com/office/drawing/2017/decorative" val="1"/>
+              </a:ext>
+            </a:extLst>
+          </p:cNvPr>
+          <p:cNvSpPr>
+            <a:spLocks noGrp="1" noRot="1" noChangeAspect="1" noMove="1" noResize="1" noEditPoints="1" noAdjustHandles="1" noChangeArrowheads="1" noChangeShapeType="1" noTextEdit="1"/>
+          </p:cNvSpPr>
+          <p:nvPr>
+            <p:extLst>
+              <p:ext uri="{386F3935-93C4-4BCD-93E2-E3B085C9AB24}">
+                <p16:designElem xmlns:p16="http://schemas.microsoft.com/office/powerpoint/2015/main" val="1"/>
+              </p:ext>
+            </p:extLst>
+          </p:nvPr>
+        </p:nvSpPr>
+        <p:spPr>
+          <a:xfrm>
+            <a:off x="3048" y="0"/>
+            <a:ext cx="12188952" cy="6858000"/>
+          </a:xfrm>
+          <a:prstGeom prst="rect">
+            <a:avLst/>
+          </a:prstGeom>
+          <a:ln>
+            <a:noFill/>
+          </a:ln>
+        </p:spPr>
+        <p:style>
+          <a:lnRef idx="2">
+            <a:schemeClr val="accent1">
+              <a:shade val="50000"/>
+            </a:schemeClr>
+          </a:lnRef>
+          <a:fillRef idx="1">
+            <a:schemeClr val="accent1"/>
+          </a:fillRef>
+          <a:effectRef idx="0">
+            <a:schemeClr val="accent1"/>
+          </a:effectRef>
+          <a:fontRef idx="minor">
+            <a:schemeClr val="lt1"/>
+          </a:fontRef>
+        </p:style>
+        <p:txBody>
+          <a:bodyPr rtlCol="0" anchor="ctr"/>
+          <a:lstStyle/>
+          <a:p>
+            <a:pPr algn="ctr"/>
+            <a:endParaRPr lang="en-US"/>
+          </a:p>
+        </p:txBody>
+      </p:sp>
+      <p:sp>
+        <p:nvSpPr>
+          <p:cNvPr id="2" name="Заголовок 1">
+            <a:extLst>
+              <a:ext uri="{FF2B5EF4-FFF2-40B4-BE49-F238E27FC236}">
+                <a16:creationId xmlns:a16="http://schemas.microsoft.com/office/drawing/2014/main" id="{559A678A-C686-C8A8-302F-FF7D4EE5F00B}"/>
+              </a:ext>
+            </a:extLst>
+          </p:cNvPr>
+          <p:cNvSpPr>
+            <a:spLocks noGrp="1"/>
+          </p:cNvSpPr>
+          <p:nvPr>
+            <p:ph type="title"/>
+          </p:nvPr>
+        </p:nvSpPr>
+        <p:spPr>
+          <a:xfrm>
+            <a:off x="838200" y="365125"/>
+            <a:ext cx="5558489" cy="1325563"/>
+          </a:xfrm>
+        </p:spPr>
+        <p:txBody>
+          <a:bodyPr>
+            <a:normAutofit/>
+          </a:bodyPr>
+          <a:lstStyle/>
+          <a:p>
+            <a:r>
+              <a:rPr lang="ru-RU" dirty="0">
+                <a:ea typeface="Calibri Light"/>
+                <a:cs typeface="Calibri Light"/>
+              </a:rPr>
+              <a:t>Развитие проекта</a:t>
+            </a:r>
+            <a:endParaRPr lang="ru-RU" dirty="0"/>
+          </a:p>
+        </p:txBody>
+      </p:sp>
+      <p:sp>
+        <p:nvSpPr>
+          <p:cNvPr id="10" name="Freeform: Shape 9">
+            <a:extLst>
+              <a:ext uri="{FF2B5EF4-FFF2-40B4-BE49-F238E27FC236}">
+                <a16:creationId xmlns:a16="http://schemas.microsoft.com/office/drawing/2014/main" id="{35B16301-FB18-48BA-A6DD-C37CAF6F9A18}"/>
+              </a:ext>
+              <a:ext uri="{C183D7F6-B498-43B3-948B-1728B52AA6E4}">
+                <adec:decorative xmlns:adec="http://schemas.microsoft.com/office/drawing/2017/decorative" val="1"/>
+              </a:ext>
+            </a:extLst>
+          </p:cNvPr>
+          <p:cNvSpPr>
+            <a:spLocks noGrp="1" noRot="1" noChangeAspect="1" noMove="1" noResize="1" noEditPoints="1" noAdjustHandles="1" noChangeArrowheads="1" noChangeShapeType="1" noTextEdit="1"/>
+          </p:cNvSpPr>
+          <p:nvPr>
+            <p:extLst>
+              <p:ext uri="{386F3935-93C4-4BCD-93E2-E3B085C9AB24}">
+                <p16:designElem xmlns:p16="http://schemas.microsoft.com/office/powerpoint/2015/main" val="1"/>
+              </p:ext>
+            </p:extLst>
+          </p:nvPr>
+        </p:nvSpPr>
+        <p:spPr>
+          <a:xfrm>
+            <a:off x="10208695" y="1"/>
+            <a:ext cx="1135066" cy="477997"/>
+          </a:xfrm>
+          <a:custGeom>
+            <a:avLst/>
+            <a:gdLst>
+              <a:gd name="connsiteX0" fmla="*/ 0 w 1135066"/>
+              <a:gd name="connsiteY0" fmla="*/ 0 h 477997"/>
+              <a:gd name="connsiteX1" fmla="*/ 1135066 w 1135066"/>
+              <a:gd name="connsiteY1" fmla="*/ 0 h 477997"/>
+              <a:gd name="connsiteX2" fmla="*/ 1133370 w 1135066"/>
+              <a:gd name="connsiteY2" fmla="*/ 16827 h 477997"/>
+              <a:gd name="connsiteX3" fmla="*/ 567533 w 1135066"/>
+              <a:gd name="connsiteY3" fmla="*/ 477997 h 477997"/>
+              <a:gd name="connsiteX4" fmla="*/ 1696 w 1135066"/>
+              <a:gd name="connsiteY4" fmla="*/ 16827 h 477997"/>
+            </a:gdLst>
+            <a:ahLst/>
+            <a:cxnLst>
+              <a:cxn ang="0">
+                <a:pos x="connsiteX0" y="connsiteY0"/>
+              </a:cxn>
+              <a:cxn ang="0">
+                <a:pos x="connsiteX1" y="connsiteY1"/>
+              </a:cxn>
+              <a:cxn ang="0">
+                <a:pos x="connsiteX2" y="connsiteY2"/>
+              </a:cxn>
+              <a:cxn ang="0">
+                <a:pos x="connsiteX3" y="connsiteY3"/>
+              </a:cxn>
+              <a:cxn ang="0">
+                <a:pos x="connsiteX4" y="connsiteY4"/>
+              </a:cxn>
+            </a:cxnLst>
+            <a:rect l="l" t="t" r="r" b="b"/>
+            <a:pathLst>
+              <a:path w="1135066" h="477997">
+                <a:moveTo>
+                  <a:pt x="0" y="0"/>
+                </a:moveTo>
+                <a:lnTo>
+                  <a:pt x="1135066" y="0"/>
+                </a:lnTo>
+                <a:lnTo>
+                  <a:pt x="1133370" y="16827"/>
+                </a:lnTo>
+                <a:cubicBezTo>
+                  <a:pt x="1079514" y="280016"/>
+                  <a:pt x="846644" y="477997"/>
+                  <a:pt x="567533" y="477997"/>
+                </a:cubicBezTo>
+                <a:cubicBezTo>
+                  <a:pt x="288422" y="477997"/>
+                  <a:pt x="55552" y="280016"/>
+                  <a:pt x="1696" y="16827"/>
+                </a:cubicBezTo>
+                <a:close/>
+              </a:path>
+            </a:pathLst>
+          </a:custGeom>
+          <a:solidFill>
+            <a:schemeClr val="accent5"/>
+          </a:solidFill>
+          <a:ln>
+            <a:noFill/>
+          </a:ln>
+        </p:spPr>
+        <p:style>
+          <a:lnRef idx="2">
+            <a:schemeClr val="accent1">
+              <a:shade val="50000"/>
+            </a:schemeClr>
+          </a:lnRef>
+          <a:fillRef idx="1">
+            <a:schemeClr val="accent1"/>
+          </a:fillRef>
+          <a:effectRef idx="0">
+            <a:schemeClr val="accent1"/>
+          </a:effectRef>
+          <a:fontRef idx="minor">
+            <a:schemeClr val="lt1"/>
+          </a:fontRef>
+        </p:style>
+        <p:txBody>
+          <a:bodyPr wrap="square" rtlCol="0" anchor="ctr">
+            <a:noAutofit/>
+          </a:bodyPr>
+          <a:lstStyle/>
+          <a:p>
+            <a:pPr algn="ctr"/>
+            <a:endParaRPr lang="en-US"/>
+          </a:p>
+        </p:txBody>
+      </p:sp>
+      <p:sp>
+        <p:nvSpPr>
+          <p:cNvPr id="3" name="Объект 2">
+            <a:extLst>
+              <a:ext uri="{FF2B5EF4-FFF2-40B4-BE49-F238E27FC236}">
+                <a16:creationId xmlns:a16="http://schemas.microsoft.com/office/drawing/2014/main" id="{9F9AC25B-1783-F669-BC11-3EBB24A79BF1}"/>
+              </a:ext>
+            </a:extLst>
+          </p:cNvPr>
+          <p:cNvSpPr>
+            <a:spLocks noGrp="1"/>
+          </p:cNvSpPr>
+          <p:nvPr>
+            <p:ph idx="1"/>
+          </p:nvPr>
+        </p:nvSpPr>
+        <p:spPr>
+          <a:xfrm>
+            <a:off x="303811" y="1647496"/>
+            <a:ext cx="6092878" cy="5212298"/>
+          </a:xfrm>
+        </p:spPr>
+        <p:txBody>
+          <a:bodyPr vert="horz" lIns="91440" tIns="45720" rIns="91440" bIns="45720" rtlCol="0" anchor="t">
+            <a:normAutofit/>
+          </a:bodyPr>
+          <a:lstStyle/>
+          <a:p>
+            <a:pPr marL="0" indent="0">
+              <a:buNone/>
+            </a:pPr>
+            <a:r>
+              <a:rPr lang="ru-RU" dirty="0">
+                <a:ea typeface="Calibri"/>
+                <a:cs typeface="Calibri"/>
+              </a:rPr>
+              <a:t>Возможно расширение функционала, например: добавить "дневник", в который можно будет заносить информацию о оценках учащихся.</a:t>
+            </a:r>
+          </a:p>
+          <a:p>
+            <a:pPr marL="0" indent="0">
+              <a:buNone/>
+            </a:pPr>
+            <a:r>
+              <a:rPr lang="ru-RU" dirty="0">
+                <a:ea typeface="Calibri"/>
+                <a:cs typeface="Calibri"/>
+              </a:rPr>
+              <a:t>Перевод приложения на общую БД на сервере, чтобы контролировать информацию было легче.</a:t>
+            </a:r>
+          </a:p>
+        </p:txBody>
+      </p:sp>
+      <p:sp>
+        <p:nvSpPr>
+          <p:cNvPr id="12" name="Oval 11">
+            <a:extLst>
+              <a:ext uri="{FF2B5EF4-FFF2-40B4-BE49-F238E27FC236}">
+                <a16:creationId xmlns:a16="http://schemas.microsoft.com/office/drawing/2014/main" id="{C3C0D90E-074A-4F52-9B11-B52BEF4BCBE5}"/>
+              </a:ext>
+              <a:ext uri="{C183D7F6-B498-43B3-948B-1728B52AA6E4}">
+                <adec:decorative xmlns:adec="http://schemas.microsoft.com/office/drawing/2017/decorative" val="1"/>
+              </a:ext>
+            </a:extLst>
+          </p:cNvPr>
+          <p:cNvSpPr>
+            <a:spLocks noGrp="1" noRot="1" noChangeAspect="1" noMove="1" noResize="1" noEditPoints="1" noAdjustHandles="1" noChangeArrowheads="1" noChangeShapeType="1" noTextEdit="1"/>
+          </p:cNvSpPr>
+          <p:nvPr>
+            <p:extLst>
+              <p:ext uri="{386F3935-93C4-4BCD-93E2-E3B085C9AB24}">
+                <p16:designElem xmlns:p16="http://schemas.microsoft.com/office/powerpoint/2015/main" val="1"/>
+              </p:ext>
+            </p:extLst>
+          </p:nvPr>
+        </p:nvSpPr>
+        <p:spPr>
+          <a:xfrm>
+            <a:off x="6821310" y="2624479"/>
+            <a:ext cx="812427" cy="812427"/>
+          </a:xfrm>
+          <a:prstGeom prst="ellipse">
+            <a:avLst/>
+          </a:prstGeom>
+          <a:noFill/>
+          <a:ln w="127000">
+            <a:solidFill>
+              <a:schemeClr val="accent5"/>
+            </a:solidFill>
+          </a:ln>
+        </p:spPr>
+        <p:style>
+          <a:lnRef idx="2">
+            <a:schemeClr val="accent1">
+              <a:shade val="50000"/>
+            </a:schemeClr>
+          </a:lnRef>
+          <a:fillRef idx="1">
+            <a:schemeClr val="accent1"/>
+          </a:fillRef>
+          <a:effectRef idx="0">
+            <a:schemeClr val="accent1"/>
+          </a:effectRef>
+          <a:fontRef idx="minor">
+            <a:schemeClr val="lt1"/>
+          </a:fontRef>
+        </p:style>
+        <p:txBody>
+          <a:bodyPr rtlCol="0" anchor="ctr"/>
+          <a:lstStyle/>
+          <a:p>
+            <a:pPr algn="ctr"/>
+            <a:endParaRPr lang="en-US" dirty="0"/>
+          </a:p>
+        </p:txBody>
+      </p:sp>
+      <p:sp>
+        <p:nvSpPr>
+          <p:cNvPr id="14" name="Block Arc 13">
+            <a:extLst>
+              <a:ext uri="{FF2B5EF4-FFF2-40B4-BE49-F238E27FC236}">
+                <a16:creationId xmlns:a16="http://schemas.microsoft.com/office/drawing/2014/main" id="{CABBD4C1-E6F8-46F6-8152-A8A97490BF4D}"/>
+              </a:ext>
+              <a:ext uri="{C183D7F6-B498-43B3-948B-1728B52AA6E4}">
+                <adec:decorative xmlns:adec="http://schemas.microsoft.com/office/drawing/2017/decorative" val="1"/>
+              </a:ext>
+            </a:extLst>
+          </p:cNvPr>
+          <p:cNvSpPr>
+            <a:spLocks noGrp="1" noRot="1" noChangeAspect="1" noMove="1" noResize="1" noEditPoints="1" noAdjustHandles="1" noChangeArrowheads="1" noChangeShapeType="1" noTextEdit="1"/>
+          </p:cNvSpPr>
+          <p:nvPr>
+            <p:extLst>
+              <p:ext uri="{386F3935-93C4-4BCD-93E2-E3B085C9AB24}">
+                <p16:designElem xmlns:p16="http://schemas.microsoft.com/office/powerpoint/2015/main" val="1"/>
+              </p:ext>
+            </p:extLst>
+          </p:nvPr>
+        </p:nvSpPr>
+        <p:spPr>
+          <a:xfrm rot="16200000">
+            <a:off x="8912417" y="1218531"/>
+            <a:ext cx="2387600" cy="2387600"/>
+          </a:xfrm>
+          <a:prstGeom prst="blockArc">
+            <a:avLst/>
+          </a:prstGeom>
+          <a:solidFill>
+            <a:schemeClr val="accent2"/>
+          </a:solidFill>
+          <a:ln>
+            <a:noFill/>
+          </a:ln>
+        </p:spPr>
+        <p:style>
+          <a:lnRef idx="2">
+            <a:schemeClr val="accent1">
+              <a:shade val="50000"/>
+            </a:schemeClr>
+          </a:lnRef>
+          <a:fillRef idx="1">
+            <a:schemeClr val="accent1"/>
+          </a:fillRef>
+          <a:effectRef idx="0">
+            <a:schemeClr val="accent1"/>
+          </a:effectRef>
+          <a:fontRef idx="minor">
+            <a:schemeClr val="lt1"/>
+          </a:fontRef>
+        </p:style>
+        <p:txBody>
+          <a:bodyPr rtlCol="0" anchor="ctr"/>
+          <a:lstStyle/>
+          <a:p>
+            <a:pPr algn="ctr"/>
+            <a:endParaRPr lang="en-US">
+              <a:solidFill>
+                <a:schemeClr val="tx1"/>
+              </a:solidFill>
+            </a:endParaRPr>
+          </a:p>
+        </p:txBody>
+      </p:sp>
+      <p:sp>
+        <p:nvSpPr>
+          <p:cNvPr id="16" name="Freeform: Shape 15">
+            <a:extLst>
+              <a:ext uri="{FF2B5EF4-FFF2-40B4-BE49-F238E27FC236}">
+                <a16:creationId xmlns:a16="http://schemas.microsoft.com/office/drawing/2014/main" id="{83BA5EF5-1FE9-4BF9-83BB-269BCDDF6156}"/>
+              </a:ext>
+              <a:ext uri="{C183D7F6-B498-43B3-948B-1728B52AA6E4}">
+                <adec:decorative xmlns:adec="http://schemas.microsoft.com/office/drawing/2017/decorative" val="1"/>
+              </a:ext>
+            </a:extLst>
+          </p:cNvPr>
+          <p:cNvSpPr>
+            <a:spLocks noGrp="1" noRot="1" noChangeAspect="1" noMove="1" noResize="1" noEditPoints="1" noAdjustHandles="1" noChangeArrowheads="1" noChangeShapeType="1" noTextEdit="1"/>
+          </p:cNvSpPr>
+          <p:nvPr>
+            <p:extLst>
+              <p:ext uri="{386F3935-93C4-4BCD-93E2-E3B085C9AB24}">
+                <p16:designElem xmlns:p16="http://schemas.microsoft.com/office/powerpoint/2015/main" val="1"/>
+              </p:ext>
+            </p:extLst>
+          </p:nvPr>
+        </p:nvSpPr>
+        <p:spPr>
+          <a:xfrm>
+            <a:off x="6821310" y="0"/>
+            <a:ext cx="2315251" cy="1550992"/>
+          </a:xfrm>
+          <a:custGeom>
+            <a:avLst/>
+            <a:gdLst>
+              <a:gd name="connsiteX0" fmla="*/ 0 w 2315251"/>
+              <a:gd name="connsiteY0" fmla="*/ 0 h 1550992"/>
+              <a:gd name="connsiteX1" fmla="*/ 138700 w 2315251"/>
+              <a:gd name="connsiteY1" fmla="*/ 0 h 1550992"/>
+              <a:gd name="connsiteX2" fmla="*/ 138700 w 2315251"/>
+              <a:gd name="connsiteY2" fmla="*/ 1361400 h 1550992"/>
+              <a:gd name="connsiteX3" fmla="*/ 2107387 w 2315251"/>
+              <a:gd name="connsiteY3" fmla="*/ 222673 h 1550992"/>
+              <a:gd name="connsiteX4" fmla="*/ 1722420 w 2315251"/>
+              <a:gd name="connsiteY4" fmla="*/ 0 h 1550992"/>
+              <a:gd name="connsiteX5" fmla="*/ 1999436 w 2315251"/>
+              <a:gd name="connsiteY5" fmla="*/ 0 h 1550992"/>
+              <a:gd name="connsiteX6" fmla="*/ 2280549 w 2315251"/>
+              <a:gd name="connsiteY6" fmla="*/ 162605 h 1550992"/>
+              <a:gd name="connsiteX7" fmla="*/ 2305953 w 2315251"/>
+              <a:gd name="connsiteY7" fmla="*/ 257336 h 1550992"/>
+              <a:gd name="connsiteX8" fmla="*/ 2280549 w 2315251"/>
+              <a:gd name="connsiteY8" fmla="*/ 282740 h 1550992"/>
+              <a:gd name="connsiteX9" fmla="*/ 104026 w 2315251"/>
+              <a:gd name="connsiteY9" fmla="*/ 1541710 h 1550992"/>
+              <a:gd name="connsiteX10" fmla="*/ 69351 w 2315251"/>
+              <a:gd name="connsiteY10" fmla="*/ 1550992 h 1550992"/>
+              <a:gd name="connsiteX11" fmla="*/ 0 w 2315251"/>
+              <a:gd name="connsiteY11" fmla="*/ 1481643 h 1550992"/>
+            </a:gdLst>
+            <a:ahLst/>
+            <a:cxnLst>
+              <a:cxn ang="0">
+                <a:pos x="connsiteX0" y="connsiteY0"/>
+              </a:cxn>
+              <a:cxn ang="0">
+                <a:pos x="connsiteX1" y="connsiteY1"/>
+              </a:cxn>
+              <a:cxn ang="0">
+                <a:pos x="connsiteX2" y="connsiteY2"/>
+              </a:cxn>
+              <a:cxn ang="0">
+                <a:pos x="connsiteX3" y="connsiteY3"/>
+              </a:cxn>
+              <a:cxn ang="0">
+                <a:pos x="connsiteX4" y="connsiteY4"/>
+              </a:cxn>
+              <a:cxn ang="0">
+                <a:pos x="connsiteX5" y="connsiteY5"/>
+              </a:cxn>
+              <a:cxn ang="0">
+                <a:pos x="connsiteX6" y="connsiteY6"/>
+              </a:cxn>
+              <a:cxn ang="0">
+                <a:pos x="connsiteX7" y="connsiteY7"/>
+              </a:cxn>
+              <a:cxn ang="0">
+                <a:pos x="connsiteX8" y="connsiteY8"/>
+              </a:cxn>
+              <a:cxn ang="0">
+                <a:pos x="connsiteX9" y="connsiteY9"/>
+              </a:cxn>
+              <a:cxn ang="0">
+                <a:pos x="connsiteX10" y="connsiteY10"/>
+              </a:cxn>
+              <a:cxn ang="0">
+                <a:pos x="connsiteX11" y="connsiteY11"/>
+              </a:cxn>
+            </a:cxnLst>
+            <a:rect l="l" t="t" r="r" b="b"/>
+            <a:pathLst>
+              <a:path w="2315251" h="1550992">
+                <a:moveTo>
+                  <a:pt x="0" y="0"/>
+                </a:moveTo>
+                <a:lnTo>
+                  <a:pt x="138700" y="0"/>
+                </a:lnTo>
+                <a:lnTo>
+                  <a:pt x="138700" y="1361400"/>
+                </a:lnTo>
+                <a:lnTo>
+                  <a:pt x="2107387" y="222673"/>
+                </a:lnTo>
+                <a:lnTo>
+                  <a:pt x="1722420" y="0"/>
+                </a:lnTo>
+                <a:lnTo>
+                  <a:pt x="1999436" y="0"/>
+                </a:lnTo>
+                <a:lnTo>
+                  <a:pt x="2280549" y="162605"/>
+                </a:lnTo>
+                <a:cubicBezTo>
+                  <a:pt x="2313720" y="181745"/>
+                  <a:pt x="2325104" y="224155"/>
+                  <a:pt x="2305953" y="257336"/>
+                </a:cubicBezTo>
+                <a:cubicBezTo>
+                  <a:pt x="2299872" y="267889"/>
+                  <a:pt x="2291101" y="276648"/>
+                  <a:pt x="2280549" y="282740"/>
+                </a:cubicBezTo>
+                <a:lnTo>
+                  <a:pt x="104026" y="1541710"/>
+                </a:lnTo>
+                <a:cubicBezTo>
+                  <a:pt x="93484" y="1547802"/>
+                  <a:pt x="81523" y="1551003"/>
+                  <a:pt x="69351" y="1550992"/>
+                </a:cubicBezTo>
+                <a:cubicBezTo>
+                  <a:pt x="31049" y="1550992"/>
+                  <a:pt x="0" y="1519944"/>
+                  <a:pt x="0" y="1481643"/>
+                </a:cubicBezTo>
+                <a:close/>
+              </a:path>
+            </a:pathLst>
+          </a:custGeom>
+          <a:solidFill>
+            <a:schemeClr val="accent6"/>
+          </a:solidFill>
+          <a:ln w="9525" cap="flat">
+            <a:noFill/>
+            <a:prstDash val="solid"/>
+            <a:miter/>
+          </a:ln>
+        </p:spPr>
+        <p:txBody>
+          <a:bodyPr rtlCol="0" anchor="ctr"/>
+          <a:lstStyle/>
+          <a:p>
+            <a:endParaRPr lang="en-US" dirty="0"/>
+          </a:p>
+        </p:txBody>
+      </p:sp>
+      <p:cxnSp>
+        <p:nvCxnSpPr>
+          <p:cNvPr id="18" name="Straight Connector 17">
+            <a:extLst>
+              <a:ext uri="{FF2B5EF4-FFF2-40B4-BE49-F238E27FC236}">
+                <a16:creationId xmlns:a16="http://schemas.microsoft.com/office/drawing/2014/main" id="{4B3BCACB-5880-460B-9606-8C433A9AF99D}"/>
+              </a:ext>
+              <a:ext uri="{C183D7F6-B498-43B3-948B-1728B52AA6E4}">
+                <adec:decorative xmlns:adec="http://schemas.microsoft.com/office/drawing/2017/decorative" val="1"/>
+              </a:ext>
+            </a:extLst>
+          </p:cNvPr>
+          <p:cNvCxnSpPr>
+            <a:cxnSpLocks noGrp="1" noRot="1" noChangeAspect="1" noMove="1" noResize="1" noEditPoints="1" noAdjustHandles="1" noChangeArrowheads="1" noChangeShapeType="1"/>
+          </p:cNvCxnSpPr>
+          <p:nvPr>
+            <p:extLst>
+              <p:ext uri="{386F3935-93C4-4BCD-93E2-E3B085C9AB24}">
+                <p16:designElem xmlns:p16="http://schemas.microsoft.com/office/powerpoint/2015/main" val="1"/>
+              </p:ext>
+            </p:extLst>
+          </p:nvPr>
+        </p:nvCxnSpPr>
+        <p:spPr>
+          <a:xfrm>
+            <a:off x="11724638" y="1331572"/>
+            <a:ext cx="0" cy="1597708"/>
+          </a:xfrm>
+          <a:prstGeom prst="line">
+            <a:avLst/>
+          </a:prstGeom>
+          <a:ln w="127000" cap="rnd">
+            <a:solidFill>
+              <a:schemeClr val="accent4"/>
+            </a:solidFill>
+            <a:prstDash val="dash"/>
+          </a:ln>
+        </p:spPr>
+        <p:style>
+          <a:lnRef idx="1">
+            <a:schemeClr val="accent1"/>
+          </a:lnRef>
+          <a:fillRef idx="0">
+            <a:schemeClr val="accent1"/>
+          </a:fillRef>
+          <a:effectRef idx="0">
+            <a:schemeClr val="accent1"/>
+          </a:effectRef>
+          <a:fontRef idx="minor">
+            <a:schemeClr val="tx1"/>
+          </a:fontRef>
+        </p:style>
+      </p:cxnSp>
+      <p:sp>
+        <p:nvSpPr>
+          <p:cNvPr id="20" name="Freeform: Shape 19">
+            <a:extLst>
+              <a:ext uri="{FF2B5EF4-FFF2-40B4-BE49-F238E27FC236}">
+                <a16:creationId xmlns:a16="http://schemas.microsoft.com/office/drawing/2014/main" id="{88853921-7BC9-4BDE-ACAB-133C683C82D6}"/>
+              </a:ext>
+              <a:ext uri="{C183D7F6-B498-43B3-948B-1728B52AA6E4}">
+                <adec:decorative xmlns:adec="http://schemas.microsoft.com/office/drawing/2017/decorative" val="1"/>
+              </a:ext>
+            </a:extLst>
+          </p:cNvPr>
+          <p:cNvSpPr>
+            <a:spLocks noGrp="1" noRot="1" noChangeAspect="1" noMove="1" noResize="1" noEditPoints="1" noAdjustHandles="1" noChangeArrowheads="1" noChangeShapeType="1" noTextEdit="1"/>
+          </p:cNvSpPr>
+          <p:nvPr>
+            <p:extLst>
+              <p:ext uri="{386F3935-93C4-4BCD-93E2-E3B085C9AB24}">
+                <p16:designElem xmlns:p16="http://schemas.microsoft.com/office/powerpoint/2015/main" val="1"/>
+              </p:ext>
+            </p:extLst>
+          </p:nvPr>
+        </p:nvSpPr>
+        <p:spPr>
+          <a:xfrm>
+            <a:off x="11005550" y="4112081"/>
+            <a:ext cx="1186451" cy="1771650"/>
+          </a:xfrm>
+          <a:custGeom>
+            <a:avLst/>
+            <a:gdLst>
+              <a:gd name="connsiteX0" fmla="*/ 61913 w 1186451"/>
+              <a:gd name="connsiteY0" fmla="*/ 0 h 1771650"/>
+              <a:gd name="connsiteX1" fmla="*/ 1186451 w 1186451"/>
+              <a:gd name="connsiteY1" fmla="*/ 0 h 1771650"/>
+              <a:gd name="connsiteX2" fmla="*/ 1186451 w 1186451"/>
+              <a:gd name="connsiteY2" fmla="*/ 123825 h 1771650"/>
+              <a:gd name="connsiteX3" fmla="*/ 123825 w 1186451"/>
+              <a:gd name="connsiteY3" fmla="*/ 123825 h 1771650"/>
+              <a:gd name="connsiteX4" fmla="*/ 123825 w 1186451"/>
+              <a:gd name="connsiteY4" fmla="*/ 1647825 h 1771650"/>
+              <a:gd name="connsiteX5" fmla="*/ 1186451 w 1186451"/>
+              <a:gd name="connsiteY5" fmla="*/ 1647825 h 1771650"/>
+              <a:gd name="connsiteX6" fmla="*/ 1186451 w 1186451"/>
+              <a:gd name="connsiteY6" fmla="*/ 1771650 h 1771650"/>
+              <a:gd name="connsiteX7" fmla="*/ 61913 w 1186451"/>
+              <a:gd name="connsiteY7" fmla="*/ 1771650 h 1771650"/>
+              <a:gd name="connsiteX8" fmla="*/ 0 w 1186451"/>
+              <a:gd name="connsiteY8" fmla="*/ 1709738 h 1771650"/>
+              <a:gd name="connsiteX9" fmla="*/ 0 w 1186451"/>
+              <a:gd name="connsiteY9" fmla="*/ 61913 h 1771650"/>
+              <a:gd name="connsiteX10" fmla="*/ 61913 w 1186451"/>
+              <a:gd name="connsiteY10" fmla="*/ 0 h 1771650"/>
+            </a:gdLst>
+            <a:ahLst/>
+            <a:cxnLst>
+              <a:cxn ang="0">
+                <a:pos x="connsiteX0" y="connsiteY0"/>
+              </a:cxn>
+              <a:cxn ang="0">
+                <a:pos x="connsiteX1" y="connsiteY1"/>
+              </a:cxn>
+              <a:cxn ang="0">
+                <a:pos x="connsiteX2" y="connsiteY2"/>
+              </a:cxn>
+              <a:cxn ang="0">
+                <a:pos x="connsiteX3" y="connsiteY3"/>
+              </a:cxn>
+              <a:cxn ang="0">
+                <a:pos x="connsiteX4" y="connsiteY4"/>
+              </a:cxn>
+              <a:cxn ang="0">
+                <a:pos x="connsiteX5" y="connsiteY5"/>
+              </a:cxn>
+              <a:cxn ang="0">
+                <a:pos x="connsiteX6" y="connsiteY6"/>
+              </a:cxn>
+              <a:cxn ang="0">
+                <a:pos x="connsiteX7" y="connsiteY7"/>
+              </a:cxn>
+              <a:cxn ang="0">
+                <a:pos x="connsiteX8" y="connsiteY8"/>
+              </a:cxn>
+              <a:cxn ang="0">
+                <a:pos x="connsiteX9" y="connsiteY9"/>
+              </a:cxn>
+              <a:cxn ang="0">
+                <a:pos x="connsiteX10" y="connsiteY10"/>
+              </a:cxn>
+            </a:cxnLst>
+            <a:rect l="l" t="t" r="r" b="b"/>
+            <a:pathLst>
+              <a:path w="1186451" h="1771650">
+                <a:moveTo>
+                  <a:pt x="61913" y="0"/>
+                </a:moveTo>
+                <a:lnTo>
+                  <a:pt x="1186451" y="0"/>
+                </a:lnTo>
+                <a:lnTo>
+                  <a:pt x="1186451" y="123825"/>
+                </a:lnTo>
+                <a:lnTo>
+                  <a:pt x="123825" y="123825"/>
+                </a:lnTo>
+                <a:lnTo>
+                  <a:pt x="123825" y="1647825"/>
+                </a:lnTo>
+                <a:lnTo>
+                  <a:pt x="1186451" y="1647825"/>
+                </a:lnTo>
+                <a:lnTo>
+                  <a:pt x="1186451" y="1771650"/>
+                </a:lnTo>
+                <a:lnTo>
+                  <a:pt x="61913" y="1771650"/>
+                </a:lnTo>
+                <a:cubicBezTo>
+                  <a:pt x="27719" y="1771650"/>
+                  <a:pt x="0" y="1743932"/>
+                  <a:pt x="0" y="1709738"/>
+                </a:cubicBezTo>
+                <a:lnTo>
+                  <a:pt x="0" y="61913"/>
+                </a:lnTo>
+                <a:cubicBezTo>
+                  <a:pt x="0" y="27719"/>
+                  <a:pt x="27719" y="0"/>
+                  <a:pt x="61913" y="0"/>
+                </a:cubicBezTo>
+                <a:close/>
+              </a:path>
+            </a:pathLst>
+          </a:custGeom>
+          <a:solidFill>
+            <a:schemeClr val="accent6"/>
+          </a:solidFill>
+          <a:ln w="9525" cap="flat">
+            <a:noFill/>
+            <a:prstDash val="solid"/>
+            <a:miter/>
+          </a:ln>
+        </p:spPr>
+        <p:txBody>
+          <a:bodyPr rtlCol="0" anchor="ctr"/>
+          <a:lstStyle/>
+          <a:p>
+            <a:endParaRPr lang="en-US"/>
+          </a:p>
+        </p:txBody>
+      </p:sp>
+      <p:sp>
+        <p:nvSpPr>
+          <p:cNvPr id="22" name="Arc 21">
+            <a:extLst>
+              <a:ext uri="{FF2B5EF4-FFF2-40B4-BE49-F238E27FC236}">
+                <a16:creationId xmlns:a16="http://schemas.microsoft.com/office/drawing/2014/main" id="{09192968-3AE7-4470-A61C-97294BB92731}"/>
+              </a:ext>
+              <a:ext uri="{C183D7F6-B498-43B3-948B-1728B52AA6E4}">
+                <adec:decorative xmlns:adec="http://schemas.microsoft.com/office/drawing/2017/decorative" val="1"/>
+              </a:ext>
+            </a:extLst>
+          </p:cNvPr>
+          <p:cNvSpPr>
+            <a:spLocks noGrp="1" noRot="1" noChangeAspect="1" noMove="1" noResize="1" noEditPoints="1" noAdjustHandles="1" noChangeArrowheads="1" noChangeShapeType="1" noTextEdit="1"/>
+          </p:cNvSpPr>
+          <p:nvPr>
+            <p:extLst>
+              <p:ext uri="{386F3935-93C4-4BCD-93E2-E3B085C9AB24}">
+                <p16:designElem xmlns:p16="http://schemas.microsoft.com/office/powerpoint/2015/main" val="1"/>
+              </p:ext>
+            </p:extLst>
+          </p:nvPr>
+        </p:nvSpPr>
+        <p:spPr>
+          <a:xfrm rot="20992895">
+            <a:off x="6086940" y="4145122"/>
+            <a:ext cx="4083433" cy="4083433"/>
+          </a:xfrm>
+          <a:prstGeom prst="arc">
+            <a:avLst/>
+          </a:prstGeom>
+          <a:ln w="127000" cap="rnd">
+            <a:solidFill>
+              <a:schemeClr val="accent4"/>
+            </a:solidFill>
+            <a:prstDash val="dash"/>
+          </a:ln>
+        </p:spPr>
+        <p:style>
+          <a:lnRef idx="1">
+            <a:schemeClr val="accent1"/>
+          </a:lnRef>
+          <a:fillRef idx="0">
+            <a:schemeClr val="accent1"/>
+          </a:fillRef>
+          <a:effectRef idx="0">
+            <a:schemeClr val="accent1"/>
+          </a:effectRef>
+          <a:fontRef idx="minor">
+            <a:schemeClr val="tx1"/>
+          </a:fontRef>
+        </p:style>
+        <p:txBody>
+          <a:bodyPr rtlCol="0" anchor="ctr"/>
+          <a:lstStyle/>
+          <a:p>
+            <a:pPr algn="ctr"/>
+            <a:endParaRPr lang="en-US" dirty="0"/>
+          </a:p>
+        </p:txBody>
+      </p:sp>
+      <p:sp>
+        <p:nvSpPr>
+          <p:cNvPr id="24" name="Freeform: Shape 23">
+            <a:extLst>
+              <a:ext uri="{FF2B5EF4-FFF2-40B4-BE49-F238E27FC236}">
+                <a16:creationId xmlns:a16="http://schemas.microsoft.com/office/drawing/2014/main" id="{3AB72E55-43E4-4356-BFE8-E2102CB0B505}"/>
+              </a:ext>
+              <a:ext uri="{C183D7F6-B498-43B3-948B-1728B52AA6E4}">
+                <adec:decorative xmlns:adec="http://schemas.microsoft.com/office/drawing/2017/decorative" val="1"/>
+              </a:ext>
+            </a:extLst>
+          </p:cNvPr>
+          <p:cNvSpPr>
+            <a:spLocks noGrp="1" noRot="1" noChangeAspect="1" noMove="1" noResize="1" noEditPoints="1" noAdjustHandles="1" noChangeArrowheads="1" noChangeShapeType="1" noTextEdit="1"/>
+          </p:cNvSpPr>
+          <p:nvPr>
+            <p:extLst>
+              <p:ext uri="{386F3935-93C4-4BCD-93E2-E3B085C9AB24}">
+                <p16:designElem xmlns:p16="http://schemas.microsoft.com/office/powerpoint/2015/main" val="1"/>
+              </p:ext>
+            </p:extLst>
+          </p:nvPr>
+        </p:nvSpPr>
+        <p:spPr>
+          <a:xfrm>
+            <a:off x="6821310" y="4962670"/>
+            <a:ext cx="2643352" cy="1895331"/>
+          </a:xfrm>
+          <a:custGeom>
+            <a:avLst/>
+            <a:gdLst>
+              <a:gd name="connsiteX0" fmla="*/ 1321676 w 2643352"/>
+              <a:gd name="connsiteY0" fmla="*/ 0 h 1895331"/>
+              <a:gd name="connsiteX1" fmla="*/ 2643352 w 2643352"/>
+              <a:gd name="connsiteY1" fmla="*/ 1321676 h 1895331"/>
+              <a:gd name="connsiteX2" fmla="*/ 2539488 w 2643352"/>
+              <a:gd name="connsiteY2" fmla="*/ 1836132 h 1895331"/>
+              <a:gd name="connsiteX3" fmla="*/ 2510970 w 2643352"/>
+              <a:gd name="connsiteY3" fmla="*/ 1895331 h 1895331"/>
+              <a:gd name="connsiteX4" fmla="*/ 132382 w 2643352"/>
+              <a:gd name="connsiteY4" fmla="*/ 1895331 h 1895331"/>
+              <a:gd name="connsiteX5" fmla="*/ 103864 w 2643352"/>
+              <a:gd name="connsiteY5" fmla="*/ 1836132 h 1895331"/>
+              <a:gd name="connsiteX6" fmla="*/ 0 w 2643352"/>
+              <a:gd name="connsiteY6" fmla="*/ 1321676 h 1895331"/>
+              <a:gd name="connsiteX7" fmla="*/ 1321676 w 2643352"/>
+              <a:gd name="connsiteY7" fmla="*/ 0 h 1895331"/>
+            </a:gdLst>
+            <a:ahLst/>
+            <a:cxnLst>
+              <a:cxn ang="0">
+                <a:pos x="connsiteX0" y="connsiteY0"/>
+              </a:cxn>
+              <a:cxn ang="0">
+                <a:pos x="connsiteX1" y="connsiteY1"/>
+              </a:cxn>
+              <a:cxn ang="0">
+                <a:pos x="connsiteX2" y="connsiteY2"/>
+              </a:cxn>
+              <a:cxn ang="0">
+                <a:pos x="connsiteX3" y="connsiteY3"/>
+              </a:cxn>
+              <a:cxn ang="0">
+                <a:pos x="connsiteX4" y="connsiteY4"/>
+              </a:cxn>
+              <a:cxn ang="0">
+                <a:pos x="connsiteX5" y="connsiteY5"/>
+              </a:cxn>
+              <a:cxn ang="0">
+                <a:pos x="connsiteX6" y="connsiteY6"/>
+              </a:cxn>
+              <a:cxn ang="0">
+                <a:pos x="connsiteX7" y="connsiteY7"/>
+              </a:cxn>
+            </a:cxnLst>
+            <a:rect l="l" t="t" r="r" b="b"/>
+            <a:pathLst>
+              <a:path w="2643352" h="1895331">
+                <a:moveTo>
+                  <a:pt x="1321676" y="0"/>
+                </a:moveTo>
+                <a:cubicBezTo>
+                  <a:pt x="2051617" y="0"/>
+                  <a:pt x="2643352" y="591735"/>
+                  <a:pt x="2643352" y="1321676"/>
+                </a:cubicBezTo>
+                <a:cubicBezTo>
+                  <a:pt x="2643352" y="1504161"/>
+                  <a:pt x="2606369" y="1678009"/>
+                  <a:pt x="2539488" y="1836132"/>
+                </a:cubicBezTo>
+                <a:lnTo>
+                  <a:pt x="2510970" y="1895331"/>
+                </a:lnTo>
+                <a:lnTo>
+                  <a:pt x="132382" y="1895331"/>
+                </a:lnTo>
+                <a:lnTo>
+                  <a:pt x="103864" y="1836132"/>
+                </a:lnTo>
+                <a:cubicBezTo>
+                  <a:pt x="36984" y="1678009"/>
+                  <a:pt x="0" y="1504161"/>
+                  <a:pt x="0" y="1321676"/>
+                </a:cubicBezTo>
+                <a:cubicBezTo>
+                  <a:pt x="0" y="591735"/>
+                  <a:pt x="591735" y="0"/>
+                  <a:pt x="1321676" y="0"/>
+                </a:cubicBezTo>
+                <a:close/>
+              </a:path>
+            </a:pathLst>
+          </a:custGeom>
+          <a:solidFill>
+            <a:schemeClr val="accent2"/>
+          </a:solidFill>
+          <a:ln>
+            <a:noFill/>
+          </a:ln>
+        </p:spPr>
+        <p:style>
+          <a:lnRef idx="2">
+            <a:schemeClr val="accent1">
+              <a:shade val="50000"/>
+            </a:schemeClr>
+          </a:lnRef>
+          <a:fillRef idx="1">
+            <a:schemeClr val="accent1"/>
+          </a:fillRef>
+          <a:effectRef idx="0">
+            <a:schemeClr val="accent1"/>
+          </a:effectRef>
+          <a:fontRef idx="minor">
+            <a:schemeClr val="lt1"/>
+          </a:fontRef>
+        </p:style>
+        <p:txBody>
+          <a:bodyPr rtlCol="0" anchor="ctr"/>
+          <a:lstStyle/>
+          <a:p>
+            <a:pPr algn="ctr"/>
+            <a:endParaRPr lang="en-US"/>
+          </a:p>
+        </p:txBody>
+      </p:sp>
+    </p:spTree>
+    <p:extLst>
+      <p:ext uri="{BB962C8B-B14F-4D97-AF65-F5344CB8AC3E}">
+        <p14:creationId xmlns:p14="http://schemas.microsoft.com/office/powerpoint/2010/main" val="2589653835"/>
+      </p:ext>
+    </p:extLst>
+  </p:cSld>
+  <p:clrMapOvr>
+    <a:masterClrMapping/>
+  </p:clrMapOvr>
+</p:sld>
+</file>
+
 <file path=ppt/slides/slide2.xml><?xml version="1.0" encoding="utf-8"?>
 <p:sld xmlns:a="http://schemas.openxmlformats.org/drawingml/2006/main" xmlns:r="http://schemas.openxmlformats.org/officeDocument/2006/relationships" xmlns:p="http://schemas.openxmlformats.org/presentationml/2006/main">
   <p:cSld>
@@ -9546,10 +10562,10 @@
       </p:grpSpPr>
       <p:sp useBgFill="1">
         <p:nvSpPr>
-          <p:cNvPr id="8" name="Rectangle 7">
+          <p:cNvPr id="48" name="Rectangle 47">
             <a:extLst>
               <a:ext uri="{FF2B5EF4-FFF2-40B4-BE49-F238E27FC236}">
-                <a16:creationId xmlns:a16="http://schemas.microsoft.com/office/drawing/2014/main" id="{F837543A-6020-4505-A233-C9DB4BF74011}"/>
+                <a16:creationId xmlns:a16="http://schemas.microsoft.com/office/drawing/2014/main" id="{2EB492CD-616E-47F8-933B-5E2D952A0593}"/>
               </a:ext>
               <a:ext uri="{C183D7F6-B498-43B3-948B-1728B52AA6E4}">
                 <adec:decorative xmlns:adec="http://schemas.microsoft.com/office/drawing/2017/decorative" val="1"/>
@@ -9567,10 +10583,10 @@
             </p:extLst>
           </p:nvPr>
         </p:nvSpPr>
-        <p:spPr>
+        <p:spPr bwMode="white">
           <a:xfrm>
-            <a:off x="3048" y="0"/>
-            <a:ext cx="12188952" cy="6858000"/>
+            <a:off x="0" y="0"/>
+            <a:ext cx="12192000" cy="6858000"/>
           </a:xfrm>
           <a:prstGeom prst="rect">
             <a:avLst/>
@@ -9597,10 +10613,198 @@
         </p:style>
         <p:txBody>
           <a:bodyPr rtlCol="0" anchor="ctr"/>
-          <a:lstStyle/>
+          <a:lstStyle>
+            <a:defPPr>
+              <a:defRPr lang="en-US"/>
+            </a:defPPr>
+            <a:lvl1pPr marL="0" algn="l" defTabSz="914400" rtl="0" eaLnBrk="1" latinLnBrk="0" hangingPunct="1">
+              <a:defRPr sz="1800" kern="1200">
+                <a:solidFill>
+                  <a:schemeClr val="lt1"/>
+                </a:solidFill>
+                <a:latin typeface="+mn-lt"/>
+                <a:ea typeface="+mn-ea"/>
+                <a:cs typeface="+mn-cs"/>
+              </a:defRPr>
+            </a:lvl1pPr>
+            <a:lvl2pPr marL="457200" algn="l" defTabSz="914400" rtl="0" eaLnBrk="1" latinLnBrk="0" hangingPunct="1">
+              <a:defRPr sz="1800" kern="1200">
+                <a:solidFill>
+                  <a:schemeClr val="lt1"/>
+                </a:solidFill>
+                <a:latin typeface="+mn-lt"/>
+                <a:ea typeface="+mn-ea"/>
+                <a:cs typeface="+mn-cs"/>
+              </a:defRPr>
+            </a:lvl2pPr>
+            <a:lvl3pPr marL="914400" algn="l" defTabSz="914400" rtl="0" eaLnBrk="1" latinLnBrk="0" hangingPunct="1">
+              <a:defRPr sz="1800" kern="1200">
+                <a:solidFill>
+                  <a:schemeClr val="lt1"/>
+                </a:solidFill>
+                <a:latin typeface="+mn-lt"/>
+                <a:ea typeface="+mn-ea"/>
+                <a:cs typeface="+mn-cs"/>
+              </a:defRPr>
+            </a:lvl3pPr>
+            <a:lvl4pPr marL="1371600" algn="l" defTabSz="914400" rtl="0" eaLnBrk="1" latinLnBrk="0" hangingPunct="1">
+              <a:defRPr sz="1800" kern="1200">
+                <a:solidFill>
+                  <a:schemeClr val="lt1"/>
+                </a:solidFill>
+                <a:latin typeface="+mn-lt"/>
+                <a:ea typeface="+mn-ea"/>
+                <a:cs typeface="+mn-cs"/>
+              </a:defRPr>
+            </a:lvl4pPr>
+            <a:lvl5pPr marL="1828800" algn="l" defTabSz="914400" rtl="0" eaLnBrk="1" latinLnBrk="0" hangingPunct="1">
+              <a:defRPr sz="1800" kern="1200">
+                <a:solidFill>
+                  <a:schemeClr val="lt1"/>
+                </a:solidFill>
+                <a:latin typeface="+mn-lt"/>
+                <a:ea typeface="+mn-ea"/>
+                <a:cs typeface="+mn-cs"/>
+              </a:defRPr>
+            </a:lvl5pPr>
+            <a:lvl6pPr marL="2286000" algn="l" defTabSz="914400" rtl="0" eaLnBrk="1" latinLnBrk="0" hangingPunct="1">
+              <a:defRPr sz="1800" kern="1200">
+                <a:solidFill>
+                  <a:schemeClr val="lt1"/>
+                </a:solidFill>
+                <a:latin typeface="+mn-lt"/>
+                <a:ea typeface="+mn-ea"/>
+                <a:cs typeface="+mn-cs"/>
+              </a:defRPr>
+            </a:lvl6pPr>
+            <a:lvl7pPr marL="2743200" algn="l" defTabSz="914400" rtl="0" eaLnBrk="1" latinLnBrk="0" hangingPunct="1">
+              <a:defRPr sz="1800" kern="1200">
+                <a:solidFill>
+                  <a:schemeClr val="lt1"/>
+                </a:solidFill>
+                <a:latin typeface="+mn-lt"/>
+                <a:ea typeface="+mn-ea"/>
+                <a:cs typeface="+mn-cs"/>
+              </a:defRPr>
+            </a:lvl7pPr>
+            <a:lvl8pPr marL="3200400" algn="l" defTabSz="914400" rtl="0" eaLnBrk="1" latinLnBrk="0" hangingPunct="1">
+              <a:defRPr sz="1800" kern="1200">
+                <a:solidFill>
+                  <a:schemeClr val="lt1"/>
+                </a:solidFill>
+                <a:latin typeface="+mn-lt"/>
+                <a:ea typeface="+mn-ea"/>
+                <a:cs typeface="+mn-cs"/>
+              </a:defRPr>
+            </a:lvl8pPr>
+            <a:lvl9pPr marL="3657600" algn="l" defTabSz="914400" rtl="0" eaLnBrk="1" latinLnBrk="0" hangingPunct="1">
+              <a:defRPr sz="1800" kern="1200">
+                <a:solidFill>
+                  <a:schemeClr val="lt1"/>
+                </a:solidFill>
+                <a:latin typeface="+mn-lt"/>
+                <a:ea typeface="+mn-ea"/>
+                <a:cs typeface="+mn-cs"/>
+              </a:defRPr>
+            </a:lvl9pPr>
+          </a:lstStyle>
           <a:p>
             <a:pPr algn="ctr"/>
             <a:endParaRPr lang="en-US"/>
+          </a:p>
+        </p:txBody>
+      </p:sp>
+      <p:sp>
+        <p:nvSpPr>
+          <p:cNvPr id="50" name="Arc 49">
+            <a:extLst>
+              <a:ext uri="{FF2B5EF4-FFF2-40B4-BE49-F238E27FC236}">
+                <a16:creationId xmlns:a16="http://schemas.microsoft.com/office/drawing/2014/main" id="{59383CF9-23B5-4335-9B21-1791C4CF1C75}"/>
+              </a:ext>
+              <a:ext uri="{C183D7F6-B498-43B3-948B-1728B52AA6E4}">
+                <adec:decorative xmlns:adec="http://schemas.microsoft.com/office/drawing/2017/decorative" val="1"/>
+              </a:ext>
+            </a:extLst>
+          </p:cNvPr>
+          <p:cNvSpPr>
+            <a:spLocks noGrp="1" noRot="1" noChangeAspect="1" noMove="1" noResize="1" noEditPoints="1" noAdjustHandles="1" noChangeArrowheads="1" noChangeShapeType="1" noTextEdit="1"/>
+          </p:cNvSpPr>
+          <p:nvPr>
+            <p:extLst>
+              <p:ext uri="{386F3935-93C4-4BCD-93E2-E3B085C9AB24}">
+                <p16:designElem xmlns:p16="http://schemas.microsoft.com/office/powerpoint/2015/main" val="1"/>
+              </p:ext>
+            </p:extLst>
+          </p:nvPr>
+        </p:nvSpPr>
+        <p:spPr>
+          <a:xfrm rot="3967198" flipH="1">
+            <a:off x="8631348" y="490493"/>
+            <a:ext cx="2987899" cy="2987899"/>
+          </a:xfrm>
+          <a:prstGeom prst="arc">
+            <a:avLst>
+              <a:gd name="adj1" fmla="val 14441841"/>
+              <a:gd name="adj2" fmla="val 0"/>
+            </a:avLst>
+          </a:prstGeom>
+          <a:ln w="127000" cap="rnd">
+            <a:solidFill>
+              <a:schemeClr val="accent4"/>
+            </a:solidFill>
+            <a:prstDash val="dash"/>
+            <a:miter lim="800000"/>
+          </a:ln>
+        </p:spPr>
+        <p:style>
+          <a:lnRef idx="1">
+            <a:schemeClr val="accent1"/>
+          </a:lnRef>
+          <a:fillRef idx="0">
+            <a:schemeClr val="accent1"/>
+          </a:fillRef>
+          <a:effectRef idx="0">
+            <a:schemeClr val="accent1"/>
+          </a:effectRef>
+          <a:fontRef idx="minor">
+            <a:schemeClr val="tx1"/>
+          </a:fontRef>
+        </p:style>
+        <p:txBody>
+          <a:bodyPr rtlCol="0" anchor="ctr"/>
+          <a:lstStyle/>
+          <a:p>
+            <a:pPr marL="0" marR="0" lvl="0" indent="0" algn="ctr" defTabSz="914400" rtl="0" eaLnBrk="1" fontAlgn="auto" latinLnBrk="0" hangingPunct="1">
+              <a:lnSpc>
+                <a:spcPct val="100000"/>
+              </a:lnSpc>
+              <a:spcBef>
+                <a:spcPts val="0"/>
+              </a:spcBef>
+              <a:spcAft>
+                <a:spcPts val="0"/>
+              </a:spcAft>
+              <a:buClrTx/>
+              <a:buSzTx/>
+              <a:buFontTx/>
+              <a:buNone/>
+              <a:tabLst/>
+              <a:defRPr/>
+            </a:pPr>
+            <a:endParaRPr kumimoji="0" lang="en-US" sz="1800" b="0" i="0" u="none" strike="noStrike" kern="1200" cap="none" spc="0" normalizeH="0" baseline="0" noProof="0">
+              <a:ln>
+                <a:noFill/>
+              </a:ln>
+              <a:solidFill>
+                <a:srgbClr val="000000"/>
+              </a:solidFill>
+              <a:effectLst/>
+              <a:uLnTx/>
+              <a:uFillTx/>
+              <a:latin typeface="Calibri" panose="020F0502020204030204"/>
+              <a:ea typeface="+mn-ea"/>
+              <a:cs typeface="+mn-cs"/>
+            </a:endParaRPr>
           </a:p>
         </p:txBody>
       </p:sp>
@@ -9622,8 +10826,8 @@
         </p:nvSpPr>
         <p:spPr>
           <a:xfrm>
-            <a:off x="838200" y="365125"/>
-            <a:ext cx="5558489" cy="1325563"/>
+            <a:off x="5894962" y="479493"/>
+            <a:ext cx="5458838" cy="1325563"/>
           </a:xfrm>
         </p:spPr>
         <p:txBody>
@@ -9633,21 +10837,21 @@
           <a:lstStyle/>
           <a:p>
             <a:r>
-              <a:rPr lang="ru-RU" dirty="0">
+              <a:rPr lang="ru-RU">
                 <a:cs typeface="Calibri Light"/>
               </a:rPr>
               <a:t>Модуль main.py</a:t>
             </a:r>
-            <a:endParaRPr lang="ru-RU" dirty="0"/>
+            <a:endParaRPr lang="ru-RU"/>
           </a:p>
         </p:txBody>
       </p:sp>
       <p:sp>
         <p:nvSpPr>
-          <p:cNvPr id="10" name="Freeform: Shape 9">
+          <p:cNvPr id="52" name="Freeform: Shape 51">
             <a:extLst>
               <a:ext uri="{FF2B5EF4-FFF2-40B4-BE49-F238E27FC236}">
-                <a16:creationId xmlns:a16="http://schemas.microsoft.com/office/drawing/2014/main" id="{35B16301-FB18-48BA-A6DD-C37CAF6F9A18}"/>
+                <a16:creationId xmlns:a16="http://schemas.microsoft.com/office/drawing/2014/main" id="{0007FE00-9498-4706-B255-6437B0252C02}"/>
               </a:ext>
               <a:ext uri="{C183D7F6-B498-43B3-948B-1728B52AA6E4}">
                 <adec:decorative xmlns:adec="http://schemas.microsoft.com/office/drawing/2017/decorative" val="1"/>
@@ -9666,23 +10870,27 @@
           </p:nvPr>
         </p:nvSpPr>
         <p:spPr>
-          <a:xfrm>
-            <a:off x="10208695" y="1"/>
-            <a:ext cx="1135066" cy="477997"/>
+          <a:xfrm flipH="1">
+            <a:off x="0" y="5486400"/>
+            <a:ext cx="2672863" cy="1371600"/>
           </a:xfrm>
           <a:custGeom>
             <a:avLst/>
             <a:gdLst>
-              <a:gd name="connsiteX0" fmla="*/ 0 w 1135066"/>
-              <a:gd name="connsiteY0" fmla="*/ 0 h 477997"/>
-              <a:gd name="connsiteX1" fmla="*/ 1135066 w 1135066"/>
-              <a:gd name="connsiteY1" fmla="*/ 0 h 477997"/>
-              <a:gd name="connsiteX2" fmla="*/ 1133370 w 1135066"/>
-              <a:gd name="connsiteY2" fmla="*/ 16827 h 477997"/>
-              <a:gd name="connsiteX3" fmla="*/ 567533 w 1135066"/>
-              <a:gd name="connsiteY3" fmla="*/ 477997 h 477997"/>
-              <a:gd name="connsiteX4" fmla="*/ 1696 w 1135066"/>
-              <a:gd name="connsiteY4" fmla="*/ 16827 h 477997"/>
+              <a:gd name="connsiteX0" fmla="*/ 1721734 w 2672863"/>
+              <a:gd name="connsiteY0" fmla="*/ 0 h 1371600"/>
+              <a:gd name="connsiteX1" fmla="*/ 2564444 w 2672863"/>
+              <a:gd name="connsiteY1" fmla="*/ 213382 h 1371600"/>
+              <a:gd name="connsiteX2" fmla="*/ 2672863 w 2672863"/>
+              <a:gd name="connsiteY2" fmla="*/ 279248 h 1371600"/>
+              <a:gd name="connsiteX3" fmla="*/ 2672863 w 2672863"/>
+              <a:gd name="connsiteY3" fmla="*/ 1371600 h 1371600"/>
+              <a:gd name="connsiteX4" fmla="*/ 0 w 2672863"/>
+              <a:gd name="connsiteY4" fmla="*/ 1371600 h 1371600"/>
+              <a:gd name="connsiteX5" fmla="*/ 33268 w 2672863"/>
+              <a:gd name="connsiteY5" fmla="*/ 1242216 h 1371600"/>
+              <a:gd name="connsiteX6" fmla="*/ 1721734 w 2672863"/>
+              <a:gd name="connsiteY6" fmla="*/ 0 h 1371600"/>
             </a:gdLst>
             <a:ahLst/>
             <a:cxnLst>
@@ -9701,35 +10909,47 @@
               <a:cxn ang="0">
                 <a:pos x="connsiteX4" y="connsiteY4"/>
               </a:cxn>
+              <a:cxn ang="0">
+                <a:pos x="connsiteX5" y="connsiteY5"/>
+              </a:cxn>
+              <a:cxn ang="0">
+                <a:pos x="connsiteX6" y="connsiteY6"/>
+              </a:cxn>
             </a:cxnLst>
             <a:rect l="l" t="t" r="r" b="b"/>
             <a:pathLst>
-              <a:path w="1135066" h="477997">
+              <a:path w="2672863" h="1371600">
                 <a:moveTo>
-                  <a:pt x="0" y="0"/>
+                  <a:pt x="1721734" y="0"/>
                 </a:moveTo>
+                <a:cubicBezTo>
+                  <a:pt x="2026863" y="0"/>
+                  <a:pt x="2313937" y="77299"/>
+                  <a:pt x="2564444" y="213382"/>
+                </a:cubicBezTo>
                 <a:lnTo>
-                  <a:pt x="1135066" y="0"/>
+                  <a:pt x="2672863" y="279248"/>
                 </a:lnTo>
                 <a:lnTo>
-                  <a:pt x="1133370" y="16827"/>
+                  <a:pt x="2672863" y="1371600"/>
+                </a:lnTo>
+                <a:lnTo>
+                  <a:pt x="0" y="1371600"/>
+                </a:lnTo>
+                <a:lnTo>
+                  <a:pt x="33268" y="1242216"/>
                 </a:lnTo>
                 <a:cubicBezTo>
-                  <a:pt x="1079514" y="280016"/>
-                  <a:pt x="846644" y="477997"/>
-                  <a:pt x="567533" y="477997"/>
-                </a:cubicBezTo>
-                <a:cubicBezTo>
-                  <a:pt x="288422" y="477997"/>
-                  <a:pt x="55552" y="280016"/>
-                  <a:pt x="1696" y="16827"/>
+                  <a:pt x="257110" y="522539"/>
+                  <a:pt x="928399" y="0"/>
+                  <a:pt x="1721734" y="0"/>
                 </a:cubicBezTo>
                 <a:close/>
               </a:path>
             </a:pathLst>
           </a:custGeom>
           <a:solidFill>
-            <a:schemeClr val="accent5"/>
+            <a:schemeClr val="accent4"/>
           </a:solidFill>
           <a:ln>
             <a:noFill/>
@@ -9780,12 +11000,12 @@
         </p:nvSpPr>
         <p:spPr>
           <a:xfrm>
-            <a:off x="838200" y="1825625"/>
-            <a:ext cx="5558489" cy="4351338"/>
+            <a:off x="5894962" y="1984443"/>
+            <a:ext cx="5458838" cy="4192520"/>
           </a:xfrm>
         </p:spPr>
         <p:txBody>
-          <a:bodyPr vert="horz" lIns="91440" tIns="45720" rIns="91440" bIns="45720" rtlCol="0" anchor="t">
+          <a:bodyPr vert="horz" lIns="91440" tIns="45720" rIns="91440" bIns="45720" rtlCol="0">
             <a:normAutofit/>
           </a:bodyPr>
           <a:lstStyle/>
@@ -9794,30 +11014,24 @@
               <a:buNone/>
             </a:pPr>
             <a:r>
-              <a:rPr lang="ru-RU" sz="2200" dirty="0">
+              <a:rPr lang="ru-RU" sz="2400">
                 <a:cs typeface="Calibri"/>
               </a:rPr>
               <a:t>Содержит классы:</a:t>
             </a:r>
-            <a:endParaRPr lang="en-US" sz="2200" dirty="0">
+            <a:endParaRPr lang="en-US" sz="2400">
               <a:cs typeface="Calibri"/>
             </a:endParaRPr>
           </a:p>
           <a:p>
             <a:pPr marL="457200" indent="-457200"/>
             <a:r>
-              <a:rPr lang="ru-RU" sz="2200" dirty="0" err="1">
+              <a:rPr lang="ru-RU" sz="2400">
                 <a:cs typeface="Calibri"/>
               </a:rPr>
-              <a:t>AchievementControl</a:t>
-            </a:r>
-            <a:r>
-              <a:rPr lang="ru-RU" sz="2200" dirty="0">
-                <a:cs typeface="Calibri"/>
-              </a:rPr>
-              <a:t>, который отвечает за основное окно приложения: загружает таблицу успехов за год.</a:t>
-            </a:r>
-            <a:endParaRPr lang="ru-RU" sz="2200" dirty="0">
+              <a:t>AchievementControl, который отвечает за основное окно приложения: загружает таблицу успехов за год.</a:t>
+            </a:r>
+            <a:endParaRPr lang="ru-RU" sz="2400">
               <a:ea typeface="Calibri"/>
               <a:cs typeface="Calibri"/>
             </a:endParaRPr>
@@ -9825,740 +11039,60 @@
           <a:p>
             <a:pPr marL="457200" indent="-457200"/>
             <a:r>
-              <a:rPr lang="ru-RU" sz="2200" dirty="0" err="1">
+              <a:rPr lang="ru-RU" sz="2400">
                 <a:cs typeface="Calibri"/>
               </a:rPr>
-              <a:t>RegistrationWindow</a:t>
-            </a:r>
-            <a:r>
-              <a:rPr lang="ru-RU" sz="2200" dirty="0">
-                <a:cs typeface="Calibri"/>
-              </a:rPr>
-              <a:t> отвечает за регистрационную форму, при первом открытии приложения.</a:t>
-            </a:r>
-            <a:endParaRPr lang="en-US" sz="2200" dirty="0">
+              <a:t>RegistrationWindow отвечает за регистрационную форму, при первом открытии приложения.</a:t>
+            </a:r>
+            <a:endParaRPr lang="en-US" sz="2400">
               <a:cs typeface="Calibri"/>
             </a:endParaRPr>
           </a:p>
           <a:p>
             <a:pPr marL="457200" indent="-457200"/>
             <a:r>
-              <a:rPr lang="ru-RU" sz="2200" dirty="0">
+              <a:rPr lang="ru-RU" sz="2400">
                 <a:cs typeface="Calibri"/>
               </a:rPr>
               <a:t>Info отвечает за справку о приложении.</a:t>
             </a:r>
-            <a:endParaRPr lang="ru-RU" sz="2200" dirty="0">
+            <a:endParaRPr lang="ru-RU" sz="2400">
               <a:ea typeface="Calibri"/>
               <a:cs typeface="Calibri"/>
             </a:endParaRPr>
           </a:p>
         </p:txBody>
       </p:sp>
-      <p:sp>
-        <p:nvSpPr>
-          <p:cNvPr id="12" name="Oval 11">
+      <p:pic>
+        <p:nvPicPr>
+          <p:cNvPr id="5" name="Рисунок 4" descr="Изображение выглядит как текст, электроника, снимок экрана, дисплей">
             <a:extLst>
               <a:ext uri="{FF2B5EF4-FFF2-40B4-BE49-F238E27FC236}">
-                <a16:creationId xmlns:a16="http://schemas.microsoft.com/office/drawing/2014/main" id="{C3C0D90E-074A-4F52-9B11-B52BEF4BCBE5}"/>
-              </a:ext>
-              <a:ext uri="{C183D7F6-B498-43B3-948B-1728B52AA6E4}">
-                <adec:decorative xmlns:adec="http://schemas.microsoft.com/office/drawing/2017/decorative" val="1"/>
+                <a16:creationId xmlns:a16="http://schemas.microsoft.com/office/drawing/2014/main" id="{1C3EDB3E-1729-0DE6-B732-14E3B1D06BC3}"/>
               </a:ext>
             </a:extLst>
           </p:cNvPr>
-          <p:cNvSpPr>
-            <a:spLocks noGrp="1" noRot="1" noChangeAspect="1" noMove="1" noResize="1" noEditPoints="1" noAdjustHandles="1" noChangeArrowheads="1" noChangeShapeType="1" noTextEdit="1"/>
-          </p:cNvSpPr>
-          <p:nvPr>
-            <p:extLst>
-              <p:ext uri="{386F3935-93C4-4BCD-93E2-E3B085C9AB24}">
-                <p16:designElem xmlns:p16="http://schemas.microsoft.com/office/powerpoint/2015/main" val="1"/>
-              </p:ext>
-            </p:extLst>
-          </p:nvPr>
-        </p:nvSpPr>
+          <p:cNvPicPr>
+            <a:picLocks noChangeAspect="1"/>
+          </p:cNvPicPr>
+          <p:nvPr/>
+        </p:nvPicPr>
+        <p:blipFill>
+          <a:blip r:embed="rId2"/>
+          <a:stretch>
+            <a:fillRect/>
+          </a:stretch>
+        </p:blipFill>
         <p:spPr>
           <a:xfrm>
-            <a:off x="6821310" y="2624479"/>
-            <a:ext cx="812427" cy="812427"/>
+            <a:off x="299329" y="885583"/>
+            <a:ext cx="5154203" cy="3229700"/>
           </a:xfrm>
-          <a:prstGeom prst="ellipse">
+          <a:prstGeom prst="rect">
             <a:avLst/>
           </a:prstGeom>
-          <a:noFill/>
-          <a:ln w="127000">
-            <a:solidFill>
-              <a:schemeClr val="accent5"/>
-            </a:solidFill>
-          </a:ln>
         </p:spPr>
-        <p:style>
-          <a:lnRef idx="2">
-            <a:schemeClr val="accent1">
-              <a:shade val="50000"/>
-            </a:schemeClr>
-          </a:lnRef>
-          <a:fillRef idx="1">
-            <a:schemeClr val="accent1"/>
-          </a:fillRef>
-          <a:effectRef idx="0">
-            <a:schemeClr val="accent1"/>
-          </a:effectRef>
-          <a:fontRef idx="minor">
-            <a:schemeClr val="lt1"/>
-          </a:fontRef>
-        </p:style>
-        <p:txBody>
-          <a:bodyPr rtlCol="0" anchor="ctr"/>
-          <a:lstStyle/>
-          <a:p>
-            <a:pPr algn="ctr"/>
-            <a:endParaRPr lang="en-US" dirty="0"/>
-          </a:p>
-        </p:txBody>
-      </p:sp>
-      <p:sp>
-        <p:nvSpPr>
-          <p:cNvPr id="14" name="Block Arc 13">
-            <a:extLst>
-              <a:ext uri="{FF2B5EF4-FFF2-40B4-BE49-F238E27FC236}">
-                <a16:creationId xmlns:a16="http://schemas.microsoft.com/office/drawing/2014/main" id="{CABBD4C1-E6F8-46F6-8152-A8A97490BF4D}"/>
-              </a:ext>
-              <a:ext uri="{C183D7F6-B498-43B3-948B-1728B52AA6E4}">
-                <adec:decorative xmlns:adec="http://schemas.microsoft.com/office/drawing/2017/decorative" val="1"/>
-              </a:ext>
-            </a:extLst>
-          </p:cNvPr>
-          <p:cNvSpPr>
-            <a:spLocks noGrp="1" noRot="1" noChangeAspect="1" noMove="1" noResize="1" noEditPoints="1" noAdjustHandles="1" noChangeArrowheads="1" noChangeShapeType="1" noTextEdit="1"/>
-          </p:cNvSpPr>
-          <p:nvPr>
-            <p:extLst>
-              <p:ext uri="{386F3935-93C4-4BCD-93E2-E3B085C9AB24}">
-                <p16:designElem xmlns:p16="http://schemas.microsoft.com/office/powerpoint/2015/main" val="1"/>
-              </p:ext>
-            </p:extLst>
-          </p:nvPr>
-        </p:nvSpPr>
-        <p:spPr>
-          <a:xfrm rot="16200000">
-            <a:off x="8912417" y="1218531"/>
-            <a:ext cx="2387600" cy="2387600"/>
-          </a:xfrm>
-          <a:prstGeom prst="blockArc">
-            <a:avLst/>
-          </a:prstGeom>
-          <a:solidFill>
-            <a:schemeClr val="accent2"/>
-          </a:solidFill>
-          <a:ln>
-            <a:noFill/>
-          </a:ln>
-        </p:spPr>
-        <p:style>
-          <a:lnRef idx="2">
-            <a:schemeClr val="accent1">
-              <a:shade val="50000"/>
-            </a:schemeClr>
-          </a:lnRef>
-          <a:fillRef idx="1">
-            <a:schemeClr val="accent1"/>
-          </a:fillRef>
-          <a:effectRef idx="0">
-            <a:schemeClr val="accent1"/>
-          </a:effectRef>
-          <a:fontRef idx="minor">
-            <a:schemeClr val="lt1"/>
-          </a:fontRef>
-        </p:style>
-        <p:txBody>
-          <a:bodyPr rtlCol="0" anchor="ctr"/>
-          <a:lstStyle/>
-          <a:p>
-            <a:pPr algn="ctr"/>
-            <a:endParaRPr lang="en-US">
-              <a:solidFill>
-                <a:schemeClr val="tx1"/>
-              </a:solidFill>
-            </a:endParaRPr>
-          </a:p>
-        </p:txBody>
-      </p:sp>
-      <p:sp>
-        <p:nvSpPr>
-          <p:cNvPr id="16" name="Freeform: Shape 15">
-            <a:extLst>
-              <a:ext uri="{FF2B5EF4-FFF2-40B4-BE49-F238E27FC236}">
-                <a16:creationId xmlns:a16="http://schemas.microsoft.com/office/drawing/2014/main" id="{83BA5EF5-1FE9-4BF9-83BB-269BCDDF6156}"/>
-              </a:ext>
-              <a:ext uri="{C183D7F6-B498-43B3-948B-1728B52AA6E4}">
-                <adec:decorative xmlns:adec="http://schemas.microsoft.com/office/drawing/2017/decorative" val="1"/>
-              </a:ext>
-            </a:extLst>
-          </p:cNvPr>
-          <p:cNvSpPr>
-            <a:spLocks noGrp="1" noRot="1" noChangeAspect="1" noMove="1" noResize="1" noEditPoints="1" noAdjustHandles="1" noChangeArrowheads="1" noChangeShapeType="1" noTextEdit="1"/>
-          </p:cNvSpPr>
-          <p:nvPr>
-            <p:extLst>
-              <p:ext uri="{386F3935-93C4-4BCD-93E2-E3B085C9AB24}">
-                <p16:designElem xmlns:p16="http://schemas.microsoft.com/office/powerpoint/2015/main" val="1"/>
-              </p:ext>
-            </p:extLst>
-          </p:nvPr>
-        </p:nvSpPr>
-        <p:spPr>
-          <a:xfrm>
-            <a:off x="6821310" y="0"/>
-            <a:ext cx="2315251" cy="1550992"/>
-          </a:xfrm>
-          <a:custGeom>
-            <a:avLst/>
-            <a:gdLst>
-              <a:gd name="connsiteX0" fmla="*/ 0 w 2315251"/>
-              <a:gd name="connsiteY0" fmla="*/ 0 h 1550992"/>
-              <a:gd name="connsiteX1" fmla="*/ 138700 w 2315251"/>
-              <a:gd name="connsiteY1" fmla="*/ 0 h 1550992"/>
-              <a:gd name="connsiteX2" fmla="*/ 138700 w 2315251"/>
-              <a:gd name="connsiteY2" fmla="*/ 1361400 h 1550992"/>
-              <a:gd name="connsiteX3" fmla="*/ 2107387 w 2315251"/>
-              <a:gd name="connsiteY3" fmla="*/ 222673 h 1550992"/>
-              <a:gd name="connsiteX4" fmla="*/ 1722420 w 2315251"/>
-              <a:gd name="connsiteY4" fmla="*/ 0 h 1550992"/>
-              <a:gd name="connsiteX5" fmla="*/ 1999436 w 2315251"/>
-              <a:gd name="connsiteY5" fmla="*/ 0 h 1550992"/>
-              <a:gd name="connsiteX6" fmla="*/ 2280549 w 2315251"/>
-              <a:gd name="connsiteY6" fmla="*/ 162605 h 1550992"/>
-              <a:gd name="connsiteX7" fmla="*/ 2305953 w 2315251"/>
-              <a:gd name="connsiteY7" fmla="*/ 257336 h 1550992"/>
-              <a:gd name="connsiteX8" fmla="*/ 2280549 w 2315251"/>
-              <a:gd name="connsiteY8" fmla="*/ 282740 h 1550992"/>
-              <a:gd name="connsiteX9" fmla="*/ 104026 w 2315251"/>
-              <a:gd name="connsiteY9" fmla="*/ 1541710 h 1550992"/>
-              <a:gd name="connsiteX10" fmla="*/ 69351 w 2315251"/>
-              <a:gd name="connsiteY10" fmla="*/ 1550992 h 1550992"/>
-              <a:gd name="connsiteX11" fmla="*/ 0 w 2315251"/>
-              <a:gd name="connsiteY11" fmla="*/ 1481643 h 1550992"/>
-            </a:gdLst>
-            <a:ahLst/>
-            <a:cxnLst>
-              <a:cxn ang="0">
-                <a:pos x="connsiteX0" y="connsiteY0"/>
-              </a:cxn>
-              <a:cxn ang="0">
-                <a:pos x="connsiteX1" y="connsiteY1"/>
-              </a:cxn>
-              <a:cxn ang="0">
-                <a:pos x="connsiteX2" y="connsiteY2"/>
-              </a:cxn>
-              <a:cxn ang="0">
-                <a:pos x="connsiteX3" y="connsiteY3"/>
-              </a:cxn>
-              <a:cxn ang="0">
-                <a:pos x="connsiteX4" y="connsiteY4"/>
-              </a:cxn>
-              <a:cxn ang="0">
-                <a:pos x="connsiteX5" y="connsiteY5"/>
-              </a:cxn>
-              <a:cxn ang="0">
-                <a:pos x="connsiteX6" y="connsiteY6"/>
-              </a:cxn>
-              <a:cxn ang="0">
-                <a:pos x="connsiteX7" y="connsiteY7"/>
-              </a:cxn>
-              <a:cxn ang="0">
-                <a:pos x="connsiteX8" y="connsiteY8"/>
-              </a:cxn>
-              <a:cxn ang="0">
-                <a:pos x="connsiteX9" y="connsiteY9"/>
-              </a:cxn>
-              <a:cxn ang="0">
-                <a:pos x="connsiteX10" y="connsiteY10"/>
-              </a:cxn>
-              <a:cxn ang="0">
-                <a:pos x="connsiteX11" y="connsiteY11"/>
-              </a:cxn>
-            </a:cxnLst>
-            <a:rect l="l" t="t" r="r" b="b"/>
-            <a:pathLst>
-              <a:path w="2315251" h="1550992">
-                <a:moveTo>
-                  <a:pt x="0" y="0"/>
-                </a:moveTo>
-                <a:lnTo>
-                  <a:pt x="138700" y="0"/>
-                </a:lnTo>
-                <a:lnTo>
-                  <a:pt x="138700" y="1361400"/>
-                </a:lnTo>
-                <a:lnTo>
-                  <a:pt x="2107387" y="222673"/>
-                </a:lnTo>
-                <a:lnTo>
-                  <a:pt x="1722420" y="0"/>
-                </a:lnTo>
-                <a:lnTo>
-                  <a:pt x="1999436" y="0"/>
-                </a:lnTo>
-                <a:lnTo>
-                  <a:pt x="2280549" y="162605"/>
-                </a:lnTo>
-                <a:cubicBezTo>
-                  <a:pt x="2313720" y="181745"/>
-                  <a:pt x="2325104" y="224155"/>
-                  <a:pt x="2305953" y="257336"/>
-                </a:cubicBezTo>
-                <a:cubicBezTo>
-                  <a:pt x="2299872" y="267889"/>
-                  <a:pt x="2291101" y="276648"/>
-                  <a:pt x="2280549" y="282740"/>
-                </a:cubicBezTo>
-                <a:lnTo>
-                  <a:pt x="104026" y="1541710"/>
-                </a:lnTo>
-                <a:cubicBezTo>
-                  <a:pt x="93484" y="1547802"/>
-                  <a:pt x="81523" y="1551003"/>
-                  <a:pt x="69351" y="1550992"/>
-                </a:cubicBezTo>
-                <a:cubicBezTo>
-                  <a:pt x="31049" y="1550992"/>
-                  <a:pt x="0" y="1519944"/>
-                  <a:pt x="0" y="1481643"/>
-                </a:cubicBezTo>
-                <a:close/>
-              </a:path>
-            </a:pathLst>
-          </a:custGeom>
-          <a:solidFill>
-            <a:schemeClr val="accent6"/>
-          </a:solidFill>
-          <a:ln w="9525" cap="flat">
-            <a:noFill/>
-            <a:prstDash val="solid"/>
-            <a:miter/>
-          </a:ln>
-        </p:spPr>
-        <p:txBody>
-          <a:bodyPr rtlCol="0" anchor="ctr"/>
-          <a:lstStyle/>
-          <a:p>
-            <a:endParaRPr lang="en-US" dirty="0"/>
-          </a:p>
-        </p:txBody>
-      </p:sp>
-      <p:cxnSp>
-        <p:nvCxnSpPr>
-          <p:cNvPr id="18" name="Straight Connector 17">
-            <a:extLst>
-              <a:ext uri="{FF2B5EF4-FFF2-40B4-BE49-F238E27FC236}">
-                <a16:creationId xmlns:a16="http://schemas.microsoft.com/office/drawing/2014/main" id="{4B3BCACB-5880-460B-9606-8C433A9AF99D}"/>
-              </a:ext>
-              <a:ext uri="{C183D7F6-B498-43B3-948B-1728B52AA6E4}">
-                <adec:decorative xmlns:adec="http://schemas.microsoft.com/office/drawing/2017/decorative" val="1"/>
-              </a:ext>
-            </a:extLst>
-          </p:cNvPr>
-          <p:cNvCxnSpPr>
-            <a:cxnSpLocks noGrp="1" noRot="1" noChangeAspect="1" noMove="1" noResize="1" noEditPoints="1" noAdjustHandles="1" noChangeArrowheads="1" noChangeShapeType="1"/>
-          </p:cNvCxnSpPr>
-          <p:nvPr>
-            <p:extLst>
-              <p:ext uri="{386F3935-93C4-4BCD-93E2-E3B085C9AB24}">
-                <p16:designElem xmlns:p16="http://schemas.microsoft.com/office/powerpoint/2015/main" val="1"/>
-              </p:ext>
-            </p:extLst>
-          </p:nvPr>
-        </p:nvCxnSpPr>
-        <p:spPr>
-          <a:xfrm>
-            <a:off x="11724638" y="1331572"/>
-            <a:ext cx="0" cy="1597708"/>
-          </a:xfrm>
-          <a:prstGeom prst="line">
-            <a:avLst/>
-          </a:prstGeom>
-          <a:ln w="127000" cap="rnd">
-            <a:solidFill>
-              <a:schemeClr val="accent4"/>
-            </a:solidFill>
-            <a:prstDash val="dash"/>
-          </a:ln>
-        </p:spPr>
-        <p:style>
-          <a:lnRef idx="1">
-            <a:schemeClr val="accent1"/>
-          </a:lnRef>
-          <a:fillRef idx="0">
-            <a:schemeClr val="accent1"/>
-          </a:fillRef>
-          <a:effectRef idx="0">
-            <a:schemeClr val="accent1"/>
-          </a:effectRef>
-          <a:fontRef idx="minor">
-            <a:schemeClr val="tx1"/>
-          </a:fontRef>
-        </p:style>
-      </p:cxnSp>
-      <p:sp>
-        <p:nvSpPr>
-          <p:cNvPr id="20" name="Freeform: Shape 19">
-            <a:extLst>
-              <a:ext uri="{FF2B5EF4-FFF2-40B4-BE49-F238E27FC236}">
-                <a16:creationId xmlns:a16="http://schemas.microsoft.com/office/drawing/2014/main" id="{88853921-7BC9-4BDE-ACAB-133C683C82D6}"/>
-              </a:ext>
-              <a:ext uri="{C183D7F6-B498-43B3-948B-1728B52AA6E4}">
-                <adec:decorative xmlns:adec="http://schemas.microsoft.com/office/drawing/2017/decorative" val="1"/>
-              </a:ext>
-            </a:extLst>
-          </p:cNvPr>
-          <p:cNvSpPr>
-            <a:spLocks noGrp="1" noRot="1" noChangeAspect="1" noMove="1" noResize="1" noEditPoints="1" noAdjustHandles="1" noChangeArrowheads="1" noChangeShapeType="1" noTextEdit="1"/>
-          </p:cNvSpPr>
-          <p:nvPr>
-            <p:extLst>
-              <p:ext uri="{386F3935-93C4-4BCD-93E2-E3B085C9AB24}">
-                <p16:designElem xmlns:p16="http://schemas.microsoft.com/office/powerpoint/2015/main" val="1"/>
-              </p:ext>
-            </p:extLst>
-          </p:nvPr>
-        </p:nvSpPr>
-        <p:spPr>
-          <a:xfrm>
-            <a:off x="11005550" y="4112081"/>
-            <a:ext cx="1186451" cy="1771650"/>
-          </a:xfrm>
-          <a:custGeom>
-            <a:avLst/>
-            <a:gdLst>
-              <a:gd name="connsiteX0" fmla="*/ 61913 w 1186451"/>
-              <a:gd name="connsiteY0" fmla="*/ 0 h 1771650"/>
-              <a:gd name="connsiteX1" fmla="*/ 1186451 w 1186451"/>
-              <a:gd name="connsiteY1" fmla="*/ 0 h 1771650"/>
-              <a:gd name="connsiteX2" fmla="*/ 1186451 w 1186451"/>
-              <a:gd name="connsiteY2" fmla="*/ 123825 h 1771650"/>
-              <a:gd name="connsiteX3" fmla="*/ 123825 w 1186451"/>
-              <a:gd name="connsiteY3" fmla="*/ 123825 h 1771650"/>
-              <a:gd name="connsiteX4" fmla="*/ 123825 w 1186451"/>
-              <a:gd name="connsiteY4" fmla="*/ 1647825 h 1771650"/>
-              <a:gd name="connsiteX5" fmla="*/ 1186451 w 1186451"/>
-              <a:gd name="connsiteY5" fmla="*/ 1647825 h 1771650"/>
-              <a:gd name="connsiteX6" fmla="*/ 1186451 w 1186451"/>
-              <a:gd name="connsiteY6" fmla="*/ 1771650 h 1771650"/>
-              <a:gd name="connsiteX7" fmla="*/ 61913 w 1186451"/>
-              <a:gd name="connsiteY7" fmla="*/ 1771650 h 1771650"/>
-              <a:gd name="connsiteX8" fmla="*/ 0 w 1186451"/>
-              <a:gd name="connsiteY8" fmla="*/ 1709738 h 1771650"/>
-              <a:gd name="connsiteX9" fmla="*/ 0 w 1186451"/>
-              <a:gd name="connsiteY9" fmla="*/ 61913 h 1771650"/>
-              <a:gd name="connsiteX10" fmla="*/ 61913 w 1186451"/>
-              <a:gd name="connsiteY10" fmla="*/ 0 h 1771650"/>
-            </a:gdLst>
-            <a:ahLst/>
-            <a:cxnLst>
-              <a:cxn ang="0">
-                <a:pos x="connsiteX0" y="connsiteY0"/>
-              </a:cxn>
-              <a:cxn ang="0">
-                <a:pos x="connsiteX1" y="connsiteY1"/>
-              </a:cxn>
-              <a:cxn ang="0">
-                <a:pos x="connsiteX2" y="connsiteY2"/>
-              </a:cxn>
-              <a:cxn ang="0">
-                <a:pos x="connsiteX3" y="connsiteY3"/>
-              </a:cxn>
-              <a:cxn ang="0">
-                <a:pos x="connsiteX4" y="connsiteY4"/>
-              </a:cxn>
-              <a:cxn ang="0">
-                <a:pos x="connsiteX5" y="connsiteY5"/>
-              </a:cxn>
-              <a:cxn ang="0">
-                <a:pos x="connsiteX6" y="connsiteY6"/>
-              </a:cxn>
-              <a:cxn ang="0">
-                <a:pos x="connsiteX7" y="connsiteY7"/>
-              </a:cxn>
-              <a:cxn ang="0">
-                <a:pos x="connsiteX8" y="connsiteY8"/>
-              </a:cxn>
-              <a:cxn ang="0">
-                <a:pos x="connsiteX9" y="connsiteY9"/>
-              </a:cxn>
-              <a:cxn ang="0">
-                <a:pos x="connsiteX10" y="connsiteY10"/>
-              </a:cxn>
-            </a:cxnLst>
-            <a:rect l="l" t="t" r="r" b="b"/>
-            <a:pathLst>
-              <a:path w="1186451" h="1771650">
-                <a:moveTo>
-                  <a:pt x="61913" y="0"/>
-                </a:moveTo>
-                <a:lnTo>
-                  <a:pt x="1186451" y="0"/>
-                </a:lnTo>
-                <a:lnTo>
-                  <a:pt x="1186451" y="123825"/>
-                </a:lnTo>
-                <a:lnTo>
-                  <a:pt x="123825" y="123825"/>
-                </a:lnTo>
-                <a:lnTo>
-                  <a:pt x="123825" y="1647825"/>
-                </a:lnTo>
-                <a:lnTo>
-                  <a:pt x="1186451" y="1647825"/>
-                </a:lnTo>
-                <a:lnTo>
-                  <a:pt x="1186451" y="1771650"/>
-                </a:lnTo>
-                <a:lnTo>
-                  <a:pt x="61913" y="1771650"/>
-                </a:lnTo>
-                <a:cubicBezTo>
-                  <a:pt x="27719" y="1771650"/>
-                  <a:pt x="0" y="1743932"/>
-                  <a:pt x="0" y="1709738"/>
-                </a:cubicBezTo>
-                <a:lnTo>
-                  <a:pt x="0" y="61913"/>
-                </a:lnTo>
-                <a:cubicBezTo>
-                  <a:pt x="0" y="27719"/>
-                  <a:pt x="27719" y="0"/>
-                  <a:pt x="61913" y="0"/>
-                </a:cubicBezTo>
-                <a:close/>
-              </a:path>
-            </a:pathLst>
-          </a:custGeom>
-          <a:solidFill>
-            <a:schemeClr val="accent6"/>
-          </a:solidFill>
-          <a:ln w="9525" cap="flat">
-            <a:noFill/>
-            <a:prstDash val="solid"/>
-            <a:miter/>
-          </a:ln>
-        </p:spPr>
-        <p:txBody>
-          <a:bodyPr rtlCol="0" anchor="ctr"/>
-          <a:lstStyle/>
-          <a:p>
-            <a:endParaRPr lang="en-US"/>
-          </a:p>
-        </p:txBody>
-      </p:sp>
-      <p:sp>
-        <p:nvSpPr>
-          <p:cNvPr id="22" name="Arc 21">
-            <a:extLst>
-              <a:ext uri="{FF2B5EF4-FFF2-40B4-BE49-F238E27FC236}">
-                <a16:creationId xmlns:a16="http://schemas.microsoft.com/office/drawing/2014/main" id="{09192968-3AE7-4470-A61C-97294BB92731}"/>
-              </a:ext>
-              <a:ext uri="{C183D7F6-B498-43B3-948B-1728B52AA6E4}">
-                <adec:decorative xmlns:adec="http://schemas.microsoft.com/office/drawing/2017/decorative" val="1"/>
-              </a:ext>
-            </a:extLst>
-          </p:cNvPr>
-          <p:cNvSpPr>
-            <a:spLocks noGrp="1" noRot="1" noChangeAspect="1" noMove="1" noResize="1" noEditPoints="1" noAdjustHandles="1" noChangeArrowheads="1" noChangeShapeType="1" noTextEdit="1"/>
-          </p:cNvSpPr>
-          <p:nvPr>
-            <p:extLst>
-              <p:ext uri="{386F3935-93C4-4BCD-93E2-E3B085C9AB24}">
-                <p16:designElem xmlns:p16="http://schemas.microsoft.com/office/powerpoint/2015/main" val="1"/>
-              </p:ext>
-            </p:extLst>
-          </p:nvPr>
-        </p:nvSpPr>
-        <p:spPr>
-          <a:xfrm rot="20992895">
-            <a:off x="6086940" y="4145122"/>
-            <a:ext cx="4083433" cy="4083433"/>
-          </a:xfrm>
-          <a:prstGeom prst="arc">
-            <a:avLst/>
-          </a:prstGeom>
-          <a:ln w="127000" cap="rnd">
-            <a:solidFill>
-              <a:schemeClr val="accent4"/>
-            </a:solidFill>
-            <a:prstDash val="dash"/>
-          </a:ln>
-        </p:spPr>
-        <p:style>
-          <a:lnRef idx="1">
-            <a:schemeClr val="accent1"/>
-          </a:lnRef>
-          <a:fillRef idx="0">
-            <a:schemeClr val="accent1"/>
-          </a:fillRef>
-          <a:effectRef idx="0">
-            <a:schemeClr val="accent1"/>
-          </a:effectRef>
-          <a:fontRef idx="minor">
-            <a:schemeClr val="tx1"/>
-          </a:fontRef>
-        </p:style>
-        <p:txBody>
-          <a:bodyPr rtlCol="0" anchor="ctr"/>
-          <a:lstStyle/>
-          <a:p>
-            <a:pPr algn="ctr"/>
-            <a:endParaRPr lang="en-US" dirty="0"/>
-          </a:p>
-        </p:txBody>
-      </p:sp>
-      <p:sp>
-        <p:nvSpPr>
-          <p:cNvPr id="24" name="Freeform: Shape 23">
-            <a:extLst>
-              <a:ext uri="{FF2B5EF4-FFF2-40B4-BE49-F238E27FC236}">
-                <a16:creationId xmlns:a16="http://schemas.microsoft.com/office/drawing/2014/main" id="{3AB72E55-43E4-4356-BFE8-E2102CB0B505}"/>
-              </a:ext>
-              <a:ext uri="{C183D7F6-B498-43B3-948B-1728B52AA6E4}">
-                <adec:decorative xmlns:adec="http://schemas.microsoft.com/office/drawing/2017/decorative" val="1"/>
-              </a:ext>
-            </a:extLst>
-          </p:cNvPr>
-          <p:cNvSpPr>
-            <a:spLocks noGrp="1" noRot="1" noChangeAspect="1" noMove="1" noResize="1" noEditPoints="1" noAdjustHandles="1" noChangeArrowheads="1" noChangeShapeType="1" noTextEdit="1"/>
-          </p:cNvSpPr>
-          <p:nvPr>
-            <p:extLst>
-              <p:ext uri="{386F3935-93C4-4BCD-93E2-E3B085C9AB24}">
-                <p16:designElem xmlns:p16="http://schemas.microsoft.com/office/powerpoint/2015/main" val="1"/>
-              </p:ext>
-            </p:extLst>
-          </p:nvPr>
-        </p:nvSpPr>
-        <p:spPr>
-          <a:xfrm>
-            <a:off x="6821310" y="4962670"/>
-            <a:ext cx="2643352" cy="1895331"/>
-          </a:xfrm>
-          <a:custGeom>
-            <a:avLst/>
-            <a:gdLst>
-              <a:gd name="connsiteX0" fmla="*/ 1321676 w 2643352"/>
-              <a:gd name="connsiteY0" fmla="*/ 0 h 1895331"/>
-              <a:gd name="connsiteX1" fmla="*/ 2643352 w 2643352"/>
-              <a:gd name="connsiteY1" fmla="*/ 1321676 h 1895331"/>
-              <a:gd name="connsiteX2" fmla="*/ 2539488 w 2643352"/>
-              <a:gd name="connsiteY2" fmla="*/ 1836132 h 1895331"/>
-              <a:gd name="connsiteX3" fmla="*/ 2510970 w 2643352"/>
-              <a:gd name="connsiteY3" fmla="*/ 1895331 h 1895331"/>
-              <a:gd name="connsiteX4" fmla="*/ 132382 w 2643352"/>
-              <a:gd name="connsiteY4" fmla="*/ 1895331 h 1895331"/>
-              <a:gd name="connsiteX5" fmla="*/ 103864 w 2643352"/>
-              <a:gd name="connsiteY5" fmla="*/ 1836132 h 1895331"/>
-              <a:gd name="connsiteX6" fmla="*/ 0 w 2643352"/>
-              <a:gd name="connsiteY6" fmla="*/ 1321676 h 1895331"/>
-              <a:gd name="connsiteX7" fmla="*/ 1321676 w 2643352"/>
-              <a:gd name="connsiteY7" fmla="*/ 0 h 1895331"/>
-            </a:gdLst>
-            <a:ahLst/>
-            <a:cxnLst>
-              <a:cxn ang="0">
-                <a:pos x="connsiteX0" y="connsiteY0"/>
-              </a:cxn>
-              <a:cxn ang="0">
-                <a:pos x="connsiteX1" y="connsiteY1"/>
-              </a:cxn>
-              <a:cxn ang="0">
-                <a:pos x="connsiteX2" y="connsiteY2"/>
-              </a:cxn>
-              <a:cxn ang="0">
-                <a:pos x="connsiteX3" y="connsiteY3"/>
-              </a:cxn>
-              <a:cxn ang="0">
-                <a:pos x="connsiteX4" y="connsiteY4"/>
-              </a:cxn>
-              <a:cxn ang="0">
-                <a:pos x="connsiteX5" y="connsiteY5"/>
-              </a:cxn>
-              <a:cxn ang="0">
-                <a:pos x="connsiteX6" y="connsiteY6"/>
-              </a:cxn>
-              <a:cxn ang="0">
-                <a:pos x="connsiteX7" y="connsiteY7"/>
-              </a:cxn>
-            </a:cxnLst>
-            <a:rect l="l" t="t" r="r" b="b"/>
-            <a:pathLst>
-              <a:path w="2643352" h="1895331">
-                <a:moveTo>
-                  <a:pt x="1321676" y="0"/>
-                </a:moveTo>
-                <a:cubicBezTo>
-                  <a:pt x="2051617" y="0"/>
-                  <a:pt x="2643352" y="591735"/>
-                  <a:pt x="2643352" y="1321676"/>
-                </a:cubicBezTo>
-                <a:cubicBezTo>
-                  <a:pt x="2643352" y="1504161"/>
-                  <a:pt x="2606369" y="1678009"/>
-                  <a:pt x="2539488" y="1836132"/>
-                </a:cubicBezTo>
-                <a:lnTo>
-                  <a:pt x="2510970" y="1895331"/>
-                </a:lnTo>
-                <a:lnTo>
-                  <a:pt x="132382" y="1895331"/>
-                </a:lnTo>
-                <a:lnTo>
-                  <a:pt x="103864" y="1836132"/>
-                </a:lnTo>
-                <a:cubicBezTo>
-                  <a:pt x="36984" y="1678009"/>
-                  <a:pt x="0" y="1504161"/>
-                  <a:pt x="0" y="1321676"/>
-                </a:cubicBezTo>
-                <a:cubicBezTo>
-                  <a:pt x="0" y="591735"/>
-                  <a:pt x="591735" y="0"/>
-                  <a:pt x="1321676" y="0"/>
-                </a:cubicBezTo>
-                <a:close/>
-              </a:path>
-            </a:pathLst>
-          </a:custGeom>
-          <a:solidFill>
-            <a:schemeClr val="accent2"/>
-          </a:solidFill>
-          <a:ln>
-            <a:noFill/>
-          </a:ln>
-        </p:spPr>
-        <p:style>
-          <a:lnRef idx="2">
-            <a:schemeClr val="accent1">
-              <a:shade val="50000"/>
-            </a:schemeClr>
-          </a:lnRef>
-          <a:fillRef idx="1">
-            <a:schemeClr val="accent1"/>
-          </a:fillRef>
-          <a:effectRef idx="0">
-            <a:schemeClr val="accent1"/>
-          </a:effectRef>
-          <a:fontRef idx="minor">
-            <a:schemeClr val="lt1"/>
-          </a:fontRef>
-        </p:style>
-        <p:txBody>
-          <a:bodyPr rtlCol="0" anchor="ctr"/>
-          <a:lstStyle/>
-          <a:p>
-            <a:pPr algn="ctr"/>
-            <a:endParaRPr lang="en-US"/>
-          </a:p>
-        </p:txBody>
-      </p:sp>
+      </p:pic>
     </p:spTree>
     <p:extLst>
       <p:ext uri="{BB962C8B-B14F-4D97-AF65-F5344CB8AC3E}">
@@ -10599,10 +11133,10 @@
       </p:grpSpPr>
       <p:sp useBgFill="1">
         <p:nvSpPr>
-          <p:cNvPr id="8" name="Rectangle 7">
+          <p:cNvPr id="73" name="Rectangle 61">
             <a:extLst>
               <a:ext uri="{FF2B5EF4-FFF2-40B4-BE49-F238E27FC236}">
-                <a16:creationId xmlns:a16="http://schemas.microsoft.com/office/drawing/2014/main" id="{F837543A-6020-4505-A233-C9DB4BF74011}"/>
+                <a16:creationId xmlns:a16="http://schemas.microsoft.com/office/drawing/2014/main" id="{201CC55D-ED54-4C5C-95E6-10947BD1103B}"/>
               </a:ext>
               <a:ext uri="{C183D7F6-B498-43B3-948B-1728B52AA6E4}">
                 <adec:decorative xmlns:adec="http://schemas.microsoft.com/office/drawing/2017/decorative" val="1"/>
@@ -10622,8 +11156,8 @@
         </p:nvSpPr>
         <p:spPr>
           <a:xfrm>
-            <a:off x="3048" y="0"/>
-            <a:ext cx="12188952" cy="6858000"/>
+            <a:off x="0" y="0"/>
+            <a:ext cx="12191999" cy="6857365"/>
           </a:xfrm>
           <a:prstGeom prst="rect">
             <a:avLst/>
@@ -10675,33 +11209,187 @@
         </p:nvSpPr>
         <p:spPr>
           <a:xfrm>
-            <a:off x="838200" y="365125"/>
-            <a:ext cx="5558489" cy="1325563"/>
+            <a:off x="589560" y="856180"/>
+            <a:ext cx="4560584" cy="1128068"/>
           </a:xfrm>
         </p:spPr>
         <p:txBody>
-          <a:bodyPr>
+          <a:bodyPr anchor="ctr">
             <a:normAutofit/>
           </a:bodyPr>
           <a:lstStyle/>
           <a:p>
             <a:r>
-              <a:rPr lang="ru-RU" dirty="0">
+              <a:rPr lang="ru-RU" sz="3700">
                 <a:ea typeface="Calibri Light"/>
                 <a:cs typeface="Calibri Light"/>
               </a:rPr>
               <a:t>Модуль workspace.py</a:t>
             </a:r>
-            <a:endParaRPr lang="ru-RU" dirty="0"/>
+            <a:endParaRPr lang="ru-RU" sz="3700"/>
           </a:p>
         </p:txBody>
       </p:sp>
+      <p:grpSp>
+        <p:nvGrpSpPr>
+          <p:cNvPr id="74" name="Group 63">
+            <a:extLst>
+              <a:ext uri="{FF2B5EF4-FFF2-40B4-BE49-F238E27FC236}">
+                <a16:creationId xmlns:a16="http://schemas.microsoft.com/office/drawing/2014/main" id="{1DE889C7-FAD6-4397-98E2-05D503484459}"/>
+              </a:ext>
+              <a:ext uri="{C183D7F6-B498-43B3-948B-1728B52AA6E4}">
+                <adec:decorative xmlns:adec="http://schemas.microsoft.com/office/drawing/2017/decorative" val="1"/>
+              </a:ext>
+            </a:extLst>
+          </p:cNvPr>
+          <p:cNvGrpSpPr>
+            <a:grpSpLocks noGrp="1" noUngrp="1" noRot="1" noChangeAspect="1" noMove="1" noResize="1"/>
+          </p:cNvGrpSpPr>
+          <p:nvPr>
+            <p:extLst>
+              <p:ext uri="{386F3935-93C4-4BCD-93E2-E3B085C9AB24}">
+                <p16:designElem xmlns:p16="http://schemas.microsoft.com/office/powerpoint/2015/main" val="1"/>
+              </p:ext>
+            </p:extLst>
+          </p:nvPr>
+        </p:nvGrpSpPr>
+        <p:grpSpPr>
+          <a:xfrm>
+            <a:off x="0" y="1083484"/>
+            <a:ext cx="355196" cy="673460"/>
+            <a:chOff x="0" y="823811"/>
+            <a:chExt cx="355196" cy="673460"/>
+          </a:xfrm>
+        </p:grpSpPr>
+        <p:sp>
+          <p:nvSpPr>
+            <p:cNvPr id="65" name="Rectangle 64">
+              <a:extLst>
+                <a:ext uri="{FF2B5EF4-FFF2-40B4-BE49-F238E27FC236}">
+                  <a16:creationId xmlns:a16="http://schemas.microsoft.com/office/drawing/2014/main" id="{F399A70F-F8CD-4992-9EF5-6CF15472E73F}"/>
+                </a:ext>
+                <a:ext uri="{C183D7F6-B498-43B3-948B-1728B52AA6E4}">
+                  <adec:decorative xmlns:adec="http://schemas.microsoft.com/office/drawing/2017/decorative" val="1"/>
+                </a:ext>
+              </a:extLst>
+            </p:cNvPr>
+            <p:cNvSpPr/>
+            <p:nvPr>
+              <p:extLst>
+                <p:ext uri="{386F3935-93C4-4BCD-93E2-E3B085C9AB24}">
+                  <p16:designElem xmlns:p16="http://schemas.microsoft.com/office/powerpoint/2015/main" val="1"/>
+                </p:ext>
+              </p:extLst>
+            </p:nvPr>
+          </p:nvSpPr>
+          <p:spPr>
+            <a:xfrm>
+              <a:off x="0" y="823811"/>
+              <a:ext cx="87363" cy="673460"/>
+            </a:xfrm>
+            <a:prstGeom prst="rect">
+              <a:avLst/>
+            </a:prstGeom>
+            <a:solidFill>
+              <a:schemeClr val="accent4"/>
+            </a:solidFill>
+            <a:ln>
+              <a:noFill/>
+            </a:ln>
+          </p:spPr>
+          <p:style>
+            <a:lnRef idx="2">
+              <a:schemeClr val="accent1">
+                <a:shade val="50000"/>
+              </a:schemeClr>
+            </a:lnRef>
+            <a:fillRef idx="1">
+              <a:schemeClr val="accent1"/>
+            </a:fillRef>
+            <a:effectRef idx="0">
+              <a:schemeClr val="accent1"/>
+            </a:effectRef>
+            <a:fontRef idx="minor">
+              <a:schemeClr val="lt1"/>
+            </a:fontRef>
+          </p:style>
+          <p:txBody>
+            <a:bodyPr rtlCol="0" anchor="ctr"/>
+            <a:lstStyle/>
+            <a:p>
+              <a:pPr algn="ctr"/>
+              <a:endParaRPr lang="en-US"/>
+            </a:p>
+          </p:txBody>
+        </p:sp>
+        <p:sp>
+          <p:nvSpPr>
+            <p:cNvPr id="66" name="Rectangle 65">
+              <a:extLst>
+                <a:ext uri="{FF2B5EF4-FFF2-40B4-BE49-F238E27FC236}">
+                  <a16:creationId xmlns:a16="http://schemas.microsoft.com/office/drawing/2014/main" id="{48F4FEDC-6D80-458C-A665-075D9B9500FD}"/>
+                </a:ext>
+                <a:ext uri="{C183D7F6-B498-43B3-948B-1728B52AA6E4}">
+                  <adec:decorative xmlns:adec="http://schemas.microsoft.com/office/drawing/2017/decorative" val="1"/>
+                </a:ext>
+              </a:extLst>
+            </p:cNvPr>
+            <p:cNvSpPr/>
+            <p:nvPr>
+              <p:extLst>
+                <p:ext uri="{386F3935-93C4-4BCD-93E2-E3B085C9AB24}">
+                  <p16:designElem xmlns:p16="http://schemas.microsoft.com/office/powerpoint/2015/main" val="1"/>
+                </p:ext>
+              </p:extLst>
+            </p:nvPr>
+          </p:nvSpPr>
+          <p:spPr>
+            <a:xfrm>
+              <a:off x="159341" y="823811"/>
+              <a:ext cx="195855" cy="673460"/>
+            </a:xfrm>
+            <a:prstGeom prst="rect">
+              <a:avLst/>
+            </a:prstGeom>
+            <a:solidFill>
+              <a:schemeClr val="accent4"/>
+            </a:solidFill>
+            <a:ln>
+              <a:noFill/>
+            </a:ln>
+          </p:spPr>
+          <p:style>
+            <a:lnRef idx="2">
+              <a:schemeClr val="accent1">
+                <a:shade val="50000"/>
+              </a:schemeClr>
+            </a:lnRef>
+            <a:fillRef idx="1">
+              <a:schemeClr val="accent1"/>
+            </a:fillRef>
+            <a:effectRef idx="0">
+              <a:schemeClr val="accent1"/>
+            </a:effectRef>
+            <a:fontRef idx="minor">
+              <a:schemeClr val="lt1"/>
+            </a:fontRef>
+          </p:style>
+          <p:txBody>
+            <a:bodyPr rtlCol="0" anchor="ctr"/>
+            <a:lstStyle/>
+            <a:p>
+              <a:pPr algn="ctr"/>
+              <a:endParaRPr lang="en-US"/>
+            </a:p>
+          </p:txBody>
+        </p:sp>
+      </p:grpSp>
       <p:sp>
         <p:nvSpPr>
-          <p:cNvPr id="10" name="Freeform: Shape 9">
+          <p:cNvPr id="68" name="Rectangle 67">
             <a:extLst>
               <a:ext uri="{FF2B5EF4-FFF2-40B4-BE49-F238E27FC236}">
-                <a16:creationId xmlns:a16="http://schemas.microsoft.com/office/drawing/2014/main" id="{35B16301-FB18-48BA-A6DD-C37CAF6F9A18}"/>
+                <a16:creationId xmlns:a16="http://schemas.microsoft.com/office/drawing/2014/main" id="{3873B707-463F-40B0-8227-E8CC6C67EB25}"/>
               </a:ext>
               <a:ext uri="{C183D7F6-B498-43B3-948B-1728B52AA6E4}">
                 <adec:decorative xmlns:adec="http://schemas.microsoft.com/office/drawing/2017/decorative" val="1"/>
@@ -10720,280 +11408,15 @@
           </p:nvPr>
         </p:nvSpPr>
         <p:spPr>
-          <a:xfrm>
-            <a:off x="10208695" y="1"/>
-            <a:ext cx="1135066" cy="477997"/>
+          <a:xfrm flipH="1">
+            <a:off x="665085" y="2090569"/>
+            <a:ext cx="4297680" cy="27432"/>
           </a:xfrm>
-          <a:custGeom>
-            <a:avLst/>
-            <a:gdLst>
-              <a:gd name="connsiteX0" fmla="*/ 0 w 1135066"/>
-              <a:gd name="connsiteY0" fmla="*/ 0 h 477997"/>
-              <a:gd name="connsiteX1" fmla="*/ 1135066 w 1135066"/>
-              <a:gd name="connsiteY1" fmla="*/ 0 h 477997"/>
-              <a:gd name="connsiteX2" fmla="*/ 1133370 w 1135066"/>
-              <a:gd name="connsiteY2" fmla="*/ 16827 h 477997"/>
-              <a:gd name="connsiteX3" fmla="*/ 567533 w 1135066"/>
-              <a:gd name="connsiteY3" fmla="*/ 477997 h 477997"/>
-              <a:gd name="connsiteX4" fmla="*/ 1696 w 1135066"/>
-              <a:gd name="connsiteY4" fmla="*/ 16827 h 477997"/>
-            </a:gdLst>
-            <a:ahLst/>
-            <a:cxnLst>
-              <a:cxn ang="0">
-                <a:pos x="connsiteX0" y="connsiteY0"/>
-              </a:cxn>
-              <a:cxn ang="0">
-                <a:pos x="connsiteX1" y="connsiteY1"/>
-              </a:cxn>
-              <a:cxn ang="0">
-                <a:pos x="connsiteX2" y="connsiteY2"/>
-              </a:cxn>
-              <a:cxn ang="0">
-                <a:pos x="connsiteX3" y="connsiteY3"/>
-              </a:cxn>
-              <a:cxn ang="0">
-                <a:pos x="connsiteX4" y="connsiteY4"/>
-              </a:cxn>
-            </a:cxnLst>
-            <a:rect l="l" t="t" r="r" b="b"/>
-            <a:pathLst>
-              <a:path w="1135066" h="477997">
-                <a:moveTo>
-                  <a:pt x="0" y="0"/>
-                </a:moveTo>
-                <a:lnTo>
-                  <a:pt x="1135066" y="0"/>
-                </a:lnTo>
-                <a:lnTo>
-                  <a:pt x="1133370" y="16827"/>
-                </a:lnTo>
-                <a:cubicBezTo>
-                  <a:pt x="1079514" y="280016"/>
-                  <a:pt x="846644" y="477997"/>
-                  <a:pt x="567533" y="477997"/>
-                </a:cubicBezTo>
-                <a:cubicBezTo>
-                  <a:pt x="288422" y="477997"/>
-                  <a:pt x="55552" y="280016"/>
-                  <a:pt x="1696" y="16827"/>
-                </a:cubicBezTo>
-                <a:close/>
-              </a:path>
-            </a:pathLst>
-          </a:custGeom>
-          <a:solidFill>
-            <a:schemeClr val="accent5"/>
-          </a:solidFill>
-          <a:ln>
-            <a:noFill/>
-          </a:ln>
-        </p:spPr>
-        <p:style>
-          <a:lnRef idx="2">
-            <a:schemeClr val="accent1">
-              <a:shade val="50000"/>
-            </a:schemeClr>
-          </a:lnRef>
-          <a:fillRef idx="1">
-            <a:schemeClr val="accent1"/>
-          </a:fillRef>
-          <a:effectRef idx="0">
-            <a:schemeClr val="accent1"/>
-          </a:effectRef>
-          <a:fontRef idx="minor">
-            <a:schemeClr val="lt1"/>
-          </a:fontRef>
-        </p:style>
-        <p:txBody>
-          <a:bodyPr wrap="square" rtlCol="0" anchor="ctr">
-            <a:noAutofit/>
-          </a:bodyPr>
-          <a:lstStyle/>
-          <a:p>
-            <a:pPr algn="ctr"/>
-            <a:endParaRPr lang="en-US"/>
-          </a:p>
-        </p:txBody>
-      </p:sp>
-      <p:sp>
-        <p:nvSpPr>
-          <p:cNvPr id="3" name="Объект 2">
-            <a:extLst>
-              <a:ext uri="{FF2B5EF4-FFF2-40B4-BE49-F238E27FC236}">
-                <a16:creationId xmlns:a16="http://schemas.microsoft.com/office/drawing/2014/main" id="{AFA45754-3B20-34BB-3A7F-7B0A70D04CAC}"/>
-              </a:ext>
-            </a:extLst>
-          </p:cNvPr>
-          <p:cNvSpPr>
-            <a:spLocks noGrp="1"/>
-          </p:cNvSpPr>
-          <p:nvPr>
-            <p:ph idx="1"/>
-          </p:nvPr>
-        </p:nvSpPr>
-        <p:spPr>
-          <a:xfrm>
-            <a:off x="838200" y="1825625"/>
-            <a:ext cx="5558489" cy="4351338"/>
-          </a:xfrm>
-        </p:spPr>
-        <p:txBody>
-          <a:bodyPr vert="horz" lIns="91440" tIns="45720" rIns="91440" bIns="45720" rtlCol="0">
-            <a:normAutofit/>
-          </a:bodyPr>
-          <a:lstStyle/>
-          <a:p>
-            <a:pPr marL="0" indent="0">
-              <a:buNone/>
-            </a:pPr>
-            <a:r>
-              <a:rPr lang="ru-RU" dirty="0">
-                <a:ea typeface="Calibri" panose="020F0502020204030204"/>
-                <a:cs typeface="Calibri" panose="020F0502020204030204"/>
-              </a:rPr>
-              <a:t>Содержит классы:</a:t>
-            </a:r>
-            <a:endParaRPr lang="ru-RU" dirty="0"/>
-          </a:p>
-          <a:p>
-            <a:pPr marL="457200" indent="-457200"/>
-            <a:r>
-              <a:rPr lang="ru-RU" dirty="0" err="1">
-                <a:ea typeface="Calibri"/>
-                <a:cs typeface="Calibri"/>
-              </a:rPr>
-              <a:t>WorkspaceWindow</a:t>
-            </a:r>
-            <a:r>
-              <a:rPr lang="ru-RU" dirty="0">
-                <a:ea typeface="Calibri"/>
-                <a:cs typeface="Calibri"/>
-              </a:rPr>
-              <a:t> отвечающий за рабочую область, то есть представление таблицы в удобочитаемом формате и общение пользователя с базой данных, через графический интерфейс.</a:t>
-            </a:r>
-          </a:p>
-          <a:p>
-            <a:pPr marL="457200" indent="-457200"/>
-            <a:r>
-              <a:rPr lang="ru-RU" dirty="0" err="1">
-                <a:ea typeface="Calibri"/>
-                <a:cs typeface="Calibri"/>
-              </a:rPr>
-              <a:t>FindWindow</a:t>
-            </a:r>
-            <a:r>
-              <a:rPr lang="ru-RU" dirty="0">
-                <a:ea typeface="Calibri"/>
-                <a:cs typeface="Calibri"/>
-              </a:rPr>
-              <a:t>, класс отвечающий за окно фильтров.</a:t>
-            </a:r>
-          </a:p>
-          <a:p>
-            <a:endParaRPr lang="ru-RU" dirty="0">
-              <a:ea typeface="Calibri"/>
-              <a:cs typeface="Calibri"/>
-            </a:endParaRPr>
-          </a:p>
-        </p:txBody>
-      </p:sp>
-      <p:sp>
-        <p:nvSpPr>
-          <p:cNvPr id="12" name="Oval 11">
-            <a:extLst>
-              <a:ext uri="{FF2B5EF4-FFF2-40B4-BE49-F238E27FC236}">
-                <a16:creationId xmlns:a16="http://schemas.microsoft.com/office/drawing/2014/main" id="{C3C0D90E-074A-4F52-9B11-B52BEF4BCBE5}"/>
-              </a:ext>
-              <a:ext uri="{C183D7F6-B498-43B3-948B-1728B52AA6E4}">
-                <adec:decorative xmlns:adec="http://schemas.microsoft.com/office/drawing/2017/decorative" val="1"/>
-              </a:ext>
-            </a:extLst>
-          </p:cNvPr>
-          <p:cNvSpPr>
-            <a:spLocks noGrp="1" noRot="1" noChangeAspect="1" noMove="1" noResize="1" noEditPoints="1" noAdjustHandles="1" noChangeArrowheads="1" noChangeShapeType="1" noTextEdit="1"/>
-          </p:cNvSpPr>
-          <p:nvPr>
-            <p:extLst>
-              <p:ext uri="{386F3935-93C4-4BCD-93E2-E3B085C9AB24}">
-                <p16:designElem xmlns:p16="http://schemas.microsoft.com/office/powerpoint/2015/main" val="1"/>
-              </p:ext>
-            </p:extLst>
-          </p:nvPr>
-        </p:nvSpPr>
-        <p:spPr>
-          <a:xfrm>
-            <a:off x="6821310" y="2624479"/>
-            <a:ext cx="812427" cy="812427"/>
-          </a:xfrm>
-          <a:prstGeom prst="ellipse">
-            <a:avLst/>
-          </a:prstGeom>
-          <a:noFill/>
-          <a:ln w="127000">
-            <a:solidFill>
-              <a:schemeClr val="accent5"/>
-            </a:solidFill>
-          </a:ln>
-        </p:spPr>
-        <p:style>
-          <a:lnRef idx="2">
-            <a:schemeClr val="accent1">
-              <a:shade val="50000"/>
-            </a:schemeClr>
-          </a:lnRef>
-          <a:fillRef idx="1">
-            <a:schemeClr val="accent1"/>
-          </a:fillRef>
-          <a:effectRef idx="0">
-            <a:schemeClr val="accent1"/>
-          </a:effectRef>
-          <a:fontRef idx="minor">
-            <a:schemeClr val="lt1"/>
-          </a:fontRef>
-        </p:style>
-        <p:txBody>
-          <a:bodyPr rtlCol="0" anchor="ctr"/>
-          <a:lstStyle/>
-          <a:p>
-            <a:pPr algn="ctr"/>
-            <a:endParaRPr lang="en-US" dirty="0"/>
-          </a:p>
-        </p:txBody>
-      </p:sp>
-      <p:sp>
-        <p:nvSpPr>
-          <p:cNvPr id="14" name="Block Arc 13">
-            <a:extLst>
-              <a:ext uri="{FF2B5EF4-FFF2-40B4-BE49-F238E27FC236}">
-                <a16:creationId xmlns:a16="http://schemas.microsoft.com/office/drawing/2014/main" id="{CABBD4C1-E6F8-46F6-8152-A8A97490BF4D}"/>
-              </a:ext>
-              <a:ext uri="{C183D7F6-B498-43B3-948B-1728B52AA6E4}">
-                <adec:decorative xmlns:adec="http://schemas.microsoft.com/office/drawing/2017/decorative" val="1"/>
-              </a:ext>
-            </a:extLst>
-          </p:cNvPr>
-          <p:cNvSpPr>
-            <a:spLocks noGrp="1" noRot="1" noChangeAspect="1" noMove="1" noResize="1" noEditPoints="1" noAdjustHandles="1" noChangeArrowheads="1" noChangeShapeType="1" noTextEdit="1"/>
-          </p:cNvSpPr>
-          <p:nvPr>
-            <p:extLst>
-              <p:ext uri="{386F3935-93C4-4BCD-93E2-E3B085C9AB24}">
-                <p16:designElem xmlns:p16="http://schemas.microsoft.com/office/powerpoint/2015/main" val="1"/>
-              </p:ext>
-            </p:extLst>
-          </p:nvPr>
-        </p:nvSpPr>
-        <p:spPr>
-          <a:xfrm rot="16200000">
-            <a:off x="8912417" y="1218531"/>
-            <a:ext cx="2387600" cy="2387600"/>
-          </a:xfrm>
-          <a:prstGeom prst="blockArc">
+          <a:prstGeom prst="rect">
             <a:avLst/>
           </a:prstGeom>
           <a:solidFill>
-            <a:schemeClr val="accent2"/>
+            <a:schemeClr val="accent4"/>
           </a:solidFill>
           <a:ln>
             <a:noFill/>
@@ -11020,20 +11443,100 @@
           <a:lstStyle/>
           <a:p>
             <a:pPr algn="ctr"/>
-            <a:endParaRPr lang="en-US">
-              <a:solidFill>
-                <a:schemeClr val="tx1"/>
-              </a:solidFill>
-            </a:endParaRPr>
+            <a:endParaRPr lang="en-US"/>
           </a:p>
         </p:txBody>
       </p:sp>
       <p:sp>
         <p:nvSpPr>
-          <p:cNvPr id="16" name="Freeform: Shape 15">
+          <p:cNvPr id="3" name="Объект 2">
             <a:extLst>
               <a:ext uri="{FF2B5EF4-FFF2-40B4-BE49-F238E27FC236}">
-                <a16:creationId xmlns:a16="http://schemas.microsoft.com/office/drawing/2014/main" id="{83BA5EF5-1FE9-4BF9-83BB-269BCDDF6156}"/>
+                <a16:creationId xmlns:a16="http://schemas.microsoft.com/office/drawing/2014/main" id="{AFA45754-3B20-34BB-3A7F-7B0A70D04CAC}"/>
+              </a:ext>
+            </a:extLst>
+          </p:cNvPr>
+          <p:cNvSpPr>
+            <a:spLocks noGrp="1"/>
+          </p:cNvSpPr>
+          <p:nvPr>
+            <p:ph idx="1"/>
+          </p:nvPr>
+        </p:nvSpPr>
+        <p:spPr>
+          <a:xfrm>
+            <a:off x="590719" y="2330505"/>
+            <a:ext cx="4559425" cy="3979585"/>
+          </a:xfrm>
+        </p:spPr>
+        <p:txBody>
+          <a:bodyPr vert="horz" lIns="91440" tIns="45720" rIns="91440" bIns="45720" rtlCol="0" anchor="ctr">
+            <a:normAutofit/>
+          </a:bodyPr>
+          <a:lstStyle/>
+          <a:p>
+            <a:pPr marL="0" indent="0">
+              <a:buNone/>
+            </a:pPr>
+            <a:r>
+              <a:rPr lang="ru-RU" sz="2000">
+                <a:ea typeface="Calibri" panose="020F0502020204030204"/>
+                <a:cs typeface="Calibri" panose="020F0502020204030204"/>
+              </a:rPr>
+              <a:t>Содержит классы:</a:t>
+            </a:r>
+            <a:endParaRPr lang="ru-RU" sz="2000">
+              <a:cs typeface="Calibri"/>
+            </a:endParaRPr>
+          </a:p>
+          <a:p>
+            <a:pPr marL="457200" indent="-457200"/>
+            <a:r>
+              <a:rPr lang="ru-RU" sz="2000" dirty="0" err="1">
+                <a:ea typeface="Calibri"/>
+                <a:cs typeface="Calibri"/>
+              </a:rPr>
+              <a:t>WorkspaceWindow</a:t>
+            </a:r>
+            <a:r>
+              <a:rPr lang="ru-RU" sz="2000" dirty="0">
+                <a:ea typeface="Calibri"/>
+                <a:cs typeface="Calibri"/>
+              </a:rPr>
+              <a:t> отвечающий за рабочую область, то есть представление таблицы в удобочитаемом формате и общение пользователя с базой данных, через графический интерфейс.</a:t>
+            </a:r>
+          </a:p>
+          <a:p>
+            <a:pPr marL="457200" indent="-457200"/>
+            <a:r>
+              <a:rPr lang="ru-RU" sz="2000" dirty="0" err="1">
+                <a:ea typeface="Calibri"/>
+                <a:cs typeface="Calibri"/>
+              </a:rPr>
+              <a:t>FindWindow</a:t>
+            </a:r>
+            <a:r>
+              <a:rPr lang="ru-RU" sz="2000" dirty="0">
+                <a:ea typeface="Calibri"/>
+                <a:cs typeface="Calibri"/>
+              </a:rPr>
+              <a:t>, класс отвечающий за окно фильтров.</a:t>
+            </a:r>
+          </a:p>
+          <a:p>
+            <a:endParaRPr lang="ru-RU" sz="2000">
+              <a:ea typeface="Calibri"/>
+              <a:cs typeface="Calibri"/>
+            </a:endParaRPr>
+          </a:p>
+        </p:txBody>
+      </p:sp>
+      <p:sp>
+        <p:nvSpPr>
+          <p:cNvPr id="70" name="Rectangle 69">
+            <a:extLst>
+              <a:ext uri="{FF2B5EF4-FFF2-40B4-BE49-F238E27FC236}">
+                <a16:creationId xmlns:a16="http://schemas.microsoft.com/office/drawing/2014/main" id="{C13237C8-E62C-4F0D-A318-BD6FB6C2D138}"/>
               </a:ext>
               <a:ext uri="{C183D7F6-B498-43B3-948B-1728B52AA6E4}">
                 <adec:decorative xmlns:adec="http://schemas.microsoft.com/office/drawing/2017/decorative" val="1"/>
@@ -11052,526 +11555,15 @@
           </p:nvPr>
         </p:nvSpPr>
         <p:spPr>
-          <a:xfrm>
-            <a:off x="6821310" y="0"/>
-            <a:ext cx="2315251" cy="1550992"/>
+          <a:xfrm flipH="1">
+            <a:off x="10697670" y="0"/>
+            <a:ext cx="1494330" cy="6858000"/>
           </a:xfrm>
-          <a:custGeom>
-            <a:avLst/>
-            <a:gdLst>
-              <a:gd name="connsiteX0" fmla="*/ 0 w 2315251"/>
-              <a:gd name="connsiteY0" fmla="*/ 0 h 1550992"/>
-              <a:gd name="connsiteX1" fmla="*/ 138700 w 2315251"/>
-              <a:gd name="connsiteY1" fmla="*/ 0 h 1550992"/>
-              <a:gd name="connsiteX2" fmla="*/ 138700 w 2315251"/>
-              <a:gd name="connsiteY2" fmla="*/ 1361400 h 1550992"/>
-              <a:gd name="connsiteX3" fmla="*/ 2107387 w 2315251"/>
-              <a:gd name="connsiteY3" fmla="*/ 222673 h 1550992"/>
-              <a:gd name="connsiteX4" fmla="*/ 1722420 w 2315251"/>
-              <a:gd name="connsiteY4" fmla="*/ 0 h 1550992"/>
-              <a:gd name="connsiteX5" fmla="*/ 1999436 w 2315251"/>
-              <a:gd name="connsiteY5" fmla="*/ 0 h 1550992"/>
-              <a:gd name="connsiteX6" fmla="*/ 2280549 w 2315251"/>
-              <a:gd name="connsiteY6" fmla="*/ 162605 h 1550992"/>
-              <a:gd name="connsiteX7" fmla="*/ 2305953 w 2315251"/>
-              <a:gd name="connsiteY7" fmla="*/ 257336 h 1550992"/>
-              <a:gd name="connsiteX8" fmla="*/ 2280549 w 2315251"/>
-              <a:gd name="connsiteY8" fmla="*/ 282740 h 1550992"/>
-              <a:gd name="connsiteX9" fmla="*/ 104026 w 2315251"/>
-              <a:gd name="connsiteY9" fmla="*/ 1541710 h 1550992"/>
-              <a:gd name="connsiteX10" fmla="*/ 69351 w 2315251"/>
-              <a:gd name="connsiteY10" fmla="*/ 1550992 h 1550992"/>
-              <a:gd name="connsiteX11" fmla="*/ 0 w 2315251"/>
-              <a:gd name="connsiteY11" fmla="*/ 1481643 h 1550992"/>
-            </a:gdLst>
-            <a:ahLst/>
-            <a:cxnLst>
-              <a:cxn ang="0">
-                <a:pos x="connsiteX0" y="connsiteY0"/>
-              </a:cxn>
-              <a:cxn ang="0">
-                <a:pos x="connsiteX1" y="connsiteY1"/>
-              </a:cxn>
-              <a:cxn ang="0">
-                <a:pos x="connsiteX2" y="connsiteY2"/>
-              </a:cxn>
-              <a:cxn ang="0">
-                <a:pos x="connsiteX3" y="connsiteY3"/>
-              </a:cxn>
-              <a:cxn ang="0">
-                <a:pos x="connsiteX4" y="connsiteY4"/>
-              </a:cxn>
-              <a:cxn ang="0">
-                <a:pos x="connsiteX5" y="connsiteY5"/>
-              </a:cxn>
-              <a:cxn ang="0">
-                <a:pos x="connsiteX6" y="connsiteY6"/>
-              </a:cxn>
-              <a:cxn ang="0">
-                <a:pos x="connsiteX7" y="connsiteY7"/>
-              </a:cxn>
-              <a:cxn ang="0">
-                <a:pos x="connsiteX8" y="connsiteY8"/>
-              </a:cxn>
-              <a:cxn ang="0">
-                <a:pos x="connsiteX9" y="connsiteY9"/>
-              </a:cxn>
-              <a:cxn ang="0">
-                <a:pos x="connsiteX10" y="connsiteY10"/>
-              </a:cxn>
-              <a:cxn ang="0">
-                <a:pos x="connsiteX11" y="connsiteY11"/>
-              </a:cxn>
-            </a:cxnLst>
-            <a:rect l="l" t="t" r="r" b="b"/>
-            <a:pathLst>
-              <a:path w="2315251" h="1550992">
-                <a:moveTo>
-                  <a:pt x="0" y="0"/>
-                </a:moveTo>
-                <a:lnTo>
-                  <a:pt x="138700" y="0"/>
-                </a:lnTo>
-                <a:lnTo>
-                  <a:pt x="138700" y="1361400"/>
-                </a:lnTo>
-                <a:lnTo>
-                  <a:pt x="2107387" y="222673"/>
-                </a:lnTo>
-                <a:lnTo>
-                  <a:pt x="1722420" y="0"/>
-                </a:lnTo>
-                <a:lnTo>
-                  <a:pt x="1999436" y="0"/>
-                </a:lnTo>
-                <a:lnTo>
-                  <a:pt x="2280549" y="162605"/>
-                </a:lnTo>
-                <a:cubicBezTo>
-                  <a:pt x="2313720" y="181745"/>
-                  <a:pt x="2325104" y="224155"/>
-                  <a:pt x="2305953" y="257336"/>
-                </a:cubicBezTo>
-                <a:cubicBezTo>
-                  <a:pt x="2299872" y="267889"/>
-                  <a:pt x="2291101" y="276648"/>
-                  <a:pt x="2280549" y="282740"/>
-                </a:cubicBezTo>
-                <a:lnTo>
-                  <a:pt x="104026" y="1541710"/>
-                </a:lnTo>
-                <a:cubicBezTo>
-                  <a:pt x="93484" y="1547802"/>
-                  <a:pt x="81523" y="1551003"/>
-                  <a:pt x="69351" y="1550992"/>
-                </a:cubicBezTo>
-                <a:cubicBezTo>
-                  <a:pt x="31049" y="1550992"/>
-                  <a:pt x="0" y="1519944"/>
-                  <a:pt x="0" y="1481643"/>
-                </a:cubicBezTo>
-                <a:close/>
-              </a:path>
-            </a:pathLst>
-          </a:custGeom>
-          <a:solidFill>
-            <a:schemeClr val="accent6"/>
-          </a:solidFill>
-          <a:ln w="9525" cap="flat">
-            <a:noFill/>
-            <a:prstDash val="solid"/>
-            <a:miter/>
-          </a:ln>
-        </p:spPr>
-        <p:txBody>
-          <a:bodyPr rtlCol="0" anchor="ctr"/>
-          <a:lstStyle/>
-          <a:p>
-            <a:endParaRPr lang="en-US" dirty="0"/>
-          </a:p>
-        </p:txBody>
-      </p:sp>
-      <p:cxnSp>
-        <p:nvCxnSpPr>
-          <p:cNvPr id="18" name="Straight Connector 17">
-            <a:extLst>
-              <a:ext uri="{FF2B5EF4-FFF2-40B4-BE49-F238E27FC236}">
-                <a16:creationId xmlns:a16="http://schemas.microsoft.com/office/drawing/2014/main" id="{4B3BCACB-5880-460B-9606-8C433A9AF99D}"/>
-              </a:ext>
-              <a:ext uri="{C183D7F6-B498-43B3-948B-1728B52AA6E4}">
-                <adec:decorative xmlns:adec="http://schemas.microsoft.com/office/drawing/2017/decorative" val="1"/>
-              </a:ext>
-            </a:extLst>
-          </p:cNvPr>
-          <p:cNvCxnSpPr>
-            <a:cxnSpLocks noGrp="1" noRot="1" noChangeAspect="1" noMove="1" noResize="1" noEditPoints="1" noAdjustHandles="1" noChangeArrowheads="1" noChangeShapeType="1"/>
-          </p:cNvCxnSpPr>
-          <p:nvPr>
-            <p:extLst>
-              <p:ext uri="{386F3935-93C4-4BCD-93E2-E3B085C9AB24}">
-                <p16:designElem xmlns:p16="http://schemas.microsoft.com/office/powerpoint/2015/main" val="1"/>
-              </p:ext>
-            </p:extLst>
-          </p:nvPr>
-        </p:nvCxnSpPr>
-        <p:spPr>
-          <a:xfrm>
-            <a:off x="11724638" y="1331572"/>
-            <a:ext cx="0" cy="1597708"/>
-          </a:xfrm>
-          <a:prstGeom prst="line">
+          <a:prstGeom prst="rect">
             <a:avLst/>
           </a:prstGeom>
-          <a:ln w="127000" cap="rnd">
-            <a:solidFill>
-              <a:schemeClr val="accent4"/>
-            </a:solidFill>
-            <a:prstDash val="dash"/>
-          </a:ln>
-        </p:spPr>
-        <p:style>
-          <a:lnRef idx="1">
-            <a:schemeClr val="accent1"/>
-          </a:lnRef>
-          <a:fillRef idx="0">
-            <a:schemeClr val="accent1"/>
-          </a:fillRef>
-          <a:effectRef idx="0">
-            <a:schemeClr val="accent1"/>
-          </a:effectRef>
-          <a:fontRef idx="minor">
-            <a:schemeClr val="tx1"/>
-          </a:fontRef>
-        </p:style>
-      </p:cxnSp>
-      <p:sp>
-        <p:nvSpPr>
-          <p:cNvPr id="20" name="Freeform: Shape 19">
-            <a:extLst>
-              <a:ext uri="{FF2B5EF4-FFF2-40B4-BE49-F238E27FC236}">
-                <a16:creationId xmlns:a16="http://schemas.microsoft.com/office/drawing/2014/main" id="{88853921-7BC9-4BDE-ACAB-133C683C82D6}"/>
-              </a:ext>
-              <a:ext uri="{C183D7F6-B498-43B3-948B-1728B52AA6E4}">
-                <adec:decorative xmlns:adec="http://schemas.microsoft.com/office/drawing/2017/decorative" val="1"/>
-              </a:ext>
-            </a:extLst>
-          </p:cNvPr>
-          <p:cNvSpPr>
-            <a:spLocks noGrp="1" noRot="1" noChangeAspect="1" noMove="1" noResize="1" noEditPoints="1" noAdjustHandles="1" noChangeArrowheads="1" noChangeShapeType="1" noTextEdit="1"/>
-          </p:cNvSpPr>
-          <p:nvPr>
-            <p:extLst>
-              <p:ext uri="{386F3935-93C4-4BCD-93E2-E3B085C9AB24}">
-                <p16:designElem xmlns:p16="http://schemas.microsoft.com/office/powerpoint/2015/main" val="1"/>
-              </p:ext>
-            </p:extLst>
-          </p:nvPr>
-        </p:nvSpPr>
-        <p:spPr>
-          <a:xfrm>
-            <a:off x="11005550" y="4112081"/>
-            <a:ext cx="1186451" cy="1771650"/>
-          </a:xfrm>
-          <a:custGeom>
-            <a:avLst/>
-            <a:gdLst>
-              <a:gd name="connsiteX0" fmla="*/ 61913 w 1186451"/>
-              <a:gd name="connsiteY0" fmla="*/ 0 h 1771650"/>
-              <a:gd name="connsiteX1" fmla="*/ 1186451 w 1186451"/>
-              <a:gd name="connsiteY1" fmla="*/ 0 h 1771650"/>
-              <a:gd name="connsiteX2" fmla="*/ 1186451 w 1186451"/>
-              <a:gd name="connsiteY2" fmla="*/ 123825 h 1771650"/>
-              <a:gd name="connsiteX3" fmla="*/ 123825 w 1186451"/>
-              <a:gd name="connsiteY3" fmla="*/ 123825 h 1771650"/>
-              <a:gd name="connsiteX4" fmla="*/ 123825 w 1186451"/>
-              <a:gd name="connsiteY4" fmla="*/ 1647825 h 1771650"/>
-              <a:gd name="connsiteX5" fmla="*/ 1186451 w 1186451"/>
-              <a:gd name="connsiteY5" fmla="*/ 1647825 h 1771650"/>
-              <a:gd name="connsiteX6" fmla="*/ 1186451 w 1186451"/>
-              <a:gd name="connsiteY6" fmla="*/ 1771650 h 1771650"/>
-              <a:gd name="connsiteX7" fmla="*/ 61913 w 1186451"/>
-              <a:gd name="connsiteY7" fmla="*/ 1771650 h 1771650"/>
-              <a:gd name="connsiteX8" fmla="*/ 0 w 1186451"/>
-              <a:gd name="connsiteY8" fmla="*/ 1709738 h 1771650"/>
-              <a:gd name="connsiteX9" fmla="*/ 0 w 1186451"/>
-              <a:gd name="connsiteY9" fmla="*/ 61913 h 1771650"/>
-              <a:gd name="connsiteX10" fmla="*/ 61913 w 1186451"/>
-              <a:gd name="connsiteY10" fmla="*/ 0 h 1771650"/>
-            </a:gdLst>
-            <a:ahLst/>
-            <a:cxnLst>
-              <a:cxn ang="0">
-                <a:pos x="connsiteX0" y="connsiteY0"/>
-              </a:cxn>
-              <a:cxn ang="0">
-                <a:pos x="connsiteX1" y="connsiteY1"/>
-              </a:cxn>
-              <a:cxn ang="0">
-                <a:pos x="connsiteX2" y="connsiteY2"/>
-              </a:cxn>
-              <a:cxn ang="0">
-                <a:pos x="connsiteX3" y="connsiteY3"/>
-              </a:cxn>
-              <a:cxn ang="0">
-                <a:pos x="connsiteX4" y="connsiteY4"/>
-              </a:cxn>
-              <a:cxn ang="0">
-                <a:pos x="connsiteX5" y="connsiteY5"/>
-              </a:cxn>
-              <a:cxn ang="0">
-                <a:pos x="connsiteX6" y="connsiteY6"/>
-              </a:cxn>
-              <a:cxn ang="0">
-                <a:pos x="connsiteX7" y="connsiteY7"/>
-              </a:cxn>
-              <a:cxn ang="0">
-                <a:pos x="connsiteX8" y="connsiteY8"/>
-              </a:cxn>
-              <a:cxn ang="0">
-                <a:pos x="connsiteX9" y="connsiteY9"/>
-              </a:cxn>
-              <a:cxn ang="0">
-                <a:pos x="connsiteX10" y="connsiteY10"/>
-              </a:cxn>
-            </a:cxnLst>
-            <a:rect l="l" t="t" r="r" b="b"/>
-            <a:pathLst>
-              <a:path w="1186451" h="1771650">
-                <a:moveTo>
-                  <a:pt x="61913" y="0"/>
-                </a:moveTo>
-                <a:lnTo>
-                  <a:pt x="1186451" y="0"/>
-                </a:lnTo>
-                <a:lnTo>
-                  <a:pt x="1186451" y="123825"/>
-                </a:lnTo>
-                <a:lnTo>
-                  <a:pt x="123825" y="123825"/>
-                </a:lnTo>
-                <a:lnTo>
-                  <a:pt x="123825" y="1647825"/>
-                </a:lnTo>
-                <a:lnTo>
-                  <a:pt x="1186451" y="1647825"/>
-                </a:lnTo>
-                <a:lnTo>
-                  <a:pt x="1186451" y="1771650"/>
-                </a:lnTo>
-                <a:lnTo>
-                  <a:pt x="61913" y="1771650"/>
-                </a:lnTo>
-                <a:cubicBezTo>
-                  <a:pt x="27719" y="1771650"/>
-                  <a:pt x="0" y="1743932"/>
-                  <a:pt x="0" y="1709738"/>
-                </a:cubicBezTo>
-                <a:lnTo>
-                  <a:pt x="0" y="61913"/>
-                </a:lnTo>
-                <a:cubicBezTo>
-                  <a:pt x="0" y="27719"/>
-                  <a:pt x="27719" y="0"/>
-                  <a:pt x="61913" y="0"/>
-                </a:cubicBezTo>
-                <a:close/>
-              </a:path>
-            </a:pathLst>
-          </a:custGeom>
           <a:solidFill>
-            <a:schemeClr val="accent6"/>
-          </a:solidFill>
-          <a:ln w="9525" cap="flat">
-            <a:noFill/>
-            <a:prstDash val="solid"/>
-            <a:miter/>
-          </a:ln>
-        </p:spPr>
-        <p:txBody>
-          <a:bodyPr rtlCol="0" anchor="ctr"/>
-          <a:lstStyle/>
-          <a:p>
-            <a:endParaRPr lang="en-US"/>
-          </a:p>
-        </p:txBody>
-      </p:sp>
-      <p:sp>
-        <p:nvSpPr>
-          <p:cNvPr id="22" name="Arc 21">
-            <a:extLst>
-              <a:ext uri="{FF2B5EF4-FFF2-40B4-BE49-F238E27FC236}">
-                <a16:creationId xmlns:a16="http://schemas.microsoft.com/office/drawing/2014/main" id="{09192968-3AE7-4470-A61C-97294BB92731}"/>
-              </a:ext>
-              <a:ext uri="{C183D7F6-B498-43B3-948B-1728B52AA6E4}">
-                <adec:decorative xmlns:adec="http://schemas.microsoft.com/office/drawing/2017/decorative" val="1"/>
-              </a:ext>
-            </a:extLst>
-          </p:cNvPr>
-          <p:cNvSpPr>
-            <a:spLocks noGrp="1" noRot="1" noChangeAspect="1" noMove="1" noResize="1" noEditPoints="1" noAdjustHandles="1" noChangeArrowheads="1" noChangeShapeType="1" noTextEdit="1"/>
-          </p:cNvSpPr>
-          <p:nvPr>
-            <p:extLst>
-              <p:ext uri="{386F3935-93C4-4BCD-93E2-E3B085C9AB24}">
-                <p16:designElem xmlns:p16="http://schemas.microsoft.com/office/powerpoint/2015/main" val="1"/>
-              </p:ext>
-            </p:extLst>
-          </p:nvPr>
-        </p:nvSpPr>
-        <p:spPr>
-          <a:xfrm rot="20992895">
-            <a:off x="6086940" y="4145122"/>
-            <a:ext cx="4083433" cy="4083433"/>
-          </a:xfrm>
-          <a:prstGeom prst="arc">
-            <a:avLst/>
-          </a:prstGeom>
-          <a:ln w="127000" cap="rnd">
-            <a:solidFill>
-              <a:schemeClr val="accent4"/>
-            </a:solidFill>
-            <a:prstDash val="dash"/>
-          </a:ln>
-        </p:spPr>
-        <p:style>
-          <a:lnRef idx="1">
-            <a:schemeClr val="accent1"/>
-          </a:lnRef>
-          <a:fillRef idx="0">
-            <a:schemeClr val="accent1"/>
-          </a:fillRef>
-          <a:effectRef idx="0">
-            <a:schemeClr val="accent1"/>
-          </a:effectRef>
-          <a:fontRef idx="minor">
-            <a:schemeClr val="tx1"/>
-          </a:fontRef>
-        </p:style>
-        <p:txBody>
-          <a:bodyPr rtlCol="0" anchor="ctr"/>
-          <a:lstStyle/>
-          <a:p>
-            <a:pPr algn="ctr"/>
-            <a:endParaRPr lang="en-US" dirty="0"/>
-          </a:p>
-        </p:txBody>
-      </p:sp>
-      <p:sp>
-        <p:nvSpPr>
-          <p:cNvPr id="24" name="Freeform: Shape 23">
-            <a:extLst>
-              <a:ext uri="{FF2B5EF4-FFF2-40B4-BE49-F238E27FC236}">
-                <a16:creationId xmlns:a16="http://schemas.microsoft.com/office/drawing/2014/main" id="{3AB72E55-43E4-4356-BFE8-E2102CB0B505}"/>
-              </a:ext>
-              <a:ext uri="{C183D7F6-B498-43B3-948B-1728B52AA6E4}">
-                <adec:decorative xmlns:adec="http://schemas.microsoft.com/office/drawing/2017/decorative" val="1"/>
-              </a:ext>
-            </a:extLst>
-          </p:cNvPr>
-          <p:cNvSpPr>
-            <a:spLocks noGrp="1" noRot="1" noChangeAspect="1" noMove="1" noResize="1" noEditPoints="1" noAdjustHandles="1" noChangeArrowheads="1" noChangeShapeType="1" noTextEdit="1"/>
-          </p:cNvSpPr>
-          <p:nvPr>
-            <p:extLst>
-              <p:ext uri="{386F3935-93C4-4BCD-93E2-E3B085C9AB24}">
-                <p16:designElem xmlns:p16="http://schemas.microsoft.com/office/powerpoint/2015/main" val="1"/>
-              </p:ext>
-            </p:extLst>
-          </p:nvPr>
-        </p:nvSpPr>
-        <p:spPr>
-          <a:xfrm>
-            <a:off x="6821310" y="4962670"/>
-            <a:ext cx="2643352" cy="1895331"/>
-          </a:xfrm>
-          <a:custGeom>
-            <a:avLst/>
-            <a:gdLst>
-              <a:gd name="connsiteX0" fmla="*/ 1321676 w 2643352"/>
-              <a:gd name="connsiteY0" fmla="*/ 0 h 1895331"/>
-              <a:gd name="connsiteX1" fmla="*/ 2643352 w 2643352"/>
-              <a:gd name="connsiteY1" fmla="*/ 1321676 h 1895331"/>
-              <a:gd name="connsiteX2" fmla="*/ 2539488 w 2643352"/>
-              <a:gd name="connsiteY2" fmla="*/ 1836132 h 1895331"/>
-              <a:gd name="connsiteX3" fmla="*/ 2510970 w 2643352"/>
-              <a:gd name="connsiteY3" fmla="*/ 1895331 h 1895331"/>
-              <a:gd name="connsiteX4" fmla="*/ 132382 w 2643352"/>
-              <a:gd name="connsiteY4" fmla="*/ 1895331 h 1895331"/>
-              <a:gd name="connsiteX5" fmla="*/ 103864 w 2643352"/>
-              <a:gd name="connsiteY5" fmla="*/ 1836132 h 1895331"/>
-              <a:gd name="connsiteX6" fmla="*/ 0 w 2643352"/>
-              <a:gd name="connsiteY6" fmla="*/ 1321676 h 1895331"/>
-              <a:gd name="connsiteX7" fmla="*/ 1321676 w 2643352"/>
-              <a:gd name="connsiteY7" fmla="*/ 0 h 1895331"/>
-            </a:gdLst>
-            <a:ahLst/>
-            <a:cxnLst>
-              <a:cxn ang="0">
-                <a:pos x="connsiteX0" y="connsiteY0"/>
-              </a:cxn>
-              <a:cxn ang="0">
-                <a:pos x="connsiteX1" y="connsiteY1"/>
-              </a:cxn>
-              <a:cxn ang="0">
-                <a:pos x="connsiteX2" y="connsiteY2"/>
-              </a:cxn>
-              <a:cxn ang="0">
-                <a:pos x="connsiteX3" y="connsiteY3"/>
-              </a:cxn>
-              <a:cxn ang="0">
-                <a:pos x="connsiteX4" y="connsiteY4"/>
-              </a:cxn>
-              <a:cxn ang="0">
-                <a:pos x="connsiteX5" y="connsiteY5"/>
-              </a:cxn>
-              <a:cxn ang="0">
-                <a:pos x="connsiteX6" y="connsiteY6"/>
-              </a:cxn>
-              <a:cxn ang="0">
-                <a:pos x="connsiteX7" y="connsiteY7"/>
-              </a:cxn>
-            </a:cxnLst>
-            <a:rect l="l" t="t" r="r" b="b"/>
-            <a:pathLst>
-              <a:path w="2643352" h="1895331">
-                <a:moveTo>
-                  <a:pt x="1321676" y="0"/>
-                </a:moveTo>
-                <a:cubicBezTo>
-                  <a:pt x="2051617" y="0"/>
-                  <a:pt x="2643352" y="591735"/>
-                  <a:pt x="2643352" y="1321676"/>
-                </a:cubicBezTo>
-                <a:cubicBezTo>
-                  <a:pt x="2643352" y="1504161"/>
-                  <a:pt x="2606369" y="1678009"/>
-                  <a:pt x="2539488" y="1836132"/>
-                </a:cubicBezTo>
-                <a:lnTo>
-                  <a:pt x="2510970" y="1895331"/>
-                </a:lnTo>
-                <a:lnTo>
-                  <a:pt x="132382" y="1895331"/>
-                </a:lnTo>
-                <a:lnTo>
-                  <a:pt x="103864" y="1836132"/>
-                </a:lnTo>
-                <a:cubicBezTo>
-                  <a:pt x="36984" y="1678009"/>
-                  <a:pt x="0" y="1504161"/>
-                  <a:pt x="0" y="1321676"/>
-                </a:cubicBezTo>
-                <a:cubicBezTo>
-                  <a:pt x="0" y="591735"/>
-                  <a:pt x="591735" y="0"/>
-                  <a:pt x="1321676" y="0"/>
-                </a:cubicBezTo>
-                <a:close/>
-              </a:path>
-            </a:pathLst>
-          </a:custGeom>
-          <a:solidFill>
-            <a:schemeClr val="accent2"/>
+            <a:schemeClr val="accent4"/>
           </a:solidFill>
           <a:ln>
             <a:noFill/>
@@ -11602,6 +11594,106 @@
           </a:p>
         </p:txBody>
       </p:sp>
+      <p:sp>
+        <p:nvSpPr>
+          <p:cNvPr id="72" name="Rectangle 71">
+            <a:extLst>
+              <a:ext uri="{FF2B5EF4-FFF2-40B4-BE49-F238E27FC236}">
+                <a16:creationId xmlns:a16="http://schemas.microsoft.com/office/drawing/2014/main" id="{19C9EAEA-39D0-4B0E-A0EB-51E7B26740B1}"/>
+              </a:ext>
+              <a:ext uri="{C183D7F6-B498-43B3-948B-1728B52AA6E4}">
+                <adec:decorative xmlns:adec="http://schemas.microsoft.com/office/drawing/2017/decorative" val="1"/>
+              </a:ext>
+            </a:extLst>
+          </p:cNvPr>
+          <p:cNvSpPr>
+            <a:spLocks noGrp="1" noRot="1" noChangeAspect="1" noMove="1" noResize="1" noEditPoints="1" noAdjustHandles="1" noChangeArrowheads="1" noChangeShapeType="1" noTextEdit="1"/>
+          </p:cNvSpPr>
+          <p:nvPr>
+            <p:extLst>
+              <p:ext uri="{386F3935-93C4-4BCD-93E2-E3B085C9AB24}">
+                <p16:designElem xmlns:p16="http://schemas.microsoft.com/office/powerpoint/2015/main" val="1"/>
+              </p:ext>
+            </p:extLst>
+          </p:nvPr>
+        </p:nvSpPr>
+        <p:spPr>
+          <a:xfrm>
+            <a:off x="5685810" y="513853"/>
+            <a:ext cx="6009366" cy="5834577"/>
+          </a:xfrm>
+          <a:prstGeom prst="rect">
+            <a:avLst/>
+          </a:prstGeom>
+          <a:solidFill>
+            <a:schemeClr val="bg1"/>
+          </a:solidFill>
+          <a:ln>
+            <a:noFill/>
+          </a:ln>
+          <a:effectLst>
+            <a:outerShdw blurRad="139700" dist="127000" dir="5400000" algn="t" rotWithShape="0">
+              <a:prstClr val="black">
+                <a:alpha val="15000"/>
+              </a:prstClr>
+            </a:outerShdw>
+          </a:effectLst>
+        </p:spPr>
+        <p:style>
+          <a:lnRef idx="2">
+            <a:schemeClr val="accent1">
+              <a:shade val="50000"/>
+            </a:schemeClr>
+          </a:lnRef>
+          <a:fillRef idx="1">
+            <a:schemeClr val="accent1"/>
+          </a:fillRef>
+          <a:effectRef idx="0">
+            <a:schemeClr val="accent1"/>
+          </a:effectRef>
+          <a:fontRef idx="minor">
+            <a:schemeClr val="lt1"/>
+          </a:fontRef>
+        </p:style>
+        <p:txBody>
+          <a:bodyPr rtlCol="0" anchor="ctr"/>
+          <a:lstStyle/>
+          <a:p>
+            <a:pPr algn="ctr"/>
+            <a:endParaRPr lang="en-US"/>
+          </a:p>
+        </p:txBody>
+      </p:sp>
+      <p:pic>
+        <p:nvPicPr>
+          <p:cNvPr id="5" name="Рисунок 4" descr="Изображение выглядит как текст, снимок экрана, дисплей, число&#10;&#10;Автоматически созданное описание">
+            <a:extLst>
+              <a:ext uri="{FF2B5EF4-FFF2-40B4-BE49-F238E27FC236}">
+                <a16:creationId xmlns:a16="http://schemas.microsoft.com/office/drawing/2014/main" id="{7B88A7A9-104A-969E-930A-2713E7E07EB9}"/>
+              </a:ext>
+            </a:extLst>
+          </p:cNvPr>
+          <p:cNvPicPr>
+            <a:picLocks noChangeAspect="1"/>
+          </p:cNvPicPr>
+          <p:nvPr/>
+        </p:nvPicPr>
+        <p:blipFill>
+          <a:blip r:embed="rId2"/>
+          <a:stretch>
+            <a:fillRect/>
+          </a:stretch>
+        </p:blipFill>
+        <p:spPr>
+          <a:xfrm>
+            <a:off x="6099473" y="1084780"/>
+            <a:ext cx="5122903" cy="4253345"/>
+          </a:xfrm>
+          <a:prstGeom prst="rect">
+            <a:avLst/>
+          </a:prstGeom>
+        </p:spPr>
+      </p:pic>
     </p:spTree>
     <p:extLst>
       <p:ext uri="{BB962C8B-B14F-4D97-AF65-F5344CB8AC3E}">
@@ -11616,6 +11708,395 @@
 </file>
 
 <file path=ppt/slides/slide8.xml><?xml version="1.0" encoding="utf-8"?>
+<p:sld xmlns:a="http://schemas.openxmlformats.org/drawingml/2006/main" xmlns:r="http://schemas.openxmlformats.org/officeDocument/2006/relationships" xmlns:p="http://schemas.openxmlformats.org/presentationml/2006/main">
+  <p:cSld>
+    <p:bg>
+      <p:bgPr>
+        <a:solidFill>
+          <a:schemeClr val="bg1"/>
+        </a:solidFill>
+        <a:effectLst/>
+      </p:bgPr>
+    </p:bg>
+    <p:spTree>
+      <p:nvGrpSpPr>
+        <p:cNvPr id="1" name=""/>
+        <p:cNvGrpSpPr/>
+        <p:nvPr/>
+      </p:nvGrpSpPr>
+      <p:grpSpPr>
+        <a:xfrm>
+          <a:off x="0" y="0"/>
+          <a:ext cx="0" cy="0"/>
+          <a:chOff x="0" y="0"/>
+          <a:chExt cx="0" cy="0"/>
+        </a:xfrm>
+      </p:grpSpPr>
+      <p:sp useBgFill="1">
+        <p:nvSpPr>
+          <p:cNvPr id="32" name="Rectangle 15">
+            <a:extLst>
+              <a:ext uri="{FF2B5EF4-FFF2-40B4-BE49-F238E27FC236}">
+                <a16:creationId xmlns:a16="http://schemas.microsoft.com/office/drawing/2014/main" id="{AE47195D-EC06-4298-8805-0F0D65997676}"/>
+              </a:ext>
+              <a:ext uri="{C183D7F6-B498-43B3-948B-1728B52AA6E4}">
+                <adec:decorative xmlns:adec="http://schemas.microsoft.com/office/drawing/2017/decorative" val="1"/>
+              </a:ext>
+            </a:extLst>
+          </p:cNvPr>
+          <p:cNvSpPr>
+            <a:spLocks noGrp="1" noRot="1" noChangeAspect="1" noMove="1" noResize="1" noEditPoints="1" noAdjustHandles="1" noChangeArrowheads="1" noChangeShapeType="1" noTextEdit="1"/>
+          </p:cNvSpPr>
+          <p:nvPr>
+            <p:extLst>
+              <p:ext uri="{386F3935-93C4-4BCD-93E2-E3B085C9AB24}">
+                <p16:designElem xmlns:p16="http://schemas.microsoft.com/office/powerpoint/2015/main" val="1"/>
+              </p:ext>
+            </p:extLst>
+          </p:nvPr>
+        </p:nvSpPr>
+        <p:spPr>
+          <a:xfrm>
+            <a:off x="0" y="0"/>
+            <a:ext cx="12191999" cy="6857365"/>
+          </a:xfrm>
+          <a:prstGeom prst="rect">
+            <a:avLst/>
+          </a:prstGeom>
+          <a:ln>
+            <a:noFill/>
+          </a:ln>
+        </p:spPr>
+        <p:style>
+          <a:lnRef idx="2">
+            <a:schemeClr val="accent1">
+              <a:shade val="50000"/>
+            </a:schemeClr>
+          </a:lnRef>
+          <a:fillRef idx="1">
+            <a:schemeClr val="accent1"/>
+          </a:fillRef>
+          <a:effectRef idx="0">
+            <a:schemeClr val="accent1"/>
+          </a:effectRef>
+          <a:fontRef idx="minor">
+            <a:schemeClr val="lt1"/>
+          </a:fontRef>
+        </p:style>
+        <p:txBody>
+          <a:bodyPr rtlCol="0" anchor="ctr"/>
+          <a:lstStyle/>
+          <a:p>
+            <a:pPr algn="ctr"/>
+            <a:endParaRPr lang="en-US"/>
+          </a:p>
+        </p:txBody>
+      </p:sp>
+      <p:sp>
+        <p:nvSpPr>
+          <p:cNvPr id="2" name="Заголовок 1">
+            <a:extLst>
+              <a:ext uri="{FF2B5EF4-FFF2-40B4-BE49-F238E27FC236}">
+                <a16:creationId xmlns:a16="http://schemas.microsoft.com/office/drawing/2014/main" id="{BCD258A3-FCA3-EECB-2645-4B2E011B7784}"/>
+              </a:ext>
+            </a:extLst>
+          </p:cNvPr>
+          <p:cNvSpPr>
+            <a:spLocks noGrp="1"/>
+          </p:cNvSpPr>
+          <p:nvPr>
+            <p:ph type="title"/>
+          </p:nvPr>
+        </p:nvSpPr>
+        <p:spPr>
+          <a:xfrm>
+            <a:off x="9267909" y="2023110"/>
+            <a:ext cx="2469624" cy="2846070"/>
+          </a:xfrm>
+        </p:spPr>
+        <p:txBody>
+          <a:bodyPr vert="horz" lIns="91440" tIns="45720" rIns="91440" bIns="45720" rtlCol="0" anchor="ctr">
+            <a:normAutofit/>
+          </a:bodyPr>
+          <a:lstStyle/>
+          <a:p>
+            <a:r>
+              <a:rPr lang="en-US" sz="3400"/>
+              <a:t>Немного скриншотов</a:t>
+            </a:r>
+          </a:p>
+        </p:txBody>
+      </p:sp>
+      <p:sp>
+        <p:nvSpPr>
+          <p:cNvPr id="33" name="Rectangle 17">
+            <a:extLst>
+              <a:ext uri="{FF2B5EF4-FFF2-40B4-BE49-F238E27FC236}">
+                <a16:creationId xmlns:a16="http://schemas.microsoft.com/office/drawing/2014/main" id="{99413ED5-9ED4-4772-BCE4-2BCAE6B12E35}"/>
+              </a:ext>
+              <a:ext uri="{C183D7F6-B498-43B3-948B-1728B52AA6E4}">
+                <adec:decorative xmlns:adec="http://schemas.microsoft.com/office/drawing/2017/decorative" val="1"/>
+              </a:ext>
+            </a:extLst>
+          </p:cNvPr>
+          <p:cNvSpPr>
+            <a:spLocks noGrp="1" noRot="1" noChangeAspect="1" noMove="1" noResize="1" noEditPoints="1" noAdjustHandles="1" noChangeArrowheads="1" noChangeShapeType="1" noTextEdit="1"/>
+          </p:cNvSpPr>
+          <p:nvPr>
+            <p:extLst>
+              <p:ext uri="{386F3935-93C4-4BCD-93E2-E3B085C9AB24}">
+                <p16:designElem xmlns:p16="http://schemas.microsoft.com/office/powerpoint/2015/main" val="1"/>
+              </p:ext>
+            </p:extLst>
+          </p:nvPr>
+        </p:nvSpPr>
+        <p:spPr>
+          <a:xfrm rot="16200000">
+            <a:off x="3433973" y="-827233"/>
+            <a:ext cx="1715478" cy="8583421"/>
+          </a:xfrm>
+          <a:prstGeom prst="rect">
+            <a:avLst/>
+          </a:prstGeom>
+          <a:solidFill>
+            <a:schemeClr val="accent4"/>
+          </a:solidFill>
+          <a:ln>
+            <a:noFill/>
+          </a:ln>
+        </p:spPr>
+        <p:style>
+          <a:lnRef idx="2">
+            <a:schemeClr val="accent1">
+              <a:shade val="50000"/>
+            </a:schemeClr>
+          </a:lnRef>
+          <a:fillRef idx="1">
+            <a:schemeClr val="accent1"/>
+          </a:fillRef>
+          <a:effectRef idx="0">
+            <a:schemeClr val="accent1"/>
+          </a:effectRef>
+          <a:fontRef idx="minor">
+            <a:schemeClr val="lt1"/>
+          </a:fontRef>
+        </p:style>
+        <p:txBody>
+          <a:bodyPr rtlCol="0" anchor="ctr"/>
+          <a:lstStyle/>
+          <a:p>
+            <a:pPr algn="ctr"/>
+            <a:endParaRPr lang="en-US" dirty="0"/>
+          </a:p>
+        </p:txBody>
+      </p:sp>
+      <p:sp>
+        <p:nvSpPr>
+          <p:cNvPr id="20" name="Rectangle 19">
+            <a:extLst>
+              <a:ext uri="{FF2B5EF4-FFF2-40B4-BE49-F238E27FC236}">
+                <a16:creationId xmlns:a16="http://schemas.microsoft.com/office/drawing/2014/main" id="{04357C93-F0CB-4A1C-8F77-4E9063789819}"/>
+              </a:ext>
+              <a:ext uri="{C183D7F6-B498-43B3-948B-1728B52AA6E4}">
+                <adec:decorative xmlns:adec="http://schemas.microsoft.com/office/drawing/2017/decorative" val="1"/>
+              </a:ext>
+            </a:extLst>
+          </p:cNvPr>
+          <p:cNvSpPr>
+            <a:spLocks noGrp="1" noRot="1" noChangeAspect="1" noMove="1" noResize="1" noEditPoints="1" noAdjustHandles="1" noChangeArrowheads="1" noChangeShapeType="1" noTextEdit="1"/>
+          </p:cNvSpPr>
+          <p:nvPr>
+            <p:extLst>
+              <p:ext uri="{386F3935-93C4-4BCD-93E2-E3B085C9AB24}">
+                <p16:designElem xmlns:p16="http://schemas.microsoft.com/office/powerpoint/2015/main" val="1"/>
+              </p:ext>
+            </p:extLst>
+          </p:nvPr>
+        </p:nvSpPr>
+        <p:spPr>
+          <a:xfrm>
+            <a:off x="302085" y="664308"/>
+            <a:ext cx="8082632" cy="5600340"/>
+          </a:xfrm>
+          <a:prstGeom prst="rect">
+            <a:avLst/>
+          </a:prstGeom>
+          <a:solidFill>
+            <a:schemeClr val="bg1"/>
+          </a:solidFill>
+          <a:ln>
+            <a:noFill/>
+          </a:ln>
+          <a:effectLst>
+            <a:outerShdw blurRad="139700" dist="127000" dir="5400000" algn="t" rotWithShape="0">
+              <a:prstClr val="black">
+                <a:alpha val="15000"/>
+              </a:prstClr>
+            </a:outerShdw>
+          </a:effectLst>
+        </p:spPr>
+        <p:style>
+          <a:lnRef idx="2">
+            <a:schemeClr val="accent1">
+              <a:shade val="50000"/>
+            </a:schemeClr>
+          </a:lnRef>
+          <a:fillRef idx="1">
+            <a:schemeClr val="accent1"/>
+          </a:fillRef>
+          <a:effectRef idx="0">
+            <a:schemeClr val="accent1"/>
+          </a:effectRef>
+          <a:fontRef idx="minor">
+            <a:schemeClr val="lt1"/>
+          </a:fontRef>
+        </p:style>
+        <p:txBody>
+          <a:bodyPr rtlCol="0" anchor="ctr"/>
+          <a:lstStyle/>
+          <a:p>
+            <a:pPr algn="ctr"/>
+            <a:endParaRPr lang="en-US"/>
+          </a:p>
+        </p:txBody>
+      </p:sp>
+      <p:pic>
+        <p:nvPicPr>
+          <p:cNvPr id="4" name="Рисунок 3" descr="Изображение выглядит как текст, снимок экрана, дисплей, число&#10;&#10;Автоматически созданное описание">
+            <a:extLst>
+              <a:ext uri="{FF2B5EF4-FFF2-40B4-BE49-F238E27FC236}">
+                <a16:creationId xmlns:a16="http://schemas.microsoft.com/office/drawing/2014/main" id="{85853AC0-35B2-E8BC-FD6C-D39B1A2B1607}"/>
+              </a:ext>
+            </a:extLst>
+          </p:cNvPr>
+          <p:cNvPicPr>
+            <a:picLocks noChangeAspect="1"/>
+          </p:cNvPicPr>
+          <p:nvPr/>
+        </p:nvPicPr>
+        <p:blipFill>
+          <a:blip r:embed="rId2"/>
+          <a:stretch>
+            <a:fillRect/>
+          </a:stretch>
+        </p:blipFill>
+        <p:spPr>
+          <a:xfrm>
+            <a:off x="545237" y="1809037"/>
+            <a:ext cx="3685032" cy="3310881"/>
+          </a:xfrm>
+          <a:prstGeom prst="rect">
+            <a:avLst/>
+          </a:prstGeom>
+        </p:spPr>
+      </p:pic>
+      <p:pic>
+        <p:nvPicPr>
+          <p:cNvPr id="5" name="Рисунок 4" descr="Изображение выглядит как текст, электроника, снимок экрана, программное обеспечение&#10;&#10;Автоматически созданное описание">
+            <a:extLst>
+              <a:ext uri="{FF2B5EF4-FFF2-40B4-BE49-F238E27FC236}">
+                <a16:creationId xmlns:a16="http://schemas.microsoft.com/office/drawing/2014/main" id="{E385CD03-2A78-1391-D446-979F33290391}"/>
+              </a:ext>
+            </a:extLst>
+          </p:cNvPr>
+          <p:cNvPicPr>
+            <a:picLocks noChangeAspect="1"/>
+          </p:cNvPicPr>
+          <p:nvPr/>
+        </p:nvPicPr>
+        <p:blipFill>
+          <a:blip r:embed="rId3"/>
+          <a:stretch>
+            <a:fillRect/>
+          </a:stretch>
+        </p:blipFill>
+        <p:spPr>
+          <a:xfrm>
+            <a:off x="4457706" y="1818229"/>
+            <a:ext cx="3685032" cy="3292495"/>
+          </a:xfrm>
+          <a:prstGeom prst="rect">
+            <a:avLst/>
+          </a:prstGeom>
+        </p:spPr>
+      </p:pic>
+      <p:sp>
+        <p:nvSpPr>
+          <p:cNvPr id="22" name="Rectangle 21">
+            <a:extLst>
+              <a:ext uri="{FF2B5EF4-FFF2-40B4-BE49-F238E27FC236}">
+                <a16:creationId xmlns:a16="http://schemas.microsoft.com/office/drawing/2014/main" id="{90F533E9-6690-41A8-A372-4C6C622D028D}"/>
+              </a:ext>
+              <a:ext uri="{C183D7F6-B498-43B3-948B-1728B52AA6E4}">
+                <adec:decorative xmlns:adec="http://schemas.microsoft.com/office/drawing/2017/decorative" val="1"/>
+              </a:ext>
+            </a:extLst>
+          </p:cNvPr>
+          <p:cNvSpPr>
+            <a:spLocks noGrp="1" noRot="1" noChangeAspect="1" noMove="1" noResize="1" noEditPoints="1" noAdjustHandles="1" noChangeArrowheads="1" noChangeShapeType="1" noTextEdit="1"/>
+          </p:cNvSpPr>
+          <p:nvPr>
+            <p:extLst>
+              <p:ext uri="{386F3935-93C4-4BCD-93E2-E3B085C9AB24}">
+                <p16:designElem xmlns:p16="http://schemas.microsoft.com/office/powerpoint/2015/main" val="1"/>
+              </p:ext>
+            </p:extLst>
+          </p:nvPr>
+        </p:nvSpPr>
+        <p:spPr>
+          <a:xfrm rot="5400000">
+            <a:off x="7950447" y="3392097"/>
+            <a:ext cx="1719072" cy="152382"/>
+          </a:xfrm>
+          <a:prstGeom prst="rect">
+            <a:avLst/>
+          </a:prstGeom>
+          <a:solidFill>
+            <a:schemeClr val="accent4"/>
+          </a:solidFill>
+          <a:ln>
+            <a:noFill/>
+          </a:ln>
+        </p:spPr>
+        <p:style>
+          <a:lnRef idx="2">
+            <a:schemeClr val="accent1">
+              <a:shade val="50000"/>
+            </a:schemeClr>
+          </a:lnRef>
+          <a:fillRef idx="1">
+            <a:schemeClr val="accent1"/>
+          </a:fillRef>
+          <a:effectRef idx="0">
+            <a:schemeClr val="accent1"/>
+          </a:effectRef>
+          <a:fontRef idx="minor">
+            <a:schemeClr val="lt1"/>
+          </a:fontRef>
+        </p:style>
+        <p:txBody>
+          <a:bodyPr rtlCol="0" anchor="ctr"/>
+          <a:lstStyle/>
+          <a:p>
+            <a:pPr algn="ctr"/>
+            <a:endParaRPr lang="en-US"/>
+          </a:p>
+        </p:txBody>
+      </p:sp>
+    </p:spTree>
+    <p:extLst>
+      <p:ext uri="{BB962C8B-B14F-4D97-AF65-F5344CB8AC3E}">
+        <p14:creationId xmlns:p14="http://schemas.microsoft.com/office/powerpoint/2010/main" val="4147370932"/>
+      </p:ext>
+    </p:extLst>
+  </p:cSld>
+  <p:clrMapOvr>
+    <a:masterClrMapping/>
+  </p:clrMapOvr>
+</p:sld>
+</file>
+
+<file path=ppt/slides/slide9.xml><?xml version="1.0" encoding="utf-8"?>
 <p:sld xmlns:a="http://schemas.openxmlformats.org/drawingml/2006/main" xmlns:r="http://schemas.openxmlformats.org/officeDocument/2006/relationships" xmlns:p="http://schemas.openxmlformats.org/presentationml/2006/main">
   <p:cSld>
     <p:bg>
@@ -12834,1020 +13315,6 @@
     <p:extLst>
       <p:ext uri="{BB962C8B-B14F-4D97-AF65-F5344CB8AC3E}">
         <p14:creationId xmlns:p14="http://schemas.microsoft.com/office/powerpoint/2010/main" val="604956057"/>
-      </p:ext>
-    </p:extLst>
-  </p:cSld>
-  <p:clrMapOvr>
-    <a:masterClrMapping/>
-  </p:clrMapOvr>
-</p:sld>
-</file>
-
-<file path=ppt/slides/slide9.xml><?xml version="1.0" encoding="utf-8"?>
-<p:sld xmlns:a="http://schemas.openxmlformats.org/drawingml/2006/main" xmlns:r="http://schemas.openxmlformats.org/officeDocument/2006/relationships" xmlns:p="http://schemas.openxmlformats.org/presentationml/2006/main">
-  <p:cSld>
-    <p:bg>
-      <p:bgPr>
-        <a:solidFill>
-          <a:schemeClr val="bg1"/>
-        </a:solidFill>
-        <a:effectLst/>
-      </p:bgPr>
-    </p:bg>
-    <p:spTree>
-      <p:nvGrpSpPr>
-        <p:cNvPr id="1" name=""/>
-        <p:cNvGrpSpPr/>
-        <p:nvPr/>
-      </p:nvGrpSpPr>
-      <p:grpSpPr>
-        <a:xfrm>
-          <a:off x="0" y="0"/>
-          <a:ext cx="0" cy="0"/>
-          <a:chOff x="0" y="0"/>
-          <a:chExt cx="0" cy="0"/>
-        </a:xfrm>
-      </p:grpSpPr>
-      <p:sp useBgFill="1">
-        <p:nvSpPr>
-          <p:cNvPr id="8" name="Rectangle 7">
-            <a:extLst>
-              <a:ext uri="{FF2B5EF4-FFF2-40B4-BE49-F238E27FC236}">
-                <a16:creationId xmlns:a16="http://schemas.microsoft.com/office/drawing/2014/main" id="{F837543A-6020-4505-A233-C9DB4BF74011}"/>
-              </a:ext>
-              <a:ext uri="{C183D7F6-B498-43B3-948B-1728B52AA6E4}">
-                <adec:decorative xmlns:adec="http://schemas.microsoft.com/office/drawing/2017/decorative" val="1"/>
-              </a:ext>
-            </a:extLst>
-          </p:cNvPr>
-          <p:cNvSpPr>
-            <a:spLocks noGrp="1" noRot="1" noChangeAspect="1" noMove="1" noResize="1" noEditPoints="1" noAdjustHandles="1" noChangeArrowheads="1" noChangeShapeType="1" noTextEdit="1"/>
-          </p:cNvSpPr>
-          <p:nvPr>
-            <p:extLst>
-              <p:ext uri="{386F3935-93C4-4BCD-93E2-E3B085C9AB24}">
-                <p16:designElem xmlns:p16="http://schemas.microsoft.com/office/powerpoint/2015/main" val="1"/>
-              </p:ext>
-            </p:extLst>
-          </p:nvPr>
-        </p:nvSpPr>
-        <p:spPr>
-          <a:xfrm>
-            <a:off x="3048" y="0"/>
-            <a:ext cx="12188952" cy="6858000"/>
-          </a:xfrm>
-          <a:prstGeom prst="rect">
-            <a:avLst/>
-          </a:prstGeom>
-          <a:ln>
-            <a:noFill/>
-          </a:ln>
-        </p:spPr>
-        <p:style>
-          <a:lnRef idx="2">
-            <a:schemeClr val="accent1">
-              <a:shade val="50000"/>
-            </a:schemeClr>
-          </a:lnRef>
-          <a:fillRef idx="1">
-            <a:schemeClr val="accent1"/>
-          </a:fillRef>
-          <a:effectRef idx="0">
-            <a:schemeClr val="accent1"/>
-          </a:effectRef>
-          <a:fontRef idx="minor">
-            <a:schemeClr val="lt1"/>
-          </a:fontRef>
-        </p:style>
-        <p:txBody>
-          <a:bodyPr rtlCol="0" anchor="ctr"/>
-          <a:lstStyle/>
-          <a:p>
-            <a:pPr algn="ctr"/>
-            <a:endParaRPr lang="en-US"/>
-          </a:p>
-        </p:txBody>
-      </p:sp>
-      <p:sp>
-        <p:nvSpPr>
-          <p:cNvPr id="2" name="Заголовок 1">
-            <a:extLst>
-              <a:ext uri="{FF2B5EF4-FFF2-40B4-BE49-F238E27FC236}">
-                <a16:creationId xmlns:a16="http://schemas.microsoft.com/office/drawing/2014/main" id="{559A678A-C686-C8A8-302F-FF7D4EE5F00B}"/>
-              </a:ext>
-            </a:extLst>
-          </p:cNvPr>
-          <p:cNvSpPr>
-            <a:spLocks noGrp="1"/>
-          </p:cNvSpPr>
-          <p:nvPr>
-            <p:ph type="title"/>
-          </p:nvPr>
-        </p:nvSpPr>
-        <p:spPr>
-          <a:xfrm>
-            <a:off x="838200" y="365125"/>
-            <a:ext cx="5558489" cy="1325563"/>
-          </a:xfrm>
-        </p:spPr>
-        <p:txBody>
-          <a:bodyPr>
-            <a:normAutofit/>
-          </a:bodyPr>
-          <a:lstStyle/>
-          <a:p>
-            <a:r>
-              <a:rPr lang="ru-RU" dirty="0">
-                <a:ea typeface="Calibri Light"/>
-                <a:cs typeface="Calibri Light"/>
-              </a:rPr>
-              <a:t>Развитие проекта</a:t>
-            </a:r>
-            <a:endParaRPr lang="ru-RU" dirty="0"/>
-          </a:p>
-        </p:txBody>
-      </p:sp>
-      <p:sp>
-        <p:nvSpPr>
-          <p:cNvPr id="10" name="Freeform: Shape 9">
-            <a:extLst>
-              <a:ext uri="{FF2B5EF4-FFF2-40B4-BE49-F238E27FC236}">
-                <a16:creationId xmlns:a16="http://schemas.microsoft.com/office/drawing/2014/main" id="{35B16301-FB18-48BA-A6DD-C37CAF6F9A18}"/>
-              </a:ext>
-              <a:ext uri="{C183D7F6-B498-43B3-948B-1728B52AA6E4}">
-                <adec:decorative xmlns:adec="http://schemas.microsoft.com/office/drawing/2017/decorative" val="1"/>
-              </a:ext>
-            </a:extLst>
-          </p:cNvPr>
-          <p:cNvSpPr>
-            <a:spLocks noGrp="1" noRot="1" noChangeAspect="1" noMove="1" noResize="1" noEditPoints="1" noAdjustHandles="1" noChangeArrowheads="1" noChangeShapeType="1" noTextEdit="1"/>
-          </p:cNvSpPr>
-          <p:nvPr>
-            <p:extLst>
-              <p:ext uri="{386F3935-93C4-4BCD-93E2-E3B085C9AB24}">
-                <p16:designElem xmlns:p16="http://schemas.microsoft.com/office/powerpoint/2015/main" val="1"/>
-              </p:ext>
-            </p:extLst>
-          </p:nvPr>
-        </p:nvSpPr>
-        <p:spPr>
-          <a:xfrm>
-            <a:off x="10208695" y="1"/>
-            <a:ext cx="1135066" cy="477997"/>
-          </a:xfrm>
-          <a:custGeom>
-            <a:avLst/>
-            <a:gdLst>
-              <a:gd name="connsiteX0" fmla="*/ 0 w 1135066"/>
-              <a:gd name="connsiteY0" fmla="*/ 0 h 477997"/>
-              <a:gd name="connsiteX1" fmla="*/ 1135066 w 1135066"/>
-              <a:gd name="connsiteY1" fmla="*/ 0 h 477997"/>
-              <a:gd name="connsiteX2" fmla="*/ 1133370 w 1135066"/>
-              <a:gd name="connsiteY2" fmla="*/ 16827 h 477997"/>
-              <a:gd name="connsiteX3" fmla="*/ 567533 w 1135066"/>
-              <a:gd name="connsiteY3" fmla="*/ 477997 h 477997"/>
-              <a:gd name="connsiteX4" fmla="*/ 1696 w 1135066"/>
-              <a:gd name="connsiteY4" fmla="*/ 16827 h 477997"/>
-            </a:gdLst>
-            <a:ahLst/>
-            <a:cxnLst>
-              <a:cxn ang="0">
-                <a:pos x="connsiteX0" y="connsiteY0"/>
-              </a:cxn>
-              <a:cxn ang="0">
-                <a:pos x="connsiteX1" y="connsiteY1"/>
-              </a:cxn>
-              <a:cxn ang="0">
-                <a:pos x="connsiteX2" y="connsiteY2"/>
-              </a:cxn>
-              <a:cxn ang="0">
-                <a:pos x="connsiteX3" y="connsiteY3"/>
-              </a:cxn>
-              <a:cxn ang="0">
-                <a:pos x="connsiteX4" y="connsiteY4"/>
-              </a:cxn>
-            </a:cxnLst>
-            <a:rect l="l" t="t" r="r" b="b"/>
-            <a:pathLst>
-              <a:path w="1135066" h="477997">
-                <a:moveTo>
-                  <a:pt x="0" y="0"/>
-                </a:moveTo>
-                <a:lnTo>
-                  <a:pt x="1135066" y="0"/>
-                </a:lnTo>
-                <a:lnTo>
-                  <a:pt x="1133370" y="16827"/>
-                </a:lnTo>
-                <a:cubicBezTo>
-                  <a:pt x="1079514" y="280016"/>
-                  <a:pt x="846644" y="477997"/>
-                  <a:pt x="567533" y="477997"/>
-                </a:cubicBezTo>
-                <a:cubicBezTo>
-                  <a:pt x="288422" y="477997"/>
-                  <a:pt x="55552" y="280016"/>
-                  <a:pt x="1696" y="16827"/>
-                </a:cubicBezTo>
-                <a:close/>
-              </a:path>
-            </a:pathLst>
-          </a:custGeom>
-          <a:solidFill>
-            <a:schemeClr val="accent5"/>
-          </a:solidFill>
-          <a:ln>
-            <a:noFill/>
-          </a:ln>
-        </p:spPr>
-        <p:style>
-          <a:lnRef idx="2">
-            <a:schemeClr val="accent1">
-              <a:shade val="50000"/>
-            </a:schemeClr>
-          </a:lnRef>
-          <a:fillRef idx="1">
-            <a:schemeClr val="accent1"/>
-          </a:fillRef>
-          <a:effectRef idx="0">
-            <a:schemeClr val="accent1"/>
-          </a:effectRef>
-          <a:fontRef idx="minor">
-            <a:schemeClr val="lt1"/>
-          </a:fontRef>
-        </p:style>
-        <p:txBody>
-          <a:bodyPr wrap="square" rtlCol="0" anchor="ctr">
-            <a:noAutofit/>
-          </a:bodyPr>
-          <a:lstStyle/>
-          <a:p>
-            <a:pPr algn="ctr"/>
-            <a:endParaRPr lang="en-US"/>
-          </a:p>
-        </p:txBody>
-      </p:sp>
-      <p:sp>
-        <p:nvSpPr>
-          <p:cNvPr id="3" name="Объект 2">
-            <a:extLst>
-              <a:ext uri="{FF2B5EF4-FFF2-40B4-BE49-F238E27FC236}">
-                <a16:creationId xmlns:a16="http://schemas.microsoft.com/office/drawing/2014/main" id="{9F9AC25B-1783-F669-BC11-3EBB24A79BF1}"/>
-              </a:ext>
-            </a:extLst>
-          </p:cNvPr>
-          <p:cNvSpPr>
-            <a:spLocks noGrp="1"/>
-          </p:cNvSpPr>
-          <p:nvPr>
-            <p:ph idx="1"/>
-          </p:nvPr>
-        </p:nvSpPr>
-        <p:spPr>
-          <a:xfrm>
-            <a:off x="303811" y="1647496"/>
-            <a:ext cx="6092878" cy="5212298"/>
-          </a:xfrm>
-        </p:spPr>
-        <p:txBody>
-          <a:bodyPr vert="horz" lIns="91440" tIns="45720" rIns="91440" bIns="45720" rtlCol="0" anchor="t">
-            <a:normAutofit/>
-          </a:bodyPr>
-          <a:lstStyle/>
-          <a:p>
-            <a:pPr marL="0" indent="0">
-              <a:buNone/>
-            </a:pPr>
-            <a:r>
-              <a:rPr lang="ru-RU" dirty="0">
-                <a:ea typeface="Calibri"/>
-                <a:cs typeface="Calibri"/>
-              </a:rPr>
-              <a:t>Возможно расширение функционала, например: добавить "дневник", в который можно будет заносить информацию о оценках учащихся.</a:t>
-            </a:r>
-          </a:p>
-          <a:p>
-            <a:pPr marL="0" indent="0">
-              <a:buNone/>
-            </a:pPr>
-            <a:r>
-              <a:rPr lang="ru-RU" dirty="0">
-                <a:ea typeface="Calibri"/>
-                <a:cs typeface="Calibri"/>
-              </a:rPr>
-              <a:t>Перевод приложения на общую БД на сервере, чтобы контролировать информацию было легче.</a:t>
-            </a:r>
-          </a:p>
-        </p:txBody>
-      </p:sp>
-      <p:sp>
-        <p:nvSpPr>
-          <p:cNvPr id="12" name="Oval 11">
-            <a:extLst>
-              <a:ext uri="{FF2B5EF4-FFF2-40B4-BE49-F238E27FC236}">
-                <a16:creationId xmlns:a16="http://schemas.microsoft.com/office/drawing/2014/main" id="{C3C0D90E-074A-4F52-9B11-B52BEF4BCBE5}"/>
-              </a:ext>
-              <a:ext uri="{C183D7F6-B498-43B3-948B-1728B52AA6E4}">
-                <adec:decorative xmlns:adec="http://schemas.microsoft.com/office/drawing/2017/decorative" val="1"/>
-              </a:ext>
-            </a:extLst>
-          </p:cNvPr>
-          <p:cNvSpPr>
-            <a:spLocks noGrp="1" noRot="1" noChangeAspect="1" noMove="1" noResize="1" noEditPoints="1" noAdjustHandles="1" noChangeArrowheads="1" noChangeShapeType="1" noTextEdit="1"/>
-          </p:cNvSpPr>
-          <p:nvPr>
-            <p:extLst>
-              <p:ext uri="{386F3935-93C4-4BCD-93E2-E3B085C9AB24}">
-                <p16:designElem xmlns:p16="http://schemas.microsoft.com/office/powerpoint/2015/main" val="1"/>
-              </p:ext>
-            </p:extLst>
-          </p:nvPr>
-        </p:nvSpPr>
-        <p:spPr>
-          <a:xfrm>
-            <a:off x="6821310" y="2624479"/>
-            <a:ext cx="812427" cy="812427"/>
-          </a:xfrm>
-          <a:prstGeom prst="ellipse">
-            <a:avLst/>
-          </a:prstGeom>
-          <a:noFill/>
-          <a:ln w="127000">
-            <a:solidFill>
-              <a:schemeClr val="accent5"/>
-            </a:solidFill>
-          </a:ln>
-        </p:spPr>
-        <p:style>
-          <a:lnRef idx="2">
-            <a:schemeClr val="accent1">
-              <a:shade val="50000"/>
-            </a:schemeClr>
-          </a:lnRef>
-          <a:fillRef idx="1">
-            <a:schemeClr val="accent1"/>
-          </a:fillRef>
-          <a:effectRef idx="0">
-            <a:schemeClr val="accent1"/>
-          </a:effectRef>
-          <a:fontRef idx="minor">
-            <a:schemeClr val="lt1"/>
-          </a:fontRef>
-        </p:style>
-        <p:txBody>
-          <a:bodyPr rtlCol="0" anchor="ctr"/>
-          <a:lstStyle/>
-          <a:p>
-            <a:pPr algn="ctr"/>
-            <a:endParaRPr lang="en-US" dirty="0"/>
-          </a:p>
-        </p:txBody>
-      </p:sp>
-      <p:sp>
-        <p:nvSpPr>
-          <p:cNvPr id="14" name="Block Arc 13">
-            <a:extLst>
-              <a:ext uri="{FF2B5EF4-FFF2-40B4-BE49-F238E27FC236}">
-                <a16:creationId xmlns:a16="http://schemas.microsoft.com/office/drawing/2014/main" id="{CABBD4C1-E6F8-46F6-8152-A8A97490BF4D}"/>
-              </a:ext>
-              <a:ext uri="{C183D7F6-B498-43B3-948B-1728B52AA6E4}">
-                <adec:decorative xmlns:adec="http://schemas.microsoft.com/office/drawing/2017/decorative" val="1"/>
-              </a:ext>
-            </a:extLst>
-          </p:cNvPr>
-          <p:cNvSpPr>
-            <a:spLocks noGrp="1" noRot="1" noChangeAspect="1" noMove="1" noResize="1" noEditPoints="1" noAdjustHandles="1" noChangeArrowheads="1" noChangeShapeType="1" noTextEdit="1"/>
-          </p:cNvSpPr>
-          <p:nvPr>
-            <p:extLst>
-              <p:ext uri="{386F3935-93C4-4BCD-93E2-E3B085C9AB24}">
-                <p16:designElem xmlns:p16="http://schemas.microsoft.com/office/powerpoint/2015/main" val="1"/>
-              </p:ext>
-            </p:extLst>
-          </p:nvPr>
-        </p:nvSpPr>
-        <p:spPr>
-          <a:xfrm rot="16200000">
-            <a:off x="8912417" y="1218531"/>
-            <a:ext cx="2387600" cy="2387600"/>
-          </a:xfrm>
-          <a:prstGeom prst="blockArc">
-            <a:avLst/>
-          </a:prstGeom>
-          <a:solidFill>
-            <a:schemeClr val="accent2"/>
-          </a:solidFill>
-          <a:ln>
-            <a:noFill/>
-          </a:ln>
-        </p:spPr>
-        <p:style>
-          <a:lnRef idx="2">
-            <a:schemeClr val="accent1">
-              <a:shade val="50000"/>
-            </a:schemeClr>
-          </a:lnRef>
-          <a:fillRef idx="1">
-            <a:schemeClr val="accent1"/>
-          </a:fillRef>
-          <a:effectRef idx="0">
-            <a:schemeClr val="accent1"/>
-          </a:effectRef>
-          <a:fontRef idx="minor">
-            <a:schemeClr val="lt1"/>
-          </a:fontRef>
-        </p:style>
-        <p:txBody>
-          <a:bodyPr rtlCol="0" anchor="ctr"/>
-          <a:lstStyle/>
-          <a:p>
-            <a:pPr algn="ctr"/>
-            <a:endParaRPr lang="en-US">
-              <a:solidFill>
-                <a:schemeClr val="tx1"/>
-              </a:solidFill>
-            </a:endParaRPr>
-          </a:p>
-        </p:txBody>
-      </p:sp>
-      <p:sp>
-        <p:nvSpPr>
-          <p:cNvPr id="16" name="Freeform: Shape 15">
-            <a:extLst>
-              <a:ext uri="{FF2B5EF4-FFF2-40B4-BE49-F238E27FC236}">
-                <a16:creationId xmlns:a16="http://schemas.microsoft.com/office/drawing/2014/main" id="{83BA5EF5-1FE9-4BF9-83BB-269BCDDF6156}"/>
-              </a:ext>
-              <a:ext uri="{C183D7F6-B498-43B3-948B-1728B52AA6E4}">
-                <adec:decorative xmlns:adec="http://schemas.microsoft.com/office/drawing/2017/decorative" val="1"/>
-              </a:ext>
-            </a:extLst>
-          </p:cNvPr>
-          <p:cNvSpPr>
-            <a:spLocks noGrp="1" noRot="1" noChangeAspect="1" noMove="1" noResize="1" noEditPoints="1" noAdjustHandles="1" noChangeArrowheads="1" noChangeShapeType="1" noTextEdit="1"/>
-          </p:cNvSpPr>
-          <p:nvPr>
-            <p:extLst>
-              <p:ext uri="{386F3935-93C4-4BCD-93E2-E3B085C9AB24}">
-                <p16:designElem xmlns:p16="http://schemas.microsoft.com/office/powerpoint/2015/main" val="1"/>
-              </p:ext>
-            </p:extLst>
-          </p:nvPr>
-        </p:nvSpPr>
-        <p:spPr>
-          <a:xfrm>
-            <a:off x="6821310" y="0"/>
-            <a:ext cx="2315251" cy="1550992"/>
-          </a:xfrm>
-          <a:custGeom>
-            <a:avLst/>
-            <a:gdLst>
-              <a:gd name="connsiteX0" fmla="*/ 0 w 2315251"/>
-              <a:gd name="connsiteY0" fmla="*/ 0 h 1550992"/>
-              <a:gd name="connsiteX1" fmla="*/ 138700 w 2315251"/>
-              <a:gd name="connsiteY1" fmla="*/ 0 h 1550992"/>
-              <a:gd name="connsiteX2" fmla="*/ 138700 w 2315251"/>
-              <a:gd name="connsiteY2" fmla="*/ 1361400 h 1550992"/>
-              <a:gd name="connsiteX3" fmla="*/ 2107387 w 2315251"/>
-              <a:gd name="connsiteY3" fmla="*/ 222673 h 1550992"/>
-              <a:gd name="connsiteX4" fmla="*/ 1722420 w 2315251"/>
-              <a:gd name="connsiteY4" fmla="*/ 0 h 1550992"/>
-              <a:gd name="connsiteX5" fmla="*/ 1999436 w 2315251"/>
-              <a:gd name="connsiteY5" fmla="*/ 0 h 1550992"/>
-              <a:gd name="connsiteX6" fmla="*/ 2280549 w 2315251"/>
-              <a:gd name="connsiteY6" fmla="*/ 162605 h 1550992"/>
-              <a:gd name="connsiteX7" fmla="*/ 2305953 w 2315251"/>
-              <a:gd name="connsiteY7" fmla="*/ 257336 h 1550992"/>
-              <a:gd name="connsiteX8" fmla="*/ 2280549 w 2315251"/>
-              <a:gd name="connsiteY8" fmla="*/ 282740 h 1550992"/>
-              <a:gd name="connsiteX9" fmla="*/ 104026 w 2315251"/>
-              <a:gd name="connsiteY9" fmla="*/ 1541710 h 1550992"/>
-              <a:gd name="connsiteX10" fmla="*/ 69351 w 2315251"/>
-              <a:gd name="connsiteY10" fmla="*/ 1550992 h 1550992"/>
-              <a:gd name="connsiteX11" fmla="*/ 0 w 2315251"/>
-              <a:gd name="connsiteY11" fmla="*/ 1481643 h 1550992"/>
-            </a:gdLst>
-            <a:ahLst/>
-            <a:cxnLst>
-              <a:cxn ang="0">
-                <a:pos x="connsiteX0" y="connsiteY0"/>
-              </a:cxn>
-              <a:cxn ang="0">
-                <a:pos x="connsiteX1" y="connsiteY1"/>
-              </a:cxn>
-              <a:cxn ang="0">
-                <a:pos x="connsiteX2" y="connsiteY2"/>
-              </a:cxn>
-              <a:cxn ang="0">
-                <a:pos x="connsiteX3" y="connsiteY3"/>
-              </a:cxn>
-              <a:cxn ang="0">
-                <a:pos x="connsiteX4" y="connsiteY4"/>
-              </a:cxn>
-              <a:cxn ang="0">
-                <a:pos x="connsiteX5" y="connsiteY5"/>
-              </a:cxn>
-              <a:cxn ang="0">
-                <a:pos x="connsiteX6" y="connsiteY6"/>
-              </a:cxn>
-              <a:cxn ang="0">
-                <a:pos x="connsiteX7" y="connsiteY7"/>
-              </a:cxn>
-              <a:cxn ang="0">
-                <a:pos x="connsiteX8" y="connsiteY8"/>
-              </a:cxn>
-              <a:cxn ang="0">
-                <a:pos x="connsiteX9" y="connsiteY9"/>
-              </a:cxn>
-              <a:cxn ang="0">
-                <a:pos x="connsiteX10" y="connsiteY10"/>
-              </a:cxn>
-              <a:cxn ang="0">
-                <a:pos x="connsiteX11" y="connsiteY11"/>
-              </a:cxn>
-            </a:cxnLst>
-            <a:rect l="l" t="t" r="r" b="b"/>
-            <a:pathLst>
-              <a:path w="2315251" h="1550992">
-                <a:moveTo>
-                  <a:pt x="0" y="0"/>
-                </a:moveTo>
-                <a:lnTo>
-                  <a:pt x="138700" y="0"/>
-                </a:lnTo>
-                <a:lnTo>
-                  <a:pt x="138700" y="1361400"/>
-                </a:lnTo>
-                <a:lnTo>
-                  <a:pt x="2107387" y="222673"/>
-                </a:lnTo>
-                <a:lnTo>
-                  <a:pt x="1722420" y="0"/>
-                </a:lnTo>
-                <a:lnTo>
-                  <a:pt x="1999436" y="0"/>
-                </a:lnTo>
-                <a:lnTo>
-                  <a:pt x="2280549" y="162605"/>
-                </a:lnTo>
-                <a:cubicBezTo>
-                  <a:pt x="2313720" y="181745"/>
-                  <a:pt x="2325104" y="224155"/>
-                  <a:pt x="2305953" y="257336"/>
-                </a:cubicBezTo>
-                <a:cubicBezTo>
-                  <a:pt x="2299872" y="267889"/>
-                  <a:pt x="2291101" y="276648"/>
-                  <a:pt x="2280549" y="282740"/>
-                </a:cubicBezTo>
-                <a:lnTo>
-                  <a:pt x="104026" y="1541710"/>
-                </a:lnTo>
-                <a:cubicBezTo>
-                  <a:pt x="93484" y="1547802"/>
-                  <a:pt x="81523" y="1551003"/>
-                  <a:pt x="69351" y="1550992"/>
-                </a:cubicBezTo>
-                <a:cubicBezTo>
-                  <a:pt x="31049" y="1550992"/>
-                  <a:pt x="0" y="1519944"/>
-                  <a:pt x="0" y="1481643"/>
-                </a:cubicBezTo>
-                <a:close/>
-              </a:path>
-            </a:pathLst>
-          </a:custGeom>
-          <a:solidFill>
-            <a:schemeClr val="accent6"/>
-          </a:solidFill>
-          <a:ln w="9525" cap="flat">
-            <a:noFill/>
-            <a:prstDash val="solid"/>
-            <a:miter/>
-          </a:ln>
-        </p:spPr>
-        <p:txBody>
-          <a:bodyPr rtlCol="0" anchor="ctr"/>
-          <a:lstStyle/>
-          <a:p>
-            <a:endParaRPr lang="en-US" dirty="0"/>
-          </a:p>
-        </p:txBody>
-      </p:sp>
-      <p:cxnSp>
-        <p:nvCxnSpPr>
-          <p:cNvPr id="18" name="Straight Connector 17">
-            <a:extLst>
-              <a:ext uri="{FF2B5EF4-FFF2-40B4-BE49-F238E27FC236}">
-                <a16:creationId xmlns:a16="http://schemas.microsoft.com/office/drawing/2014/main" id="{4B3BCACB-5880-460B-9606-8C433A9AF99D}"/>
-              </a:ext>
-              <a:ext uri="{C183D7F6-B498-43B3-948B-1728B52AA6E4}">
-                <adec:decorative xmlns:adec="http://schemas.microsoft.com/office/drawing/2017/decorative" val="1"/>
-              </a:ext>
-            </a:extLst>
-          </p:cNvPr>
-          <p:cNvCxnSpPr>
-            <a:cxnSpLocks noGrp="1" noRot="1" noChangeAspect="1" noMove="1" noResize="1" noEditPoints="1" noAdjustHandles="1" noChangeArrowheads="1" noChangeShapeType="1"/>
-          </p:cNvCxnSpPr>
-          <p:nvPr>
-            <p:extLst>
-              <p:ext uri="{386F3935-93C4-4BCD-93E2-E3B085C9AB24}">
-                <p16:designElem xmlns:p16="http://schemas.microsoft.com/office/powerpoint/2015/main" val="1"/>
-              </p:ext>
-            </p:extLst>
-          </p:nvPr>
-        </p:nvCxnSpPr>
-        <p:spPr>
-          <a:xfrm>
-            <a:off x="11724638" y="1331572"/>
-            <a:ext cx="0" cy="1597708"/>
-          </a:xfrm>
-          <a:prstGeom prst="line">
-            <a:avLst/>
-          </a:prstGeom>
-          <a:ln w="127000" cap="rnd">
-            <a:solidFill>
-              <a:schemeClr val="accent4"/>
-            </a:solidFill>
-            <a:prstDash val="dash"/>
-          </a:ln>
-        </p:spPr>
-        <p:style>
-          <a:lnRef idx="1">
-            <a:schemeClr val="accent1"/>
-          </a:lnRef>
-          <a:fillRef idx="0">
-            <a:schemeClr val="accent1"/>
-          </a:fillRef>
-          <a:effectRef idx="0">
-            <a:schemeClr val="accent1"/>
-          </a:effectRef>
-          <a:fontRef idx="minor">
-            <a:schemeClr val="tx1"/>
-          </a:fontRef>
-        </p:style>
-      </p:cxnSp>
-      <p:sp>
-        <p:nvSpPr>
-          <p:cNvPr id="20" name="Freeform: Shape 19">
-            <a:extLst>
-              <a:ext uri="{FF2B5EF4-FFF2-40B4-BE49-F238E27FC236}">
-                <a16:creationId xmlns:a16="http://schemas.microsoft.com/office/drawing/2014/main" id="{88853921-7BC9-4BDE-ACAB-133C683C82D6}"/>
-              </a:ext>
-              <a:ext uri="{C183D7F6-B498-43B3-948B-1728B52AA6E4}">
-                <adec:decorative xmlns:adec="http://schemas.microsoft.com/office/drawing/2017/decorative" val="1"/>
-              </a:ext>
-            </a:extLst>
-          </p:cNvPr>
-          <p:cNvSpPr>
-            <a:spLocks noGrp="1" noRot="1" noChangeAspect="1" noMove="1" noResize="1" noEditPoints="1" noAdjustHandles="1" noChangeArrowheads="1" noChangeShapeType="1" noTextEdit="1"/>
-          </p:cNvSpPr>
-          <p:nvPr>
-            <p:extLst>
-              <p:ext uri="{386F3935-93C4-4BCD-93E2-E3B085C9AB24}">
-                <p16:designElem xmlns:p16="http://schemas.microsoft.com/office/powerpoint/2015/main" val="1"/>
-              </p:ext>
-            </p:extLst>
-          </p:nvPr>
-        </p:nvSpPr>
-        <p:spPr>
-          <a:xfrm>
-            <a:off x="11005550" y="4112081"/>
-            <a:ext cx="1186451" cy="1771650"/>
-          </a:xfrm>
-          <a:custGeom>
-            <a:avLst/>
-            <a:gdLst>
-              <a:gd name="connsiteX0" fmla="*/ 61913 w 1186451"/>
-              <a:gd name="connsiteY0" fmla="*/ 0 h 1771650"/>
-              <a:gd name="connsiteX1" fmla="*/ 1186451 w 1186451"/>
-              <a:gd name="connsiteY1" fmla="*/ 0 h 1771650"/>
-              <a:gd name="connsiteX2" fmla="*/ 1186451 w 1186451"/>
-              <a:gd name="connsiteY2" fmla="*/ 123825 h 1771650"/>
-              <a:gd name="connsiteX3" fmla="*/ 123825 w 1186451"/>
-              <a:gd name="connsiteY3" fmla="*/ 123825 h 1771650"/>
-              <a:gd name="connsiteX4" fmla="*/ 123825 w 1186451"/>
-              <a:gd name="connsiteY4" fmla="*/ 1647825 h 1771650"/>
-              <a:gd name="connsiteX5" fmla="*/ 1186451 w 1186451"/>
-              <a:gd name="connsiteY5" fmla="*/ 1647825 h 1771650"/>
-              <a:gd name="connsiteX6" fmla="*/ 1186451 w 1186451"/>
-              <a:gd name="connsiteY6" fmla="*/ 1771650 h 1771650"/>
-              <a:gd name="connsiteX7" fmla="*/ 61913 w 1186451"/>
-              <a:gd name="connsiteY7" fmla="*/ 1771650 h 1771650"/>
-              <a:gd name="connsiteX8" fmla="*/ 0 w 1186451"/>
-              <a:gd name="connsiteY8" fmla="*/ 1709738 h 1771650"/>
-              <a:gd name="connsiteX9" fmla="*/ 0 w 1186451"/>
-              <a:gd name="connsiteY9" fmla="*/ 61913 h 1771650"/>
-              <a:gd name="connsiteX10" fmla="*/ 61913 w 1186451"/>
-              <a:gd name="connsiteY10" fmla="*/ 0 h 1771650"/>
-            </a:gdLst>
-            <a:ahLst/>
-            <a:cxnLst>
-              <a:cxn ang="0">
-                <a:pos x="connsiteX0" y="connsiteY0"/>
-              </a:cxn>
-              <a:cxn ang="0">
-                <a:pos x="connsiteX1" y="connsiteY1"/>
-              </a:cxn>
-              <a:cxn ang="0">
-                <a:pos x="connsiteX2" y="connsiteY2"/>
-              </a:cxn>
-              <a:cxn ang="0">
-                <a:pos x="connsiteX3" y="connsiteY3"/>
-              </a:cxn>
-              <a:cxn ang="0">
-                <a:pos x="connsiteX4" y="connsiteY4"/>
-              </a:cxn>
-              <a:cxn ang="0">
-                <a:pos x="connsiteX5" y="connsiteY5"/>
-              </a:cxn>
-              <a:cxn ang="0">
-                <a:pos x="connsiteX6" y="connsiteY6"/>
-              </a:cxn>
-              <a:cxn ang="0">
-                <a:pos x="connsiteX7" y="connsiteY7"/>
-              </a:cxn>
-              <a:cxn ang="0">
-                <a:pos x="connsiteX8" y="connsiteY8"/>
-              </a:cxn>
-              <a:cxn ang="0">
-                <a:pos x="connsiteX9" y="connsiteY9"/>
-              </a:cxn>
-              <a:cxn ang="0">
-                <a:pos x="connsiteX10" y="connsiteY10"/>
-              </a:cxn>
-            </a:cxnLst>
-            <a:rect l="l" t="t" r="r" b="b"/>
-            <a:pathLst>
-              <a:path w="1186451" h="1771650">
-                <a:moveTo>
-                  <a:pt x="61913" y="0"/>
-                </a:moveTo>
-                <a:lnTo>
-                  <a:pt x="1186451" y="0"/>
-                </a:lnTo>
-                <a:lnTo>
-                  <a:pt x="1186451" y="123825"/>
-                </a:lnTo>
-                <a:lnTo>
-                  <a:pt x="123825" y="123825"/>
-                </a:lnTo>
-                <a:lnTo>
-                  <a:pt x="123825" y="1647825"/>
-                </a:lnTo>
-                <a:lnTo>
-                  <a:pt x="1186451" y="1647825"/>
-                </a:lnTo>
-                <a:lnTo>
-                  <a:pt x="1186451" y="1771650"/>
-                </a:lnTo>
-                <a:lnTo>
-                  <a:pt x="61913" y="1771650"/>
-                </a:lnTo>
-                <a:cubicBezTo>
-                  <a:pt x="27719" y="1771650"/>
-                  <a:pt x="0" y="1743932"/>
-                  <a:pt x="0" y="1709738"/>
-                </a:cubicBezTo>
-                <a:lnTo>
-                  <a:pt x="0" y="61913"/>
-                </a:lnTo>
-                <a:cubicBezTo>
-                  <a:pt x="0" y="27719"/>
-                  <a:pt x="27719" y="0"/>
-                  <a:pt x="61913" y="0"/>
-                </a:cubicBezTo>
-                <a:close/>
-              </a:path>
-            </a:pathLst>
-          </a:custGeom>
-          <a:solidFill>
-            <a:schemeClr val="accent6"/>
-          </a:solidFill>
-          <a:ln w="9525" cap="flat">
-            <a:noFill/>
-            <a:prstDash val="solid"/>
-            <a:miter/>
-          </a:ln>
-        </p:spPr>
-        <p:txBody>
-          <a:bodyPr rtlCol="0" anchor="ctr"/>
-          <a:lstStyle/>
-          <a:p>
-            <a:endParaRPr lang="en-US"/>
-          </a:p>
-        </p:txBody>
-      </p:sp>
-      <p:sp>
-        <p:nvSpPr>
-          <p:cNvPr id="22" name="Arc 21">
-            <a:extLst>
-              <a:ext uri="{FF2B5EF4-FFF2-40B4-BE49-F238E27FC236}">
-                <a16:creationId xmlns:a16="http://schemas.microsoft.com/office/drawing/2014/main" id="{09192968-3AE7-4470-A61C-97294BB92731}"/>
-              </a:ext>
-              <a:ext uri="{C183D7F6-B498-43B3-948B-1728B52AA6E4}">
-                <adec:decorative xmlns:adec="http://schemas.microsoft.com/office/drawing/2017/decorative" val="1"/>
-              </a:ext>
-            </a:extLst>
-          </p:cNvPr>
-          <p:cNvSpPr>
-            <a:spLocks noGrp="1" noRot="1" noChangeAspect="1" noMove="1" noResize="1" noEditPoints="1" noAdjustHandles="1" noChangeArrowheads="1" noChangeShapeType="1" noTextEdit="1"/>
-          </p:cNvSpPr>
-          <p:nvPr>
-            <p:extLst>
-              <p:ext uri="{386F3935-93C4-4BCD-93E2-E3B085C9AB24}">
-                <p16:designElem xmlns:p16="http://schemas.microsoft.com/office/powerpoint/2015/main" val="1"/>
-              </p:ext>
-            </p:extLst>
-          </p:nvPr>
-        </p:nvSpPr>
-        <p:spPr>
-          <a:xfrm rot="20992895">
-            <a:off x="6086940" y="4145122"/>
-            <a:ext cx="4083433" cy="4083433"/>
-          </a:xfrm>
-          <a:prstGeom prst="arc">
-            <a:avLst/>
-          </a:prstGeom>
-          <a:ln w="127000" cap="rnd">
-            <a:solidFill>
-              <a:schemeClr val="accent4"/>
-            </a:solidFill>
-            <a:prstDash val="dash"/>
-          </a:ln>
-        </p:spPr>
-        <p:style>
-          <a:lnRef idx="1">
-            <a:schemeClr val="accent1"/>
-          </a:lnRef>
-          <a:fillRef idx="0">
-            <a:schemeClr val="accent1"/>
-          </a:fillRef>
-          <a:effectRef idx="0">
-            <a:schemeClr val="accent1"/>
-          </a:effectRef>
-          <a:fontRef idx="minor">
-            <a:schemeClr val="tx1"/>
-          </a:fontRef>
-        </p:style>
-        <p:txBody>
-          <a:bodyPr rtlCol="0" anchor="ctr"/>
-          <a:lstStyle/>
-          <a:p>
-            <a:pPr algn="ctr"/>
-            <a:endParaRPr lang="en-US" dirty="0"/>
-          </a:p>
-        </p:txBody>
-      </p:sp>
-      <p:sp>
-        <p:nvSpPr>
-          <p:cNvPr id="24" name="Freeform: Shape 23">
-            <a:extLst>
-              <a:ext uri="{FF2B5EF4-FFF2-40B4-BE49-F238E27FC236}">
-                <a16:creationId xmlns:a16="http://schemas.microsoft.com/office/drawing/2014/main" id="{3AB72E55-43E4-4356-BFE8-E2102CB0B505}"/>
-              </a:ext>
-              <a:ext uri="{C183D7F6-B498-43B3-948B-1728B52AA6E4}">
-                <adec:decorative xmlns:adec="http://schemas.microsoft.com/office/drawing/2017/decorative" val="1"/>
-              </a:ext>
-            </a:extLst>
-          </p:cNvPr>
-          <p:cNvSpPr>
-            <a:spLocks noGrp="1" noRot="1" noChangeAspect="1" noMove="1" noResize="1" noEditPoints="1" noAdjustHandles="1" noChangeArrowheads="1" noChangeShapeType="1" noTextEdit="1"/>
-          </p:cNvSpPr>
-          <p:nvPr>
-            <p:extLst>
-              <p:ext uri="{386F3935-93C4-4BCD-93E2-E3B085C9AB24}">
-                <p16:designElem xmlns:p16="http://schemas.microsoft.com/office/powerpoint/2015/main" val="1"/>
-              </p:ext>
-            </p:extLst>
-          </p:nvPr>
-        </p:nvSpPr>
-        <p:spPr>
-          <a:xfrm>
-            <a:off x="6821310" y="4962670"/>
-            <a:ext cx="2643352" cy="1895331"/>
-          </a:xfrm>
-          <a:custGeom>
-            <a:avLst/>
-            <a:gdLst>
-              <a:gd name="connsiteX0" fmla="*/ 1321676 w 2643352"/>
-              <a:gd name="connsiteY0" fmla="*/ 0 h 1895331"/>
-              <a:gd name="connsiteX1" fmla="*/ 2643352 w 2643352"/>
-              <a:gd name="connsiteY1" fmla="*/ 1321676 h 1895331"/>
-              <a:gd name="connsiteX2" fmla="*/ 2539488 w 2643352"/>
-              <a:gd name="connsiteY2" fmla="*/ 1836132 h 1895331"/>
-              <a:gd name="connsiteX3" fmla="*/ 2510970 w 2643352"/>
-              <a:gd name="connsiteY3" fmla="*/ 1895331 h 1895331"/>
-              <a:gd name="connsiteX4" fmla="*/ 132382 w 2643352"/>
-              <a:gd name="connsiteY4" fmla="*/ 1895331 h 1895331"/>
-              <a:gd name="connsiteX5" fmla="*/ 103864 w 2643352"/>
-              <a:gd name="connsiteY5" fmla="*/ 1836132 h 1895331"/>
-              <a:gd name="connsiteX6" fmla="*/ 0 w 2643352"/>
-              <a:gd name="connsiteY6" fmla="*/ 1321676 h 1895331"/>
-              <a:gd name="connsiteX7" fmla="*/ 1321676 w 2643352"/>
-              <a:gd name="connsiteY7" fmla="*/ 0 h 1895331"/>
-            </a:gdLst>
-            <a:ahLst/>
-            <a:cxnLst>
-              <a:cxn ang="0">
-                <a:pos x="connsiteX0" y="connsiteY0"/>
-              </a:cxn>
-              <a:cxn ang="0">
-                <a:pos x="connsiteX1" y="connsiteY1"/>
-              </a:cxn>
-              <a:cxn ang="0">
-                <a:pos x="connsiteX2" y="connsiteY2"/>
-              </a:cxn>
-              <a:cxn ang="0">
-                <a:pos x="connsiteX3" y="connsiteY3"/>
-              </a:cxn>
-              <a:cxn ang="0">
-                <a:pos x="connsiteX4" y="connsiteY4"/>
-              </a:cxn>
-              <a:cxn ang="0">
-                <a:pos x="connsiteX5" y="connsiteY5"/>
-              </a:cxn>
-              <a:cxn ang="0">
-                <a:pos x="connsiteX6" y="connsiteY6"/>
-              </a:cxn>
-              <a:cxn ang="0">
-                <a:pos x="connsiteX7" y="connsiteY7"/>
-              </a:cxn>
-            </a:cxnLst>
-            <a:rect l="l" t="t" r="r" b="b"/>
-            <a:pathLst>
-              <a:path w="2643352" h="1895331">
-                <a:moveTo>
-                  <a:pt x="1321676" y="0"/>
-                </a:moveTo>
-                <a:cubicBezTo>
-                  <a:pt x="2051617" y="0"/>
-                  <a:pt x="2643352" y="591735"/>
-                  <a:pt x="2643352" y="1321676"/>
-                </a:cubicBezTo>
-                <a:cubicBezTo>
-                  <a:pt x="2643352" y="1504161"/>
-                  <a:pt x="2606369" y="1678009"/>
-                  <a:pt x="2539488" y="1836132"/>
-                </a:cubicBezTo>
-                <a:lnTo>
-                  <a:pt x="2510970" y="1895331"/>
-                </a:lnTo>
-                <a:lnTo>
-                  <a:pt x="132382" y="1895331"/>
-                </a:lnTo>
-                <a:lnTo>
-                  <a:pt x="103864" y="1836132"/>
-                </a:lnTo>
-                <a:cubicBezTo>
-                  <a:pt x="36984" y="1678009"/>
-                  <a:pt x="0" y="1504161"/>
-                  <a:pt x="0" y="1321676"/>
-                </a:cubicBezTo>
-                <a:cubicBezTo>
-                  <a:pt x="0" y="591735"/>
-                  <a:pt x="591735" y="0"/>
-                  <a:pt x="1321676" y="0"/>
-                </a:cubicBezTo>
-                <a:close/>
-              </a:path>
-            </a:pathLst>
-          </a:custGeom>
-          <a:solidFill>
-            <a:schemeClr val="accent2"/>
-          </a:solidFill>
-          <a:ln>
-            <a:noFill/>
-          </a:ln>
-        </p:spPr>
-        <p:style>
-          <a:lnRef idx="2">
-            <a:schemeClr val="accent1">
-              <a:shade val="50000"/>
-            </a:schemeClr>
-          </a:lnRef>
-          <a:fillRef idx="1">
-            <a:schemeClr val="accent1"/>
-          </a:fillRef>
-          <a:effectRef idx="0">
-            <a:schemeClr val="accent1"/>
-          </a:effectRef>
-          <a:fontRef idx="minor">
-            <a:schemeClr val="lt1"/>
-          </a:fontRef>
-        </p:style>
-        <p:txBody>
-          <a:bodyPr rtlCol="0" anchor="ctr"/>
-          <a:lstStyle/>
-          <a:p>
-            <a:pPr algn="ctr"/>
-            <a:endParaRPr lang="en-US"/>
-          </a:p>
-        </p:txBody>
-      </p:sp>
-    </p:spTree>
-    <p:extLst>
-      <p:ext uri="{BB962C8B-B14F-4D97-AF65-F5344CB8AC3E}">
-        <p14:creationId xmlns:p14="http://schemas.microsoft.com/office/powerpoint/2010/main" val="2589653835"/>
       </p:ext>
     </p:extLst>
   </p:cSld>

--- a/LyceumProjectPresentation.pptx
+++ b/LyceumProjectPresentation.pptx
@@ -124,6 +124,7 @@
 <file path=ppt/revisionInfo.xml><?xml version="1.0" encoding="utf-8"?>
 <p1510:revInfo xmlns:a="http://schemas.openxmlformats.org/drawingml/2006/main" xmlns:r="http://schemas.openxmlformats.org/officeDocument/2006/relationships" xmlns:p1510="http://schemas.microsoft.com/office/powerpoint/2015/10/main">
   <p1510:revLst>
+    <p1510:client id="{1CA7AD6E-64B5-43ED-8518-070175E0513E}" v="5" dt="2023-11-22T15:38:59.085"/>
     <p1510:client id="{3E47A8F5-6137-437C-B39C-A4CE0738C814}" v="2025" dt="2023-11-09T11:24:39.304"/>
     <p1510:client id="{C907298B-7D49-4ED6-9729-283B48235E78}" v="45" dt="2023-11-19T10:13:21.473"/>
     <p1510:client id="{CB9CE215-4F9E-4775-96E7-89702C92E4E6}" v="691" dt="2023-11-11T15:37:43.377"/>
@@ -3141,7 +3142,7 @@
           <a:p>
             <a:fld id="{F2FFB779-270B-4192-84BA-A697F48306DC}" type="datetimeFigureOut">
               <a:rPr lang="ru-RU" smtClean="0"/>
-              <a:t>19.11.2023</a:t>
+              <a:t>22.11.2023</a:t>
             </a:fld>
             <a:endParaRPr lang="ru-RU"/>
           </a:p>
@@ -3309,7 +3310,7 @@
           <a:p>
             <a:fld id="{F2FFB779-270B-4192-84BA-A697F48306DC}" type="datetimeFigureOut">
               <a:rPr lang="ru-RU" smtClean="0"/>
-              <a:t>19.11.2023</a:t>
+              <a:t>22.11.2023</a:t>
             </a:fld>
             <a:endParaRPr lang="ru-RU"/>
           </a:p>
@@ -3487,7 +3488,7 @@
           <a:p>
             <a:fld id="{F2FFB779-270B-4192-84BA-A697F48306DC}" type="datetimeFigureOut">
               <a:rPr lang="ru-RU" smtClean="0"/>
-              <a:t>19.11.2023</a:t>
+              <a:t>22.11.2023</a:t>
             </a:fld>
             <a:endParaRPr lang="ru-RU"/>
           </a:p>
@@ -3655,7 +3656,7 @@
           <a:p>
             <a:fld id="{F2FFB779-270B-4192-84BA-A697F48306DC}" type="datetimeFigureOut">
               <a:rPr lang="ru-RU" smtClean="0"/>
-              <a:t>19.11.2023</a:t>
+              <a:t>22.11.2023</a:t>
             </a:fld>
             <a:endParaRPr lang="ru-RU"/>
           </a:p>
@@ -3900,7 +3901,7 @@
           <a:p>
             <a:fld id="{F2FFB779-270B-4192-84BA-A697F48306DC}" type="datetimeFigureOut">
               <a:rPr lang="ru-RU" smtClean="0"/>
-              <a:t>19.11.2023</a:t>
+              <a:t>22.11.2023</a:t>
             </a:fld>
             <a:endParaRPr lang="ru-RU"/>
           </a:p>
@@ -4129,7 +4130,7 @@
           <a:p>
             <a:fld id="{F2FFB779-270B-4192-84BA-A697F48306DC}" type="datetimeFigureOut">
               <a:rPr lang="ru-RU" smtClean="0"/>
-              <a:t>19.11.2023</a:t>
+              <a:t>22.11.2023</a:t>
             </a:fld>
             <a:endParaRPr lang="ru-RU"/>
           </a:p>
@@ -4493,7 +4494,7 @@
           <a:p>
             <a:fld id="{F2FFB779-270B-4192-84BA-A697F48306DC}" type="datetimeFigureOut">
               <a:rPr lang="ru-RU" smtClean="0"/>
-              <a:t>19.11.2023</a:t>
+              <a:t>22.11.2023</a:t>
             </a:fld>
             <a:endParaRPr lang="ru-RU"/>
           </a:p>
@@ -4610,7 +4611,7 @@
           <a:p>
             <a:fld id="{F2FFB779-270B-4192-84BA-A697F48306DC}" type="datetimeFigureOut">
               <a:rPr lang="ru-RU" smtClean="0"/>
-              <a:t>19.11.2023</a:t>
+              <a:t>22.11.2023</a:t>
             </a:fld>
             <a:endParaRPr lang="ru-RU"/>
           </a:p>
@@ -4705,7 +4706,7 @@
           <a:p>
             <a:fld id="{F2FFB779-270B-4192-84BA-A697F48306DC}" type="datetimeFigureOut">
               <a:rPr lang="ru-RU" smtClean="0"/>
-              <a:t>19.11.2023</a:t>
+              <a:t>22.11.2023</a:t>
             </a:fld>
             <a:endParaRPr lang="ru-RU"/>
           </a:p>
@@ -4980,7 +4981,7 @@
           <a:p>
             <a:fld id="{F2FFB779-270B-4192-84BA-A697F48306DC}" type="datetimeFigureOut">
               <a:rPr lang="ru-RU" smtClean="0"/>
-              <a:t>19.11.2023</a:t>
+              <a:t>22.11.2023</a:t>
             </a:fld>
             <a:endParaRPr lang="ru-RU"/>
           </a:p>
@@ -5232,7 +5233,7 @@
           <a:p>
             <a:fld id="{F2FFB779-270B-4192-84BA-A697F48306DC}" type="datetimeFigureOut">
               <a:rPr lang="ru-RU" smtClean="0"/>
-              <a:t>19.11.2023</a:t>
+              <a:t>22.11.2023</a:t>
             </a:fld>
             <a:endParaRPr lang="ru-RU"/>
           </a:p>
@@ -5443,7 +5444,7 @@
           <a:p>
             <a:fld id="{F2FFB779-270B-4192-84BA-A697F48306DC}" type="datetimeFigureOut">
               <a:rPr lang="ru-RU" smtClean="0"/>
-              <a:t>19.11.2023</a:t>
+              <a:t>22.11.2023</a:t>
             </a:fld>
             <a:endParaRPr lang="ru-RU"/>
           </a:p>
@@ -9681,7 +9682,7 @@
                 <a:ea typeface="+mn-lt"/>
                 <a:cs typeface="+mn-lt"/>
               </a:rPr>
-              <a:t>_script.py содержит класс Database, который отвечает за общение с базой данных.</a:t>
+              <a:t>_module.py содержит класс Database, который отвечает за общение с базой данных.</a:t>
             </a:r>
             <a:endParaRPr lang="ru-RU" sz="2000" dirty="0"/>
           </a:p>
